--- a/21324104_2학기캡스톤.pptx
+++ b/21324104_2학기캡스톤.pptx
@@ -8,18 +8,26 @@
     <p:sldId id="256" r:id="rId2"/>
     <p:sldId id="257" r:id="rId3"/>
     <p:sldId id="258" r:id="rId4"/>
-    <p:sldId id="263" r:id="rId5"/>
-    <p:sldId id="259" r:id="rId6"/>
-    <p:sldId id="260" r:id="rId7"/>
-    <p:sldId id="262" r:id="rId8"/>
+    <p:sldId id="264" r:id="rId5"/>
+    <p:sldId id="263" r:id="rId6"/>
+    <p:sldId id="266" r:id="rId7"/>
+    <p:sldId id="265" r:id="rId8"/>
+    <p:sldId id="267" r:id="rId9"/>
+    <p:sldId id="268" r:id="rId10"/>
+    <p:sldId id="269" r:id="rId11"/>
+    <p:sldId id="270" r:id="rId12"/>
+    <p:sldId id="271" r:id="rId13"/>
+    <p:sldId id="272" r:id="rId14"/>
+    <p:sldId id="273" r:id="rId15"/>
+    <p:sldId id="262" r:id="rId16"/>
   </p:sldIdLst>
   <p:sldSz cx="12192000" cy="6858000"/>
   <p:notesSz cx="6858000" cy="9144000"/>
   <p:embeddedFontLst>
     <p:embeddedFont>
       <p:font typeface="맑은 고딕" panose="020B0503020000020004" pitchFamily="50" charset="-127"/>
-      <p:regular r:id="rId9"/>
-      <p:bold r:id="rId10"/>
+      <p:regular r:id="rId17"/>
+      <p:bold r:id="rId18"/>
     </p:embeddedFont>
   </p:embeddedFontLst>
   <p:defaultTextStyle>
@@ -272,7 +280,7 @@
           <a:p>
             <a:fld id="{784D74D0-C08C-4FA0-B1AC-58A8B9A14615}" type="datetimeFigureOut">
               <a:rPr lang="ko-KR" altLang="en-US" smtClean="0"/>
-              <a:t>2020-09-09</a:t>
+              <a:t>2020-09-10</a:t>
             </a:fld>
             <a:endParaRPr lang="ko-KR" altLang="en-US"/>
           </a:p>
@@ -470,7 +478,7 @@
           <a:p>
             <a:fld id="{784D74D0-C08C-4FA0-B1AC-58A8B9A14615}" type="datetimeFigureOut">
               <a:rPr lang="ko-KR" altLang="en-US" smtClean="0"/>
-              <a:t>2020-09-09</a:t>
+              <a:t>2020-09-10</a:t>
             </a:fld>
             <a:endParaRPr lang="ko-KR" altLang="en-US"/>
           </a:p>
@@ -678,7 +686,7 @@
           <a:p>
             <a:fld id="{784D74D0-C08C-4FA0-B1AC-58A8B9A14615}" type="datetimeFigureOut">
               <a:rPr lang="ko-KR" altLang="en-US" smtClean="0"/>
-              <a:t>2020-09-09</a:t>
+              <a:t>2020-09-10</a:t>
             </a:fld>
             <a:endParaRPr lang="ko-KR" altLang="en-US"/>
           </a:p>
@@ -876,7 +884,7 @@
           <a:p>
             <a:fld id="{784D74D0-C08C-4FA0-B1AC-58A8B9A14615}" type="datetimeFigureOut">
               <a:rPr lang="ko-KR" altLang="en-US" smtClean="0"/>
-              <a:t>2020-09-09</a:t>
+              <a:t>2020-09-10</a:t>
             </a:fld>
             <a:endParaRPr lang="ko-KR" altLang="en-US"/>
           </a:p>
@@ -1151,7 +1159,7 @@
           <a:p>
             <a:fld id="{784D74D0-C08C-4FA0-B1AC-58A8B9A14615}" type="datetimeFigureOut">
               <a:rPr lang="ko-KR" altLang="en-US" smtClean="0"/>
-              <a:t>2020-09-09</a:t>
+              <a:t>2020-09-10</a:t>
             </a:fld>
             <a:endParaRPr lang="ko-KR" altLang="en-US"/>
           </a:p>
@@ -1416,7 +1424,7 @@
           <a:p>
             <a:fld id="{784D74D0-C08C-4FA0-B1AC-58A8B9A14615}" type="datetimeFigureOut">
               <a:rPr lang="ko-KR" altLang="en-US" smtClean="0"/>
-              <a:t>2020-09-09</a:t>
+              <a:t>2020-09-10</a:t>
             </a:fld>
             <a:endParaRPr lang="ko-KR" altLang="en-US"/>
           </a:p>
@@ -1828,7 +1836,7 @@
           <a:p>
             <a:fld id="{784D74D0-C08C-4FA0-B1AC-58A8B9A14615}" type="datetimeFigureOut">
               <a:rPr lang="ko-KR" altLang="en-US" smtClean="0"/>
-              <a:t>2020-09-09</a:t>
+              <a:t>2020-09-10</a:t>
             </a:fld>
             <a:endParaRPr lang="ko-KR" altLang="en-US"/>
           </a:p>
@@ -1969,7 +1977,7 @@
           <a:p>
             <a:fld id="{784D74D0-C08C-4FA0-B1AC-58A8B9A14615}" type="datetimeFigureOut">
               <a:rPr lang="ko-KR" altLang="en-US" smtClean="0"/>
-              <a:t>2020-09-09</a:t>
+              <a:t>2020-09-10</a:t>
             </a:fld>
             <a:endParaRPr lang="ko-KR" altLang="en-US"/>
           </a:p>
@@ -2082,7 +2090,7 @@
           <a:p>
             <a:fld id="{784D74D0-C08C-4FA0-B1AC-58A8B9A14615}" type="datetimeFigureOut">
               <a:rPr lang="ko-KR" altLang="en-US" smtClean="0"/>
-              <a:t>2020-09-09</a:t>
+              <a:t>2020-09-10</a:t>
             </a:fld>
             <a:endParaRPr lang="ko-KR" altLang="en-US"/>
           </a:p>
@@ -2393,7 +2401,7 @@
           <a:p>
             <a:fld id="{784D74D0-C08C-4FA0-B1AC-58A8B9A14615}" type="datetimeFigureOut">
               <a:rPr lang="ko-KR" altLang="en-US" smtClean="0"/>
-              <a:t>2020-09-09</a:t>
+              <a:t>2020-09-10</a:t>
             </a:fld>
             <a:endParaRPr lang="ko-KR" altLang="en-US"/>
           </a:p>
@@ -2681,7 +2689,7 @@
           <a:p>
             <a:fld id="{784D74D0-C08C-4FA0-B1AC-58A8B9A14615}" type="datetimeFigureOut">
               <a:rPr lang="ko-KR" altLang="en-US" smtClean="0"/>
-              <a:t>2020-09-09</a:t>
+              <a:t>2020-09-10</a:t>
             </a:fld>
             <a:endParaRPr lang="ko-KR" altLang="en-US"/>
           </a:p>
@@ -2922,7 +2930,7 @@
           <a:p>
             <a:fld id="{784D74D0-C08C-4FA0-B1AC-58A8B9A14615}" type="datetimeFigureOut">
               <a:rPr lang="ko-KR" altLang="en-US" smtClean="0"/>
-              <a:t>2020-09-09</a:t>
+              <a:t>2020-09-10</a:t>
             </a:fld>
             <a:endParaRPr lang="ko-KR" altLang="en-US"/>
           </a:p>
@@ -3728,7 +3736,7 @@
 </p:sld>
 </file>
 
-<file path=ppt/slides/slide2.xml><?xml version="1.0" encoding="utf-8"?>
+<file path=ppt/slides/slide10.xml><?xml version="1.0" encoding="utf-8"?>
 <p:sld xmlns:a="http://schemas.openxmlformats.org/drawingml/2006/main" xmlns:r="http://schemas.openxmlformats.org/officeDocument/2006/relationships" xmlns:p="http://schemas.openxmlformats.org/presentationml/2006/main">
   <p:cSld>
     <p:bg>
@@ -3755,289 +3763,42 @@
           <a:chExt cx="0" cy="0"/>
         </a:xfrm>
       </p:grpSpPr>
-      <p:sp>
-        <p:nvSpPr>
-          <p:cNvPr id="2" name="TextBox 1">
-            <a:extLst>
-              <a:ext uri="{FF2B5EF4-FFF2-40B4-BE49-F238E27FC236}">
-                <a16:creationId xmlns:a16="http://schemas.microsoft.com/office/drawing/2014/main" id="{008E62C0-14A1-4A12-B41E-13F0E87755BC}"/>
-              </a:ext>
-            </a:extLst>
-          </p:cNvPr>
-          <p:cNvSpPr txBox="1"/>
+      <p:pic>
+        <p:nvPicPr>
+          <p:cNvPr id="9" name="그림 8" descr="다른, 많은, 컴퓨터, 여러개이(가) 표시된 사진&#10;&#10;자동 생성된 설명">
+            <a:extLst>
+              <a:ext uri="{FF2B5EF4-FFF2-40B4-BE49-F238E27FC236}">
+                <a16:creationId xmlns:a16="http://schemas.microsoft.com/office/drawing/2014/main" id="{1D1B96CE-3F13-4BEF-B719-D01CD556D723}"/>
+              </a:ext>
+            </a:extLst>
+          </p:cNvPr>
+          <p:cNvPicPr>
+            <a:picLocks noChangeAspect="1"/>
+          </p:cNvPicPr>
           <p:nvPr/>
-        </p:nvSpPr>
+        </p:nvPicPr>
+        <p:blipFill>
+          <a:blip r:embed="rId2">
+            <a:extLst>
+              <a:ext uri="{28A0092B-C50C-407E-A947-70E740481C1C}">
+                <a14:useLocalDpi xmlns:a14="http://schemas.microsoft.com/office/drawing/2010/main" val="0"/>
+              </a:ext>
+            </a:extLst>
+          </a:blip>
+          <a:stretch>
+            <a:fillRect/>
+          </a:stretch>
+        </p:blipFill>
         <p:spPr>
           <a:xfrm>
-            <a:off x="4099944" y="1193005"/>
-            <a:ext cx="1820411" cy="461665"/>
+            <a:off x="3563145" y="834437"/>
+            <a:ext cx="7459116" cy="5391902"/>
           </a:xfrm>
           <a:prstGeom prst="rect">
             <a:avLst/>
           </a:prstGeom>
-          <a:noFill/>
         </p:spPr>
-        <p:txBody>
-          <a:bodyPr wrap="square" rtlCol="0">
-            <a:spAutoFit/>
-          </a:bodyPr>
-          <a:lstStyle/>
-          <a:p>
-            <a:r>
-              <a:rPr lang="en-US" altLang="ko-KR" sz="2400" dirty="0">
-                <a:ln>
-                  <a:solidFill>
-                    <a:schemeClr val="tx1">
-                      <a:alpha val="30000"/>
-                    </a:schemeClr>
-                  </a:solidFill>
-                </a:ln>
-                <a:latin typeface="KoPub돋움체 Light" panose="02020603020101020101" pitchFamily="18" charset="-127"/>
-                <a:ea typeface="KoPub돋움체 Light" panose="02020603020101020101" pitchFamily="18" charset="-127"/>
-              </a:rPr>
-              <a:t>CONTENTS</a:t>
-            </a:r>
-          </a:p>
-        </p:txBody>
-      </p:sp>
-      <p:sp>
-        <p:nvSpPr>
-          <p:cNvPr id="17" name="직사각형 16">
-            <a:extLst>
-              <a:ext uri="{FF2B5EF4-FFF2-40B4-BE49-F238E27FC236}">
-                <a16:creationId xmlns:a16="http://schemas.microsoft.com/office/drawing/2014/main" id="{21582EED-4CEF-4332-AD6E-3A0DE847DFC5}"/>
-              </a:ext>
-            </a:extLst>
-          </p:cNvPr>
-          <p:cNvSpPr/>
-          <p:nvPr/>
-        </p:nvSpPr>
-        <p:spPr>
-          <a:xfrm>
-            <a:off x="4210050" y="1608878"/>
-            <a:ext cx="3771900" cy="3640244"/>
-          </a:xfrm>
-          <a:prstGeom prst="rect">
-            <a:avLst/>
-          </a:prstGeom>
-          <a:noFill/>
-          <a:ln w="25400">
-            <a:solidFill>
-              <a:schemeClr val="tx1"/>
-            </a:solidFill>
-          </a:ln>
-        </p:spPr>
-        <p:style>
-          <a:lnRef idx="2">
-            <a:schemeClr val="accent1">
-              <a:shade val="50000"/>
-            </a:schemeClr>
-          </a:lnRef>
-          <a:fillRef idx="1">
-            <a:schemeClr val="accent1"/>
-          </a:fillRef>
-          <a:effectRef idx="0">
-            <a:schemeClr val="accent1"/>
-          </a:effectRef>
-          <a:fontRef idx="minor">
-            <a:schemeClr val="lt1"/>
-          </a:fontRef>
-        </p:style>
-        <p:txBody>
-          <a:bodyPr rtlCol="0" anchor="ctr"/>
-          <a:lstStyle/>
-          <a:p>
-            <a:pPr algn="ctr"/>
-            <a:endParaRPr lang="ko-KR" altLang="en-US"/>
-          </a:p>
-        </p:txBody>
-      </p:sp>
-      <p:sp>
-        <p:nvSpPr>
-          <p:cNvPr id="18" name="TextBox 17">
-            <a:extLst>
-              <a:ext uri="{FF2B5EF4-FFF2-40B4-BE49-F238E27FC236}">
-                <a16:creationId xmlns:a16="http://schemas.microsoft.com/office/drawing/2014/main" id="{D7B7EE40-BAD9-4569-9BF6-F6E9ACA78A3C}"/>
-              </a:ext>
-            </a:extLst>
-          </p:cNvPr>
-          <p:cNvSpPr txBox="1"/>
-          <p:nvPr/>
-        </p:nvSpPr>
-        <p:spPr>
-          <a:xfrm>
-            <a:off x="5010152" y="2419068"/>
-            <a:ext cx="1576513" cy="400110"/>
-          </a:xfrm>
-          <a:prstGeom prst="rect">
-            <a:avLst/>
-          </a:prstGeom>
-          <a:noFill/>
-        </p:spPr>
-        <p:txBody>
-          <a:bodyPr wrap="square" rtlCol="0">
-            <a:spAutoFit/>
-          </a:bodyPr>
-          <a:lstStyle/>
-          <a:p>
-            <a:r>
-              <a:rPr lang="ko-KR" altLang="en-US" sz="2000" dirty="0">
-                <a:ln>
-                  <a:solidFill>
-                    <a:schemeClr val="tx1">
-                      <a:alpha val="30000"/>
-                    </a:schemeClr>
-                  </a:solidFill>
-                </a:ln>
-                <a:latin typeface="KoPub돋움체 Light" panose="02020603020101020101" pitchFamily="18" charset="-127"/>
-                <a:ea typeface="KoPub돋움체 Light" panose="02020603020101020101" pitchFamily="18" charset="-127"/>
-              </a:rPr>
-              <a:t>특징 설명</a:t>
-            </a:r>
-            <a:endParaRPr lang="ko-KR" altLang="en-US" sz="1600" dirty="0">
-              <a:ln>
-                <a:solidFill>
-                  <a:schemeClr val="tx1">
-                    <a:alpha val="30000"/>
-                  </a:schemeClr>
-                </a:solidFill>
-              </a:ln>
-              <a:latin typeface="KoPub돋움체 Light" panose="02020603020101020101" pitchFamily="18" charset="-127"/>
-              <a:ea typeface="KoPub돋움체 Light" panose="02020603020101020101" pitchFamily="18" charset="-127"/>
-            </a:endParaRPr>
-          </a:p>
-        </p:txBody>
-      </p:sp>
-      <p:sp>
-        <p:nvSpPr>
-          <p:cNvPr id="3" name="TextBox 2">
-            <a:extLst>
-              <a:ext uri="{FF2B5EF4-FFF2-40B4-BE49-F238E27FC236}">
-                <a16:creationId xmlns:a16="http://schemas.microsoft.com/office/drawing/2014/main" id="{EA4430EA-EABC-4F6B-A877-9318B3C24F9E}"/>
-              </a:ext>
-            </a:extLst>
-          </p:cNvPr>
-          <p:cNvSpPr txBox="1"/>
-          <p:nvPr/>
-        </p:nvSpPr>
-        <p:spPr>
-          <a:xfrm>
-            <a:off x="5010151" y="3224913"/>
-            <a:ext cx="1576513" cy="400110"/>
-          </a:xfrm>
-          <a:prstGeom prst="rect">
-            <a:avLst/>
-          </a:prstGeom>
-          <a:noFill/>
-        </p:spPr>
-        <p:txBody>
-          <a:bodyPr wrap="square" rtlCol="0">
-            <a:spAutoFit/>
-          </a:bodyPr>
-          <a:lstStyle/>
-          <a:p>
-            <a:r>
-              <a:rPr lang="ko-KR" altLang="en-US" sz="2000" dirty="0">
-                <a:ln>
-                  <a:solidFill>
-                    <a:schemeClr val="tx1">
-                      <a:alpha val="30000"/>
-                    </a:schemeClr>
-                  </a:solidFill>
-                </a:ln>
-                <a:latin typeface="KoPub돋움체 Light" panose="02020603020101020101" pitchFamily="18" charset="-127"/>
-                <a:ea typeface="KoPub돋움체 Light" panose="02020603020101020101" pitchFamily="18" charset="-127"/>
-              </a:rPr>
-              <a:t>제작 환경</a:t>
-            </a:r>
-          </a:p>
-        </p:txBody>
-      </p:sp>
-      <p:sp>
-        <p:nvSpPr>
-          <p:cNvPr id="4" name="TextBox 3">
-            <a:extLst>
-              <a:ext uri="{FF2B5EF4-FFF2-40B4-BE49-F238E27FC236}">
-                <a16:creationId xmlns:a16="http://schemas.microsoft.com/office/drawing/2014/main" id="{447B1903-104C-4DEC-9C59-5A9AC96E1E4A}"/>
-              </a:ext>
-            </a:extLst>
-          </p:cNvPr>
-          <p:cNvSpPr txBox="1"/>
-          <p:nvPr/>
-        </p:nvSpPr>
-        <p:spPr>
-          <a:xfrm>
-            <a:off x="5010150" y="4030758"/>
-            <a:ext cx="1576513" cy="400110"/>
-          </a:xfrm>
-          <a:prstGeom prst="rect">
-            <a:avLst/>
-          </a:prstGeom>
-          <a:noFill/>
-        </p:spPr>
-        <p:txBody>
-          <a:bodyPr wrap="square" rtlCol="0">
-            <a:spAutoFit/>
-          </a:bodyPr>
-          <a:lstStyle/>
-          <a:p>
-            <a:r>
-              <a:rPr lang="ko-KR" altLang="en-US" sz="2000" dirty="0">
-                <a:ln>
-                  <a:solidFill>
-                    <a:schemeClr val="tx1">
-                      <a:alpha val="30000"/>
-                    </a:schemeClr>
-                  </a:solidFill>
-                </a:ln>
-                <a:latin typeface="KoPub돋움체 Light" panose="02020603020101020101" pitchFamily="18" charset="-127"/>
-                <a:ea typeface="KoPub돋움체 Light" panose="02020603020101020101" pitchFamily="18" charset="-127"/>
-              </a:rPr>
-              <a:t>시연 동영상</a:t>
-            </a:r>
-          </a:p>
-        </p:txBody>
-      </p:sp>
-    </p:spTree>
-    <p:extLst>
-      <p:ext uri="{BB962C8B-B14F-4D97-AF65-F5344CB8AC3E}">
-        <p14:creationId xmlns:p14="http://schemas.microsoft.com/office/powerpoint/2010/main" val="1838111988"/>
-      </p:ext>
-    </p:extLst>
-  </p:cSld>
-  <p:clrMapOvr>
-    <a:masterClrMapping/>
-  </p:clrMapOvr>
-</p:sld>
-</file>
-
-<file path=ppt/slides/slide3.xml><?xml version="1.0" encoding="utf-8"?>
-<p:sld xmlns:a="http://schemas.openxmlformats.org/drawingml/2006/main" xmlns:r="http://schemas.openxmlformats.org/officeDocument/2006/relationships" xmlns:p="http://schemas.openxmlformats.org/presentationml/2006/main">
-  <p:cSld>
-    <p:bg>
-      <p:bgPr>
-        <a:solidFill>
-          <a:schemeClr val="bg1">
-            <a:lumMod val="95000"/>
-          </a:schemeClr>
-        </a:solidFill>
-        <a:effectLst/>
-      </p:bgPr>
-    </p:bg>
-    <p:spTree>
-      <p:nvGrpSpPr>
-        <p:cNvPr id="1" name=""/>
-        <p:cNvGrpSpPr/>
-        <p:nvPr/>
-      </p:nvGrpSpPr>
-      <p:grpSpPr>
-        <a:xfrm>
-          <a:off x="0" y="0"/>
-          <a:ext cx="0" cy="0"/>
-          <a:chOff x="0" y="0"/>
-          <a:chExt cx="0" cy="0"/>
-        </a:xfrm>
-      </p:grpSpPr>
+      </p:pic>
       <p:grpSp>
         <p:nvGrpSpPr>
           <p:cNvPr id="6" name="그룹 5">
@@ -4052,7 +3813,7 @@
         </p:nvGrpSpPr>
         <p:grpSpPr>
           <a:xfrm>
-            <a:off x="491701" y="407324"/>
+            <a:off x="500014" y="407324"/>
             <a:ext cx="1852488" cy="854227"/>
             <a:chOff x="640080" y="-971550"/>
             <a:chExt cx="1660746" cy="765810"/>
@@ -4099,7 +3860,2161 @@
                   <a:latin typeface="KoPub돋움체 Light" panose="02020603020101020101" pitchFamily="18" charset="-127"/>
                   <a:ea typeface="KoPub돋움체 Light" panose="02020603020101020101" pitchFamily="18" charset="-127"/>
                 </a:rPr>
-                <a:t>특징 설명</a:t>
+                <a:t>구현 과정</a:t>
+              </a:r>
+              <a:endParaRPr lang="ko-KR" altLang="en-US" sz="1600" dirty="0">
+                <a:ln>
+                  <a:solidFill>
+                    <a:schemeClr val="tx1">
+                      <a:alpha val="30000"/>
+                    </a:schemeClr>
+                  </a:solidFill>
+                </a:ln>
+                <a:latin typeface="KoPub돋움체 Light" panose="02020603020101020101" pitchFamily="18" charset="-127"/>
+                <a:ea typeface="KoPub돋움체 Light" panose="02020603020101020101" pitchFamily="18" charset="-127"/>
+              </a:endParaRPr>
+            </a:p>
+          </p:txBody>
+        </p:sp>
+        <p:sp>
+          <p:nvSpPr>
+            <p:cNvPr id="5" name="직사각형 4">
+              <a:extLst>
+                <a:ext uri="{FF2B5EF4-FFF2-40B4-BE49-F238E27FC236}">
+                  <a16:creationId xmlns:a16="http://schemas.microsoft.com/office/drawing/2014/main" id="{AB4C8245-D0E4-4D79-B3E9-2FB89CE6FE84}"/>
+                </a:ext>
+              </a:extLst>
+            </p:cNvPr>
+            <p:cNvSpPr/>
+            <p:nvPr/>
+          </p:nvSpPr>
+          <p:spPr>
+            <a:xfrm>
+              <a:off x="640080" y="-971550"/>
+              <a:ext cx="1660746" cy="765810"/>
+            </a:xfrm>
+            <a:prstGeom prst="rect">
+              <a:avLst/>
+            </a:prstGeom>
+            <a:noFill/>
+            <a:ln w="25400">
+              <a:solidFill>
+                <a:schemeClr val="tx1"/>
+              </a:solidFill>
+            </a:ln>
+          </p:spPr>
+          <p:style>
+            <a:lnRef idx="2">
+              <a:schemeClr val="accent1">
+                <a:shade val="50000"/>
+              </a:schemeClr>
+            </a:lnRef>
+            <a:fillRef idx="1">
+              <a:schemeClr val="accent1"/>
+            </a:fillRef>
+            <a:effectRef idx="0">
+              <a:schemeClr val="accent1"/>
+            </a:effectRef>
+            <a:fontRef idx="minor">
+              <a:schemeClr val="lt1"/>
+            </a:fontRef>
+          </p:style>
+          <p:txBody>
+            <a:bodyPr rtlCol="0" anchor="ctr"/>
+            <a:lstStyle/>
+            <a:p>
+              <a:pPr algn="ctr"/>
+              <a:endParaRPr lang="ko-KR" altLang="en-US"/>
+            </a:p>
+          </p:txBody>
+        </p:sp>
+      </p:grpSp>
+      <p:sp>
+        <p:nvSpPr>
+          <p:cNvPr id="7" name="TextBox 6">
+            <a:extLst>
+              <a:ext uri="{FF2B5EF4-FFF2-40B4-BE49-F238E27FC236}">
+                <a16:creationId xmlns:a16="http://schemas.microsoft.com/office/drawing/2014/main" id="{77ED49F9-B91F-4AC2-9CDF-E12973B2A540}"/>
+              </a:ext>
+            </a:extLst>
+          </p:cNvPr>
+          <p:cNvSpPr txBox="1"/>
+          <p:nvPr/>
+        </p:nvSpPr>
+        <p:spPr>
+          <a:xfrm>
+            <a:off x="944744" y="908361"/>
+            <a:ext cx="1362038" cy="276999"/>
+          </a:xfrm>
+          <a:prstGeom prst="rect">
+            <a:avLst/>
+          </a:prstGeom>
+          <a:noFill/>
+        </p:spPr>
+        <p:txBody>
+          <a:bodyPr wrap="square" rtlCol="0">
+            <a:spAutoFit/>
+          </a:bodyPr>
+          <a:lstStyle/>
+          <a:p>
+            <a:pPr algn="ctr"/>
+            <a:r>
+              <a:rPr lang="en-US" altLang="ko-KR" sz="1200" dirty="0">
+                <a:ln>
+                  <a:solidFill>
+                    <a:schemeClr val="tx1">
+                      <a:alpha val="30000"/>
+                    </a:schemeClr>
+                  </a:solidFill>
+                </a:ln>
+                <a:latin typeface="KoPub돋움체 Light" panose="02020603020101020101" pitchFamily="18" charset="-127"/>
+                <a:ea typeface="KoPub돋움체 Light" panose="02020603020101020101" pitchFamily="18" charset="-127"/>
+              </a:rPr>
+              <a:t>- </a:t>
+            </a:r>
+            <a:r>
+              <a:rPr lang="en-US" altLang="ko-KR" sz="1200" dirty="0" err="1">
+                <a:ln>
+                  <a:solidFill>
+                    <a:schemeClr val="tx1">
+                      <a:alpha val="30000"/>
+                    </a:schemeClr>
+                  </a:solidFill>
+                </a:ln>
+                <a:latin typeface="KoPub돋움체 Light" panose="02020603020101020101" pitchFamily="18" charset="-127"/>
+                <a:ea typeface="KoPub돋움체 Light" panose="02020603020101020101" pitchFamily="18" charset="-127"/>
+              </a:rPr>
+              <a:t>TablePage</a:t>
+            </a:r>
+            <a:r>
+              <a:rPr lang="en-US" altLang="ko-KR" sz="1200" dirty="0">
+                <a:ln>
+                  <a:solidFill>
+                    <a:schemeClr val="tx1">
+                      <a:alpha val="30000"/>
+                    </a:schemeClr>
+                  </a:solidFill>
+                </a:ln>
+                <a:latin typeface="KoPub돋움체 Light" panose="02020603020101020101" pitchFamily="18" charset="-127"/>
+                <a:ea typeface="KoPub돋움체 Light" panose="02020603020101020101" pitchFamily="18" charset="-127"/>
+              </a:rPr>
+              <a:t>(</a:t>
+            </a:r>
+            <a:r>
+              <a:rPr lang="ko-KR" altLang="en-US" sz="1200" dirty="0">
+                <a:ln>
+                  <a:solidFill>
+                    <a:schemeClr val="tx1">
+                      <a:alpha val="30000"/>
+                    </a:schemeClr>
+                  </a:solidFill>
+                </a:ln>
+                <a:latin typeface="KoPub돋움체 Light" panose="02020603020101020101" pitchFamily="18" charset="-127"/>
+                <a:ea typeface="KoPub돋움체 Light" panose="02020603020101020101" pitchFamily="18" charset="-127"/>
+              </a:rPr>
+              <a:t>영업</a:t>
+            </a:r>
+            <a:r>
+              <a:rPr lang="en-US" altLang="ko-KR" sz="1200" dirty="0">
+                <a:ln>
+                  <a:solidFill>
+                    <a:schemeClr val="tx1">
+                      <a:alpha val="30000"/>
+                    </a:schemeClr>
+                  </a:solidFill>
+                </a:ln>
+                <a:latin typeface="KoPub돋움체 Light" panose="02020603020101020101" pitchFamily="18" charset="-127"/>
+                <a:ea typeface="KoPub돋움체 Light" panose="02020603020101020101" pitchFamily="18" charset="-127"/>
+              </a:rPr>
+              <a:t>)</a:t>
+            </a:r>
+            <a:endParaRPr lang="ko-KR" altLang="en-US" sz="1200" dirty="0">
+              <a:ln>
+                <a:solidFill>
+                  <a:schemeClr val="tx1">
+                    <a:alpha val="30000"/>
+                  </a:schemeClr>
+                </a:solidFill>
+              </a:ln>
+              <a:latin typeface="KoPub돋움체 Light" panose="02020603020101020101" pitchFamily="18" charset="-127"/>
+              <a:ea typeface="KoPub돋움체 Light" panose="02020603020101020101" pitchFamily="18" charset="-127"/>
+            </a:endParaRPr>
+          </a:p>
+        </p:txBody>
+      </p:sp>
+    </p:spTree>
+    <p:extLst>
+      <p:ext uri="{BB962C8B-B14F-4D97-AF65-F5344CB8AC3E}">
+        <p14:creationId xmlns:p14="http://schemas.microsoft.com/office/powerpoint/2010/main" val="3767581206"/>
+      </p:ext>
+    </p:extLst>
+  </p:cSld>
+  <p:clrMapOvr>
+    <a:masterClrMapping/>
+  </p:clrMapOvr>
+</p:sld>
+</file>
+
+<file path=ppt/slides/slide11.xml><?xml version="1.0" encoding="utf-8"?>
+<p:sld xmlns:a="http://schemas.openxmlformats.org/drawingml/2006/main" xmlns:r="http://schemas.openxmlformats.org/officeDocument/2006/relationships" xmlns:p="http://schemas.openxmlformats.org/presentationml/2006/main">
+  <p:cSld>
+    <p:bg>
+      <p:bgPr>
+        <a:solidFill>
+          <a:schemeClr val="bg1">
+            <a:lumMod val="95000"/>
+          </a:schemeClr>
+        </a:solidFill>
+        <a:effectLst/>
+      </p:bgPr>
+    </p:bg>
+    <p:spTree>
+      <p:nvGrpSpPr>
+        <p:cNvPr id="1" name=""/>
+        <p:cNvGrpSpPr/>
+        <p:nvPr/>
+      </p:nvGrpSpPr>
+      <p:grpSpPr>
+        <a:xfrm>
+          <a:off x="0" y="0"/>
+          <a:ext cx="0" cy="0"/>
+          <a:chOff x="0" y="0"/>
+          <a:chExt cx="0" cy="0"/>
+        </a:xfrm>
+      </p:grpSpPr>
+      <p:pic>
+        <p:nvPicPr>
+          <p:cNvPr id="9" name="그림 8">
+            <a:extLst>
+              <a:ext uri="{FF2B5EF4-FFF2-40B4-BE49-F238E27FC236}">
+                <a16:creationId xmlns:a16="http://schemas.microsoft.com/office/drawing/2014/main" id="{84AEC66D-7BD3-405D-8434-F108EDCDD5F2}"/>
+              </a:ext>
+            </a:extLst>
+          </p:cNvPr>
+          <p:cNvPicPr>
+            <a:picLocks noChangeAspect="1"/>
+          </p:cNvPicPr>
+          <p:nvPr/>
+        </p:nvPicPr>
+        <p:blipFill>
+          <a:blip r:embed="rId2">
+            <a:extLst>
+              <a:ext uri="{28A0092B-C50C-407E-A947-70E740481C1C}">
+                <a14:useLocalDpi xmlns:a14="http://schemas.microsoft.com/office/drawing/2010/main" val="0"/>
+              </a:ext>
+            </a:extLst>
+          </a:blip>
+          <a:stretch>
+            <a:fillRect/>
+          </a:stretch>
+        </p:blipFill>
+        <p:spPr>
+          <a:xfrm>
+            <a:off x="3553618" y="803833"/>
+            <a:ext cx="7440063" cy="5372850"/>
+          </a:xfrm>
+          <a:prstGeom prst="rect">
+            <a:avLst/>
+          </a:prstGeom>
+        </p:spPr>
+      </p:pic>
+      <p:grpSp>
+        <p:nvGrpSpPr>
+          <p:cNvPr id="6" name="그룹 5">
+            <a:extLst>
+              <a:ext uri="{FF2B5EF4-FFF2-40B4-BE49-F238E27FC236}">
+                <a16:creationId xmlns:a16="http://schemas.microsoft.com/office/drawing/2014/main" id="{CA7BD838-D4FB-4EA7-B68C-FA7B6D147BA2}"/>
+              </a:ext>
+            </a:extLst>
+          </p:cNvPr>
+          <p:cNvGrpSpPr/>
+          <p:nvPr/>
+        </p:nvGrpSpPr>
+        <p:grpSpPr>
+          <a:xfrm>
+            <a:off x="500014" y="407324"/>
+            <a:ext cx="1852488" cy="854227"/>
+            <a:chOff x="640080" y="-971550"/>
+            <a:chExt cx="1660746" cy="765810"/>
+          </a:xfrm>
+        </p:grpSpPr>
+        <p:sp>
+          <p:nvSpPr>
+            <p:cNvPr id="18" name="TextBox 17">
+              <a:extLst>
+                <a:ext uri="{FF2B5EF4-FFF2-40B4-BE49-F238E27FC236}">
+                  <a16:creationId xmlns:a16="http://schemas.microsoft.com/office/drawing/2014/main" id="{D7B7EE40-BAD9-4569-9BF6-F6E9ACA78A3C}"/>
+                </a:ext>
+              </a:extLst>
+            </p:cNvPr>
+            <p:cNvSpPr txBox="1"/>
+            <p:nvPr/>
+          </p:nvSpPr>
+          <p:spPr>
+            <a:xfrm>
+              <a:off x="683325" y="-881070"/>
+              <a:ext cx="1576513" cy="358697"/>
+            </a:xfrm>
+            <a:prstGeom prst="rect">
+              <a:avLst/>
+            </a:prstGeom>
+            <a:noFill/>
+          </p:spPr>
+          <p:txBody>
+            <a:bodyPr wrap="square" rtlCol="0">
+              <a:spAutoFit/>
+            </a:bodyPr>
+            <a:lstStyle/>
+            <a:p>
+              <a:pPr algn="ctr"/>
+              <a:r>
+                <a:rPr lang="ko-KR" altLang="en-US" sz="2000" dirty="0">
+                  <a:ln>
+                    <a:solidFill>
+                      <a:schemeClr val="tx1">
+                        <a:alpha val="30000"/>
+                      </a:schemeClr>
+                    </a:solidFill>
+                  </a:ln>
+                  <a:latin typeface="KoPub돋움체 Light" panose="02020603020101020101" pitchFamily="18" charset="-127"/>
+                  <a:ea typeface="KoPub돋움체 Light" panose="02020603020101020101" pitchFamily="18" charset="-127"/>
+                </a:rPr>
+                <a:t>구현 과정</a:t>
+              </a:r>
+              <a:endParaRPr lang="ko-KR" altLang="en-US" sz="1600" dirty="0">
+                <a:ln>
+                  <a:solidFill>
+                    <a:schemeClr val="tx1">
+                      <a:alpha val="30000"/>
+                    </a:schemeClr>
+                  </a:solidFill>
+                </a:ln>
+                <a:latin typeface="KoPub돋움체 Light" panose="02020603020101020101" pitchFamily="18" charset="-127"/>
+                <a:ea typeface="KoPub돋움체 Light" panose="02020603020101020101" pitchFamily="18" charset="-127"/>
+              </a:endParaRPr>
+            </a:p>
+          </p:txBody>
+        </p:sp>
+        <p:sp>
+          <p:nvSpPr>
+            <p:cNvPr id="5" name="직사각형 4">
+              <a:extLst>
+                <a:ext uri="{FF2B5EF4-FFF2-40B4-BE49-F238E27FC236}">
+                  <a16:creationId xmlns:a16="http://schemas.microsoft.com/office/drawing/2014/main" id="{AB4C8245-D0E4-4D79-B3E9-2FB89CE6FE84}"/>
+                </a:ext>
+              </a:extLst>
+            </p:cNvPr>
+            <p:cNvSpPr/>
+            <p:nvPr/>
+          </p:nvSpPr>
+          <p:spPr>
+            <a:xfrm>
+              <a:off x="640080" y="-971550"/>
+              <a:ext cx="1660746" cy="765810"/>
+            </a:xfrm>
+            <a:prstGeom prst="rect">
+              <a:avLst/>
+            </a:prstGeom>
+            <a:noFill/>
+            <a:ln w="25400">
+              <a:solidFill>
+                <a:schemeClr val="tx1"/>
+              </a:solidFill>
+            </a:ln>
+          </p:spPr>
+          <p:style>
+            <a:lnRef idx="2">
+              <a:schemeClr val="accent1">
+                <a:shade val="50000"/>
+              </a:schemeClr>
+            </a:lnRef>
+            <a:fillRef idx="1">
+              <a:schemeClr val="accent1"/>
+            </a:fillRef>
+            <a:effectRef idx="0">
+              <a:schemeClr val="accent1"/>
+            </a:effectRef>
+            <a:fontRef idx="minor">
+              <a:schemeClr val="lt1"/>
+            </a:fontRef>
+          </p:style>
+          <p:txBody>
+            <a:bodyPr rtlCol="0" anchor="ctr"/>
+            <a:lstStyle/>
+            <a:p>
+              <a:pPr algn="ctr"/>
+              <a:endParaRPr lang="ko-KR" altLang="en-US"/>
+            </a:p>
+          </p:txBody>
+        </p:sp>
+      </p:grpSp>
+      <p:sp>
+        <p:nvSpPr>
+          <p:cNvPr id="7" name="TextBox 6">
+            <a:extLst>
+              <a:ext uri="{FF2B5EF4-FFF2-40B4-BE49-F238E27FC236}">
+                <a16:creationId xmlns:a16="http://schemas.microsoft.com/office/drawing/2014/main" id="{77ED49F9-B91F-4AC2-9CDF-E12973B2A540}"/>
+              </a:ext>
+            </a:extLst>
+          </p:cNvPr>
+          <p:cNvSpPr txBox="1"/>
+          <p:nvPr/>
+        </p:nvSpPr>
+        <p:spPr>
+          <a:xfrm>
+            <a:off x="864524" y="908361"/>
+            <a:ext cx="1442258" cy="276999"/>
+          </a:xfrm>
+          <a:prstGeom prst="rect">
+            <a:avLst/>
+          </a:prstGeom>
+          <a:noFill/>
+        </p:spPr>
+        <p:txBody>
+          <a:bodyPr wrap="square" rtlCol="0">
+            <a:spAutoFit/>
+          </a:bodyPr>
+          <a:lstStyle/>
+          <a:p>
+            <a:pPr algn="ctr"/>
+            <a:r>
+              <a:rPr lang="en-US" altLang="ko-KR" sz="1200" dirty="0">
+                <a:ln>
+                  <a:solidFill>
+                    <a:schemeClr val="tx1">
+                      <a:alpha val="30000"/>
+                    </a:schemeClr>
+                  </a:solidFill>
+                </a:ln>
+                <a:latin typeface="KoPub돋움체 Light" panose="02020603020101020101" pitchFamily="18" charset="-127"/>
+                <a:ea typeface="KoPub돋움체 Light" panose="02020603020101020101" pitchFamily="18" charset="-127"/>
+              </a:rPr>
+              <a:t>- </a:t>
+            </a:r>
+            <a:r>
+              <a:rPr lang="en-US" altLang="ko-KR" sz="1200" dirty="0" err="1">
+                <a:ln>
+                  <a:solidFill>
+                    <a:schemeClr val="tx1">
+                      <a:alpha val="30000"/>
+                    </a:schemeClr>
+                  </a:solidFill>
+                </a:ln>
+                <a:latin typeface="KoPub돋움체 Light" panose="02020603020101020101" pitchFamily="18" charset="-127"/>
+                <a:ea typeface="KoPub돋움체 Light" panose="02020603020101020101" pitchFamily="18" charset="-127"/>
+              </a:rPr>
+              <a:t>OrderPage</a:t>
+            </a:r>
+            <a:endParaRPr lang="ko-KR" altLang="en-US" sz="1200" dirty="0">
+              <a:ln>
+                <a:solidFill>
+                  <a:schemeClr val="tx1">
+                    <a:alpha val="30000"/>
+                  </a:schemeClr>
+                </a:solidFill>
+              </a:ln>
+              <a:latin typeface="KoPub돋움체 Light" panose="02020603020101020101" pitchFamily="18" charset="-127"/>
+              <a:ea typeface="KoPub돋움체 Light" panose="02020603020101020101" pitchFamily="18" charset="-127"/>
+            </a:endParaRPr>
+          </a:p>
+        </p:txBody>
+      </p:sp>
+    </p:spTree>
+    <p:extLst>
+      <p:ext uri="{BB962C8B-B14F-4D97-AF65-F5344CB8AC3E}">
+        <p14:creationId xmlns:p14="http://schemas.microsoft.com/office/powerpoint/2010/main" val="102757816"/>
+      </p:ext>
+    </p:extLst>
+  </p:cSld>
+  <p:clrMapOvr>
+    <a:masterClrMapping/>
+  </p:clrMapOvr>
+</p:sld>
+</file>
+
+<file path=ppt/slides/slide12.xml><?xml version="1.0" encoding="utf-8"?>
+<p:sld xmlns:a="http://schemas.openxmlformats.org/drawingml/2006/main" xmlns:r="http://schemas.openxmlformats.org/officeDocument/2006/relationships" xmlns:p="http://schemas.openxmlformats.org/presentationml/2006/main">
+  <p:cSld>
+    <p:bg>
+      <p:bgPr>
+        <a:solidFill>
+          <a:schemeClr val="bg1">
+            <a:lumMod val="95000"/>
+          </a:schemeClr>
+        </a:solidFill>
+        <a:effectLst/>
+      </p:bgPr>
+    </p:bg>
+    <p:spTree>
+      <p:nvGrpSpPr>
+        <p:cNvPr id="1" name=""/>
+        <p:cNvGrpSpPr/>
+        <p:nvPr/>
+      </p:nvGrpSpPr>
+      <p:grpSpPr>
+        <a:xfrm>
+          <a:off x="0" y="0"/>
+          <a:ext cx="0" cy="0"/>
+          <a:chOff x="0" y="0"/>
+          <a:chExt cx="0" cy="0"/>
+        </a:xfrm>
+      </p:grpSpPr>
+      <p:pic>
+        <p:nvPicPr>
+          <p:cNvPr id="9" name="그림 8" descr="컴퓨터, 모니터, 다른, 키보드이(가) 표시된 사진&#10;&#10;자동 생성된 설명">
+            <a:extLst>
+              <a:ext uri="{FF2B5EF4-FFF2-40B4-BE49-F238E27FC236}">
+                <a16:creationId xmlns:a16="http://schemas.microsoft.com/office/drawing/2014/main" id="{DD8E8F1E-0EF0-4352-9ED5-8A732CF87457}"/>
+              </a:ext>
+            </a:extLst>
+          </p:cNvPr>
+          <p:cNvPicPr>
+            <a:picLocks noChangeAspect="1"/>
+          </p:cNvPicPr>
+          <p:nvPr/>
+        </p:nvPicPr>
+        <p:blipFill>
+          <a:blip r:embed="rId2">
+            <a:extLst>
+              <a:ext uri="{28A0092B-C50C-407E-A947-70E740481C1C}">
+                <a14:useLocalDpi xmlns:a14="http://schemas.microsoft.com/office/drawing/2010/main" val="0"/>
+              </a:ext>
+            </a:extLst>
+          </a:blip>
+          <a:stretch>
+            <a:fillRect/>
+          </a:stretch>
+        </p:blipFill>
+        <p:spPr>
+          <a:xfrm>
+            <a:off x="3587432" y="908361"/>
+            <a:ext cx="7392432" cy="5306165"/>
+          </a:xfrm>
+          <a:prstGeom prst="rect">
+            <a:avLst/>
+          </a:prstGeom>
+        </p:spPr>
+      </p:pic>
+      <p:grpSp>
+        <p:nvGrpSpPr>
+          <p:cNvPr id="6" name="그룹 5">
+            <a:extLst>
+              <a:ext uri="{FF2B5EF4-FFF2-40B4-BE49-F238E27FC236}">
+                <a16:creationId xmlns:a16="http://schemas.microsoft.com/office/drawing/2014/main" id="{CA7BD838-D4FB-4EA7-B68C-FA7B6D147BA2}"/>
+              </a:ext>
+            </a:extLst>
+          </p:cNvPr>
+          <p:cNvGrpSpPr/>
+          <p:nvPr/>
+        </p:nvGrpSpPr>
+        <p:grpSpPr>
+          <a:xfrm>
+            <a:off x="500014" y="407324"/>
+            <a:ext cx="1852488" cy="1059337"/>
+            <a:chOff x="640080" y="-971550"/>
+            <a:chExt cx="1660746" cy="765810"/>
+          </a:xfrm>
+        </p:grpSpPr>
+        <p:sp>
+          <p:nvSpPr>
+            <p:cNvPr id="18" name="TextBox 17">
+              <a:extLst>
+                <a:ext uri="{FF2B5EF4-FFF2-40B4-BE49-F238E27FC236}">
+                  <a16:creationId xmlns:a16="http://schemas.microsoft.com/office/drawing/2014/main" id="{D7B7EE40-BAD9-4569-9BF6-F6E9ACA78A3C}"/>
+                </a:ext>
+              </a:extLst>
+            </p:cNvPr>
+            <p:cNvSpPr txBox="1"/>
+            <p:nvPr/>
+          </p:nvSpPr>
+          <p:spPr>
+            <a:xfrm>
+              <a:off x="683325" y="-881070"/>
+              <a:ext cx="1576513" cy="358697"/>
+            </a:xfrm>
+            <a:prstGeom prst="rect">
+              <a:avLst/>
+            </a:prstGeom>
+            <a:noFill/>
+          </p:spPr>
+          <p:txBody>
+            <a:bodyPr wrap="square" rtlCol="0">
+              <a:spAutoFit/>
+            </a:bodyPr>
+            <a:lstStyle/>
+            <a:p>
+              <a:pPr algn="ctr"/>
+              <a:r>
+                <a:rPr lang="ko-KR" altLang="en-US" sz="2000" dirty="0">
+                  <a:ln>
+                    <a:solidFill>
+                      <a:schemeClr val="tx1">
+                        <a:alpha val="30000"/>
+                      </a:schemeClr>
+                    </a:solidFill>
+                  </a:ln>
+                  <a:latin typeface="KoPub돋움체 Light" panose="02020603020101020101" pitchFamily="18" charset="-127"/>
+                  <a:ea typeface="KoPub돋움체 Light" panose="02020603020101020101" pitchFamily="18" charset="-127"/>
+                </a:rPr>
+                <a:t>구현 과정</a:t>
+              </a:r>
+              <a:endParaRPr lang="ko-KR" altLang="en-US" sz="1600" dirty="0">
+                <a:ln>
+                  <a:solidFill>
+                    <a:schemeClr val="tx1">
+                      <a:alpha val="30000"/>
+                    </a:schemeClr>
+                  </a:solidFill>
+                </a:ln>
+                <a:latin typeface="KoPub돋움체 Light" panose="02020603020101020101" pitchFamily="18" charset="-127"/>
+                <a:ea typeface="KoPub돋움체 Light" panose="02020603020101020101" pitchFamily="18" charset="-127"/>
+              </a:endParaRPr>
+            </a:p>
+          </p:txBody>
+        </p:sp>
+        <p:sp>
+          <p:nvSpPr>
+            <p:cNvPr id="5" name="직사각형 4">
+              <a:extLst>
+                <a:ext uri="{FF2B5EF4-FFF2-40B4-BE49-F238E27FC236}">
+                  <a16:creationId xmlns:a16="http://schemas.microsoft.com/office/drawing/2014/main" id="{AB4C8245-D0E4-4D79-B3E9-2FB89CE6FE84}"/>
+                </a:ext>
+              </a:extLst>
+            </p:cNvPr>
+            <p:cNvSpPr/>
+            <p:nvPr/>
+          </p:nvSpPr>
+          <p:spPr>
+            <a:xfrm>
+              <a:off x="640080" y="-971550"/>
+              <a:ext cx="1660746" cy="765810"/>
+            </a:xfrm>
+            <a:prstGeom prst="rect">
+              <a:avLst/>
+            </a:prstGeom>
+            <a:noFill/>
+            <a:ln w="25400">
+              <a:solidFill>
+                <a:schemeClr val="tx1"/>
+              </a:solidFill>
+            </a:ln>
+          </p:spPr>
+          <p:style>
+            <a:lnRef idx="2">
+              <a:schemeClr val="accent1">
+                <a:shade val="50000"/>
+              </a:schemeClr>
+            </a:lnRef>
+            <a:fillRef idx="1">
+              <a:schemeClr val="accent1"/>
+            </a:fillRef>
+            <a:effectRef idx="0">
+              <a:schemeClr val="accent1"/>
+            </a:effectRef>
+            <a:fontRef idx="minor">
+              <a:schemeClr val="lt1"/>
+            </a:fontRef>
+          </p:style>
+          <p:txBody>
+            <a:bodyPr rtlCol="0" anchor="ctr"/>
+            <a:lstStyle/>
+            <a:p>
+              <a:pPr algn="ctr"/>
+              <a:endParaRPr lang="ko-KR" altLang="en-US"/>
+            </a:p>
+          </p:txBody>
+        </p:sp>
+      </p:grpSp>
+      <p:sp>
+        <p:nvSpPr>
+          <p:cNvPr id="7" name="TextBox 6">
+            <a:extLst>
+              <a:ext uri="{FF2B5EF4-FFF2-40B4-BE49-F238E27FC236}">
+                <a16:creationId xmlns:a16="http://schemas.microsoft.com/office/drawing/2014/main" id="{77ED49F9-B91F-4AC2-9CDF-E12973B2A540}"/>
+              </a:ext>
+            </a:extLst>
+          </p:cNvPr>
+          <p:cNvSpPr txBox="1"/>
+          <p:nvPr/>
+        </p:nvSpPr>
+        <p:spPr>
+          <a:xfrm>
+            <a:off x="796705" y="908361"/>
+            <a:ext cx="1510077" cy="461665"/>
+          </a:xfrm>
+          <a:prstGeom prst="rect">
+            <a:avLst/>
+          </a:prstGeom>
+          <a:noFill/>
+        </p:spPr>
+        <p:txBody>
+          <a:bodyPr wrap="square" rtlCol="0">
+            <a:spAutoFit/>
+          </a:bodyPr>
+          <a:lstStyle/>
+          <a:p>
+            <a:pPr algn="ctr"/>
+            <a:r>
+              <a:rPr lang="en-US" altLang="ko-KR" sz="1200" dirty="0">
+                <a:ln>
+                  <a:solidFill>
+                    <a:schemeClr val="tx1">
+                      <a:alpha val="30000"/>
+                    </a:schemeClr>
+                  </a:solidFill>
+                </a:ln>
+                <a:latin typeface="KoPub돋움체 Light" panose="02020603020101020101" pitchFamily="18" charset="-127"/>
+                <a:ea typeface="KoPub돋움체 Light" panose="02020603020101020101" pitchFamily="18" charset="-127"/>
+              </a:rPr>
+              <a:t>- </a:t>
+            </a:r>
+            <a:r>
+              <a:rPr lang="en-US" altLang="ko-KR" sz="1200" dirty="0" err="1">
+                <a:ln>
+                  <a:solidFill>
+                    <a:schemeClr val="tx1">
+                      <a:alpha val="30000"/>
+                    </a:schemeClr>
+                  </a:solidFill>
+                </a:ln>
+                <a:latin typeface="KoPub돋움체 Light" panose="02020603020101020101" pitchFamily="18" charset="-127"/>
+                <a:ea typeface="KoPub돋움체 Light" panose="02020603020101020101" pitchFamily="18" charset="-127"/>
+              </a:rPr>
+              <a:t>ModifyTablePage</a:t>
+            </a:r>
+            <a:br>
+              <a:rPr lang="en-US" altLang="ko-KR" sz="1200" dirty="0">
+                <a:ln>
+                  <a:solidFill>
+                    <a:schemeClr val="tx1">
+                      <a:alpha val="30000"/>
+                    </a:schemeClr>
+                  </a:solidFill>
+                </a:ln>
+                <a:latin typeface="KoPub돋움체 Light" panose="02020603020101020101" pitchFamily="18" charset="-127"/>
+                <a:ea typeface="KoPub돋움체 Light" panose="02020603020101020101" pitchFamily="18" charset="-127"/>
+              </a:rPr>
+            </a:br>
+            <a:r>
+              <a:rPr lang="en-US" altLang="ko-KR" sz="1200" dirty="0">
+                <a:ln>
+                  <a:solidFill>
+                    <a:schemeClr val="tx1">
+                      <a:alpha val="30000"/>
+                    </a:schemeClr>
+                  </a:solidFill>
+                </a:ln>
+                <a:latin typeface="KoPub돋움체 Light" panose="02020603020101020101" pitchFamily="18" charset="-127"/>
+                <a:ea typeface="KoPub돋움체 Light" panose="02020603020101020101" pitchFamily="18" charset="-127"/>
+              </a:rPr>
+              <a:t>(</a:t>
+            </a:r>
+            <a:r>
+              <a:rPr lang="ko-KR" altLang="en-US" sz="1200" dirty="0">
+                <a:ln>
+                  <a:solidFill>
+                    <a:schemeClr val="tx1">
+                      <a:alpha val="30000"/>
+                    </a:schemeClr>
+                  </a:solidFill>
+                </a:ln>
+                <a:latin typeface="KoPub돋움체 Light" panose="02020603020101020101" pitchFamily="18" charset="-127"/>
+                <a:ea typeface="KoPub돋움체 Light" panose="02020603020101020101" pitchFamily="18" charset="-127"/>
+              </a:rPr>
+              <a:t>테이블 설정</a:t>
+            </a:r>
+            <a:r>
+              <a:rPr lang="en-US" altLang="ko-KR" sz="1200" dirty="0">
+                <a:ln>
+                  <a:solidFill>
+                    <a:schemeClr val="tx1">
+                      <a:alpha val="30000"/>
+                    </a:schemeClr>
+                  </a:solidFill>
+                </a:ln>
+                <a:latin typeface="KoPub돋움체 Light" panose="02020603020101020101" pitchFamily="18" charset="-127"/>
+                <a:ea typeface="KoPub돋움체 Light" panose="02020603020101020101" pitchFamily="18" charset="-127"/>
+              </a:rPr>
+              <a:t>)</a:t>
+            </a:r>
+            <a:endParaRPr lang="ko-KR" altLang="en-US" sz="1200" dirty="0">
+              <a:ln>
+                <a:solidFill>
+                  <a:schemeClr val="tx1">
+                    <a:alpha val="30000"/>
+                  </a:schemeClr>
+                </a:solidFill>
+              </a:ln>
+              <a:latin typeface="KoPub돋움체 Light" panose="02020603020101020101" pitchFamily="18" charset="-127"/>
+              <a:ea typeface="KoPub돋움체 Light" panose="02020603020101020101" pitchFamily="18" charset="-127"/>
+            </a:endParaRPr>
+          </a:p>
+        </p:txBody>
+      </p:sp>
+    </p:spTree>
+    <p:extLst>
+      <p:ext uri="{BB962C8B-B14F-4D97-AF65-F5344CB8AC3E}">
+        <p14:creationId xmlns:p14="http://schemas.microsoft.com/office/powerpoint/2010/main" val="1216885124"/>
+      </p:ext>
+    </p:extLst>
+  </p:cSld>
+  <p:clrMapOvr>
+    <a:masterClrMapping/>
+  </p:clrMapOvr>
+</p:sld>
+</file>
+
+<file path=ppt/slides/slide13.xml><?xml version="1.0" encoding="utf-8"?>
+<p:sld xmlns:a="http://schemas.openxmlformats.org/drawingml/2006/main" xmlns:r="http://schemas.openxmlformats.org/officeDocument/2006/relationships" xmlns:p="http://schemas.openxmlformats.org/presentationml/2006/main">
+  <p:cSld>
+    <p:bg>
+      <p:bgPr>
+        <a:solidFill>
+          <a:schemeClr val="bg1">
+            <a:lumMod val="95000"/>
+          </a:schemeClr>
+        </a:solidFill>
+        <a:effectLst/>
+      </p:bgPr>
+    </p:bg>
+    <p:spTree>
+      <p:nvGrpSpPr>
+        <p:cNvPr id="1" name=""/>
+        <p:cNvGrpSpPr/>
+        <p:nvPr/>
+      </p:nvGrpSpPr>
+      <p:grpSpPr>
+        <a:xfrm>
+          <a:off x="0" y="0"/>
+          <a:ext cx="0" cy="0"/>
+          <a:chOff x="0" y="0"/>
+          <a:chExt cx="0" cy="0"/>
+        </a:xfrm>
+      </p:grpSpPr>
+      <p:grpSp>
+        <p:nvGrpSpPr>
+          <p:cNvPr id="6" name="그룹 5">
+            <a:extLst>
+              <a:ext uri="{FF2B5EF4-FFF2-40B4-BE49-F238E27FC236}">
+                <a16:creationId xmlns:a16="http://schemas.microsoft.com/office/drawing/2014/main" id="{CA7BD838-D4FB-4EA7-B68C-FA7B6D147BA2}"/>
+              </a:ext>
+            </a:extLst>
+          </p:cNvPr>
+          <p:cNvGrpSpPr/>
+          <p:nvPr/>
+        </p:nvGrpSpPr>
+        <p:grpSpPr>
+          <a:xfrm>
+            <a:off x="500014" y="407324"/>
+            <a:ext cx="1852488" cy="854227"/>
+            <a:chOff x="640080" y="-971550"/>
+            <a:chExt cx="1660746" cy="765810"/>
+          </a:xfrm>
+        </p:grpSpPr>
+        <p:sp>
+          <p:nvSpPr>
+            <p:cNvPr id="18" name="TextBox 17">
+              <a:extLst>
+                <a:ext uri="{FF2B5EF4-FFF2-40B4-BE49-F238E27FC236}">
+                  <a16:creationId xmlns:a16="http://schemas.microsoft.com/office/drawing/2014/main" id="{D7B7EE40-BAD9-4569-9BF6-F6E9ACA78A3C}"/>
+                </a:ext>
+              </a:extLst>
+            </p:cNvPr>
+            <p:cNvSpPr txBox="1"/>
+            <p:nvPr/>
+          </p:nvSpPr>
+          <p:spPr>
+            <a:xfrm>
+              <a:off x="683325" y="-881070"/>
+              <a:ext cx="1576513" cy="358697"/>
+            </a:xfrm>
+            <a:prstGeom prst="rect">
+              <a:avLst/>
+            </a:prstGeom>
+            <a:noFill/>
+          </p:spPr>
+          <p:txBody>
+            <a:bodyPr wrap="square" rtlCol="0">
+              <a:spAutoFit/>
+            </a:bodyPr>
+            <a:lstStyle/>
+            <a:p>
+              <a:pPr algn="ctr"/>
+              <a:r>
+                <a:rPr lang="ko-KR" altLang="en-US" sz="2000" dirty="0">
+                  <a:ln>
+                    <a:solidFill>
+                      <a:schemeClr val="tx1">
+                        <a:alpha val="30000"/>
+                      </a:schemeClr>
+                    </a:solidFill>
+                  </a:ln>
+                  <a:latin typeface="KoPub돋움체 Light" panose="02020603020101020101" pitchFamily="18" charset="-127"/>
+                  <a:ea typeface="KoPub돋움체 Light" panose="02020603020101020101" pitchFamily="18" charset="-127"/>
+                </a:rPr>
+                <a:t>시연 동영상</a:t>
+              </a:r>
+              <a:endParaRPr lang="ko-KR" altLang="en-US" sz="1600" dirty="0">
+                <a:ln>
+                  <a:solidFill>
+                    <a:schemeClr val="tx1">
+                      <a:alpha val="30000"/>
+                    </a:schemeClr>
+                  </a:solidFill>
+                </a:ln>
+                <a:latin typeface="KoPub돋움체 Light" panose="02020603020101020101" pitchFamily="18" charset="-127"/>
+                <a:ea typeface="KoPub돋움체 Light" panose="02020603020101020101" pitchFamily="18" charset="-127"/>
+              </a:endParaRPr>
+            </a:p>
+          </p:txBody>
+        </p:sp>
+        <p:sp>
+          <p:nvSpPr>
+            <p:cNvPr id="5" name="직사각형 4">
+              <a:extLst>
+                <a:ext uri="{FF2B5EF4-FFF2-40B4-BE49-F238E27FC236}">
+                  <a16:creationId xmlns:a16="http://schemas.microsoft.com/office/drawing/2014/main" id="{AB4C8245-D0E4-4D79-B3E9-2FB89CE6FE84}"/>
+                </a:ext>
+              </a:extLst>
+            </p:cNvPr>
+            <p:cNvSpPr/>
+            <p:nvPr/>
+          </p:nvSpPr>
+          <p:spPr>
+            <a:xfrm>
+              <a:off x="640080" y="-971550"/>
+              <a:ext cx="1660746" cy="765810"/>
+            </a:xfrm>
+            <a:prstGeom prst="rect">
+              <a:avLst/>
+            </a:prstGeom>
+            <a:noFill/>
+            <a:ln w="25400">
+              <a:solidFill>
+                <a:schemeClr val="tx1"/>
+              </a:solidFill>
+            </a:ln>
+          </p:spPr>
+          <p:style>
+            <a:lnRef idx="2">
+              <a:schemeClr val="accent1">
+                <a:shade val="50000"/>
+              </a:schemeClr>
+            </a:lnRef>
+            <a:fillRef idx="1">
+              <a:schemeClr val="accent1"/>
+            </a:fillRef>
+            <a:effectRef idx="0">
+              <a:schemeClr val="accent1"/>
+            </a:effectRef>
+            <a:fontRef idx="minor">
+              <a:schemeClr val="lt1"/>
+            </a:fontRef>
+          </p:style>
+          <p:txBody>
+            <a:bodyPr rtlCol="0" anchor="ctr"/>
+            <a:lstStyle/>
+            <a:p>
+              <a:pPr algn="ctr"/>
+              <a:endParaRPr lang="ko-KR" altLang="en-US"/>
+            </a:p>
+          </p:txBody>
+        </p:sp>
+      </p:grpSp>
+    </p:spTree>
+    <p:extLst>
+      <p:ext uri="{BB962C8B-B14F-4D97-AF65-F5344CB8AC3E}">
+        <p14:creationId xmlns:p14="http://schemas.microsoft.com/office/powerpoint/2010/main" val="957527592"/>
+      </p:ext>
+    </p:extLst>
+  </p:cSld>
+  <p:clrMapOvr>
+    <a:masterClrMapping/>
+  </p:clrMapOvr>
+</p:sld>
+</file>
+
+<file path=ppt/slides/slide14.xml><?xml version="1.0" encoding="utf-8"?>
+<p:sld xmlns:a="http://schemas.openxmlformats.org/drawingml/2006/main" xmlns:r="http://schemas.openxmlformats.org/officeDocument/2006/relationships" xmlns:p="http://schemas.openxmlformats.org/presentationml/2006/main">
+  <p:cSld>
+    <p:bg>
+      <p:bgPr>
+        <a:solidFill>
+          <a:schemeClr val="bg1">
+            <a:lumMod val="95000"/>
+          </a:schemeClr>
+        </a:solidFill>
+        <a:effectLst/>
+      </p:bgPr>
+    </p:bg>
+    <p:spTree>
+      <p:nvGrpSpPr>
+        <p:cNvPr id="1" name=""/>
+        <p:cNvGrpSpPr/>
+        <p:nvPr/>
+      </p:nvGrpSpPr>
+      <p:grpSpPr>
+        <a:xfrm>
+          <a:off x="0" y="0"/>
+          <a:ext cx="0" cy="0"/>
+          <a:chOff x="0" y="0"/>
+          <a:chExt cx="0" cy="0"/>
+        </a:xfrm>
+      </p:grpSpPr>
+      <p:grpSp>
+        <p:nvGrpSpPr>
+          <p:cNvPr id="6" name="그룹 5">
+            <a:extLst>
+              <a:ext uri="{FF2B5EF4-FFF2-40B4-BE49-F238E27FC236}">
+                <a16:creationId xmlns:a16="http://schemas.microsoft.com/office/drawing/2014/main" id="{CA7BD838-D4FB-4EA7-B68C-FA7B6D147BA2}"/>
+              </a:ext>
+            </a:extLst>
+          </p:cNvPr>
+          <p:cNvGrpSpPr/>
+          <p:nvPr/>
+        </p:nvGrpSpPr>
+        <p:grpSpPr>
+          <a:xfrm>
+            <a:off x="500014" y="407324"/>
+            <a:ext cx="1852488" cy="854227"/>
+            <a:chOff x="640080" y="-971550"/>
+            <a:chExt cx="1660746" cy="765810"/>
+          </a:xfrm>
+        </p:grpSpPr>
+        <p:sp>
+          <p:nvSpPr>
+            <p:cNvPr id="18" name="TextBox 17">
+              <a:extLst>
+                <a:ext uri="{FF2B5EF4-FFF2-40B4-BE49-F238E27FC236}">
+                  <a16:creationId xmlns:a16="http://schemas.microsoft.com/office/drawing/2014/main" id="{D7B7EE40-BAD9-4569-9BF6-F6E9ACA78A3C}"/>
+                </a:ext>
+              </a:extLst>
+            </p:cNvPr>
+            <p:cNvSpPr txBox="1"/>
+            <p:nvPr/>
+          </p:nvSpPr>
+          <p:spPr>
+            <a:xfrm>
+              <a:off x="683325" y="-881070"/>
+              <a:ext cx="1576513" cy="358697"/>
+            </a:xfrm>
+            <a:prstGeom prst="rect">
+              <a:avLst/>
+            </a:prstGeom>
+            <a:noFill/>
+          </p:spPr>
+          <p:txBody>
+            <a:bodyPr wrap="square" rtlCol="0">
+              <a:spAutoFit/>
+            </a:bodyPr>
+            <a:lstStyle/>
+            <a:p>
+              <a:pPr algn="ctr"/>
+              <a:r>
+                <a:rPr lang="ko-KR" altLang="en-US" sz="2000" dirty="0">
+                  <a:ln>
+                    <a:solidFill>
+                      <a:schemeClr val="tx1">
+                        <a:alpha val="30000"/>
+                      </a:schemeClr>
+                    </a:solidFill>
+                  </a:ln>
+                  <a:latin typeface="KoPub돋움체 Light" panose="02020603020101020101" pitchFamily="18" charset="-127"/>
+                  <a:ea typeface="KoPub돋움체 Light" panose="02020603020101020101" pitchFamily="18" charset="-127"/>
+                </a:rPr>
+                <a:t>향후 계획</a:t>
+              </a:r>
+              <a:endParaRPr lang="ko-KR" altLang="en-US" sz="1600" dirty="0">
+                <a:ln>
+                  <a:solidFill>
+                    <a:schemeClr val="tx1">
+                      <a:alpha val="30000"/>
+                    </a:schemeClr>
+                  </a:solidFill>
+                </a:ln>
+                <a:latin typeface="KoPub돋움체 Light" panose="02020603020101020101" pitchFamily="18" charset="-127"/>
+                <a:ea typeface="KoPub돋움체 Light" panose="02020603020101020101" pitchFamily="18" charset="-127"/>
+              </a:endParaRPr>
+            </a:p>
+          </p:txBody>
+        </p:sp>
+        <p:sp>
+          <p:nvSpPr>
+            <p:cNvPr id="5" name="직사각형 4">
+              <a:extLst>
+                <a:ext uri="{FF2B5EF4-FFF2-40B4-BE49-F238E27FC236}">
+                  <a16:creationId xmlns:a16="http://schemas.microsoft.com/office/drawing/2014/main" id="{AB4C8245-D0E4-4D79-B3E9-2FB89CE6FE84}"/>
+                </a:ext>
+              </a:extLst>
+            </p:cNvPr>
+            <p:cNvSpPr/>
+            <p:nvPr/>
+          </p:nvSpPr>
+          <p:spPr>
+            <a:xfrm>
+              <a:off x="640080" y="-971550"/>
+              <a:ext cx="1660746" cy="765810"/>
+            </a:xfrm>
+            <a:prstGeom prst="rect">
+              <a:avLst/>
+            </a:prstGeom>
+            <a:noFill/>
+            <a:ln w="25400">
+              <a:solidFill>
+                <a:schemeClr val="tx1"/>
+              </a:solidFill>
+            </a:ln>
+          </p:spPr>
+          <p:style>
+            <a:lnRef idx="2">
+              <a:schemeClr val="accent1">
+                <a:shade val="50000"/>
+              </a:schemeClr>
+            </a:lnRef>
+            <a:fillRef idx="1">
+              <a:schemeClr val="accent1"/>
+            </a:fillRef>
+            <a:effectRef idx="0">
+              <a:schemeClr val="accent1"/>
+            </a:effectRef>
+            <a:fontRef idx="minor">
+              <a:schemeClr val="lt1"/>
+            </a:fontRef>
+          </p:style>
+          <p:txBody>
+            <a:bodyPr rtlCol="0" anchor="ctr"/>
+            <a:lstStyle/>
+            <a:p>
+              <a:pPr algn="ctr"/>
+              <a:endParaRPr lang="ko-KR" altLang="en-US"/>
+            </a:p>
+          </p:txBody>
+        </p:sp>
+      </p:grpSp>
+    </p:spTree>
+    <p:extLst>
+      <p:ext uri="{BB962C8B-B14F-4D97-AF65-F5344CB8AC3E}">
+        <p14:creationId xmlns:p14="http://schemas.microsoft.com/office/powerpoint/2010/main" val="3217225021"/>
+      </p:ext>
+    </p:extLst>
+  </p:cSld>
+  <p:clrMapOvr>
+    <a:masterClrMapping/>
+  </p:clrMapOvr>
+</p:sld>
+</file>
+
+<file path=ppt/slides/slide15.xml><?xml version="1.0" encoding="utf-8"?>
+<p:sld xmlns:a="http://schemas.openxmlformats.org/drawingml/2006/main" xmlns:r="http://schemas.openxmlformats.org/officeDocument/2006/relationships" xmlns:p="http://schemas.openxmlformats.org/presentationml/2006/main">
+  <p:cSld>
+    <p:bg>
+      <p:bgPr>
+        <a:solidFill>
+          <a:schemeClr val="bg1">
+            <a:lumMod val="95000"/>
+          </a:schemeClr>
+        </a:solidFill>
+        <a:effectLst/>
+      </p:bgPr>
+    </p:bg>
+    <p:spTree>
+      <p:nvGrpSpPr>
+        <p:cNvPr id="1" name=""/>
+        <p:cNvGrpSpPr/>
+        <p:nvPr/>
+      </p:nvGrpSpPr>
+      <p:grpSpPr>
+        <a:xfrm>
+          <a:off x="0" y="0"/>
+          <a:ext cx="0" cy="0"/>
+          <a:chOff x="0" y="0"/>
+          <a:chExt cx="0" cy="0"/>
+        </a:xfrm>
+      </p:grpSpPr>
+      <p:pic>
+        <p:nvPicPr>
+          <p:cNvPr id="8" name="그림 7">
+            <a:extLst>
+              <a:ext uri="{FF2B5EF4-FFF2-40B4-BE49-F238E27FC236}">
+                <a16:creationId xmlns:a16="http://schemas.microsoft.com/office/drawing/2014/main" id="{C2EA47E2-A6CE-494D-BC7B-25F35DFDD49F}"/>
+              </a:ext>
+            </a:extLst>
+          </p:cNvPr>
+          <p:cNvPicPr>
+            <a:picLocks noChangeAspect="1"/>
+          </p:cNvPicPr>
+          <p:nvPr/>
+        </p:nvPicPr>
+        <p:blipFill>
+          <a:blip r:embed="rId2">
+            <a:extLst>
+              <a:ext uri="{28A0092B-C50C-407E-A947-70E740481C1C}">
+                <a14:useLocalDpi xmlns:a14="http://schemas.microsoft.com/office/drawing/2010/main" val="0"/>
+              </a:ext>
+            </a:extLst>
+          </a:blip>
+          <a:stretch>
+            <a:fillRect/>
+          </a:stretch>
+        </p:blipFill>
+        <p:spPr>
+          <a:xfrm>
+            <a:off x="0" y="0"/>
+            <a:ext cx="12192000" cy="6858000"/>
+          </a:xfrm>
+          <a:prstGeom prst="rect">
+            <a:avLst/>
+          </a:prstGeom>
+        </p:spPr>
+      </p:pic>
+      <p:sp>
+        <p:nvSpPr>
+          <p:cNvPr id="2" name="TextBox 1">
+            <a:extLst>
+              <a:ext uri="{FF2B5EF4-FFF2-40B4-BE49-F238E27FC236}">
+                <a16:creationId xmlns:a16="http://schemas.microsoft.com/office/drawing/2014/main" id="{8C8FCD74-879C-42EB-8E54-8521F532144E}"/>
+              </a:ext>
+            </a:extLst>
+          </p:cNvPr>
+          <p:cNvSpPr txBox="1"/>
+          <p:nvPr/>
+        </p:nvSpPr>
+        <p:spPr>
+          <a:xfrm>
+            <a:off x="4625886" y="2693849"/>
+            <a:ext cx="2940228" cy="769441"/>
+          </a:xfrm>
+          <a:prstGeom prst="rect">
+            <a:avLst/>
+          </a:prstGeom>
+          <a:noFill/>
+        </p:spPr>
+        <p:txBody>
+          <a:bodyPr wrap="none" rtlCol="0">
+            <a:spAutoFit/>
+          </a:bodyPr>
+          <a:lstStyle/>
+          <a:p>
+            <a:r>
+              <a:rPr lang="en-US" altLang="ko-KR" sz="4400" dirty="0">
+                <a:latin typeface="KoPub돋움체 Bold" panose="02020603020101020101" pitchFamily="18" charset="-127"/>
+                <a:ea typeface="KoPub돋움체 Bold" panose="02020603020101020101" pitchFamily="18" charset="-127"/>
+              </a:rPr>
+              <a:t>Thank you </a:t>
+            </a:r>
+            <a:endParaRPr lang="ko-KR" altLang="en-US" sz="4400" dirty="0">
+              <a:latin typeface="KoPub돋움체 Bold" panose="02020603020101020101" pitchFamily="18" charset="-127"/>
+              <a:ea typeface="KoPub돋움체 Bold" panose="02020603020101020101" pitchFamily="18" charset="-127"/>
+            </a:endParaRPr>
+          </a:p>
+        </p:txBody>
+      </p:sp>
+    </p:spTree>
+    <p:extLst>
+      <p:ext uri="{BB962C8B-B14F-4D97-AF65-F5344CB8AC3E}">
+        <p14:creationId xmlns:p14="http://schemas.microsoft.com/office/powerpoint/2010/main" val="1028503942"/>
+      </p:ext>
+    </p:extLst>
+  </p:cSld>
+  <p:clrMapOvr>
+    <a:masterClrMapping/>
+  </p:clrMapOvr>
+</p:sld>
+</file>
+
+<file path=ppt/slides/slide2.xml><?xml version="1.0" encoding="utf-8"?>
+<p:sld xmlns:a="http://schemas.openxmlformats.org/drawingml/2006/main" xmlns:r="http://schemas.openxmlformats.org/officeDocument/2006/relationships" xmlns:p="http://schemas.openxmlformats.org/presentationml/2006/main">
+  <p:cSld>
+    <p:bg>
+      <p:bgPr>
+        <a:solidFill>
+          <a:schemeClr val="bg1">
+            <a:lumMod val="95000"/>
+          </a:schemeClr>
+        </a:solidFill>
+        <a:effectLst/>
+      </p:bgPr>
+    </p:bg>
+    <p:spTree>
+      <p:nvGrpSpPr>
+        <p:cNvPr id="1" name=""/>
+        <p:cNvGrpSpPr/>
+        <p:nvPr/>
+      </p:nvGrpSpPr>
+      <p:grpSpPr>
+        <a:xfrm>
+          <a:off x="0" y="0"/>
+          <a:ext cx="0" cy="0"/>
+          <a:chOff x="0" y="0"/>
+          <a:chExt cx="0" cy="0"/>
+        </a:xfrm>
+      </p:grpSpPr>
+      <p:sp>
+        <p:nvSpPr>
+          <p:cNvPr id="2" name="TextBox 1">
+            <a:extLst>
+              <a:ext uri="{FF2B5EF4-FFF2-40B4-BE49-F238E27FC236}">
+                <a16:creationId xmlns:a16="http://schemas.microsoft.com/office/drawing/2014/main" id="{008E62C0-14A1-4A12-B41E-13F0E87755BC}"/>
+              </a:ext>
+            </a:extLst>
+          </p:cNvPr>
+          <p:cNvSpPr txBox="1"/>
+          <p:nvPr/>
+        </p:nvSpPr>
+        <p:spPr>
+          <a:xfrm>
+            <a:off x="3551304" y="926997"/>
+            <a:ext cx="1820411" cy="461665"/>
+          </a:xfrm>
+          <a:prstGeom prst="rect">
+            <a:avLst/>
+          </a:prstGeom>
+          <a:noFill/>
+        </p:spPr>
+        <p:txBody>
+          <a:bodyPr wrap="square" rtlCol="0">
+            <a:spAutoFit/>
+          </a:bodyPr>
+          <a:lstStyle/>
+          <a:p>
+            <a:r>
+              <a:rPr lang="en-US" altLang="ko-KR" sz="2400" dirty="0">
+                <a:ln>
+                  <a:solidFill>
+                    <a:schemeClr val="tx1">
+                      <a:alpha val="30000"/>
+                    </a:schemeClr>
+                  </a:solidFill>
+                </a:ln>
+                <a:latin typeface="KoPub돋움체 Light" panose="02020603020101020101" pitchFamily="18" charset="-127"/>
+                <a:ea typeface="KoPub돋움체 Light" panose="02020603020101020101" pitchFamily="18" charset="-127"/>
+              </a:rPr>
+              <a:t>CONTENTS</a:t>
+            </a:r>
+          </a:p>
+        </p:txBody>
+      </p:sp>
+      <p:sp>
+        <p:nvSpPr>
+          <p:cNvPr id="17" name="직사각형 16">
+            <a:extLst>
+              <a:ext uri="{FF2B5EF4-FFF2-40B4-BE49-F238E27FC236}">
+                <a16:creationId xmlns:a16="http://schemas.microsoft.com/office/drawing/2014/main" id="{21582EED-4CEF-4332-AD6E-3A0DE847DFC5}"/>
+              </a:ext>
+            </a:extLst>
+          </p:cNvPr>
+          <p:cNvSpPr/>
+          <p:nvPr/>
+        </p:nvSpPr>
+        <p:spPr>
+          <a:xfrm>
+            <a:off x="3661410" y="1342869"/>
+            <a:ext cx="3771900" cy="4625667"/>
+          </a:xfrm>
+          <a:prstGeom prst="rect">
+            <a:avLst/>
+          </a:prstGeom>
+          <a:noFill/>
+          <a:ln w="25400">
+            <a:solidFill>
+              <a:schemeClr val="tx1"/>
+            </a:solidFill>
+          </a:ln>
+        </p:spPr>
+        <p:style>
+          <a:lnRef idx="2">
+            <a:schemeClr val="accent1">
+              <a:shade val="50000"/>
+            </a:schemeClr>
+          </a:lnRef>
+          <a:fillRef idx="1">
+            <a:schemeClr val="accent1"/>
+          </a:fillRef>
+          <a:effectRef idx="0">
+            <a:schemeClr val="accent1"/>
+          </a:effectRef>
+          <a:fontRef idx="minor">
+            <a:schemeClr val="lt1"/>
+          </a:fontRef>
+        </p:style>
+        <p:txBody>
+          <a:bodyPr rtlCol="0" anchor="ctr"/>
+          <a:lstStyle/>
+          <a:p>
+            <a:pPr algn="ctr"/>
+            <a:endParaRPr lang="ko-KR" altLang="en-US"/>
+          </a:p>
+        </p:txBody>
+      </p:sp>
+      <p:sp>
+        <p:nvSpPr>
+          <p:cNvPr id="18" name="TextBox 17">
+            <a:extLst>
+              <a:ext uri="{FF2B5EF4-FFF2-40B4-BE49-F238E27FC236}">
+                <a16:creationId xmlns:a16="http://schemas.microsoft.com/office/drawing/2014/main" id="{D7B7EE40-BAD9-4569-9BF6-F6E9ACA78A3C}"/>
+              </a:ext>
+            </a:extLst>
+          </p:cNvPr>
+          <p:cNvSpPr txBox="1"/>
+          <p:nvPr/>
+        </p:nvSpPr>
+        <p:spPr>
+          <a:xfrm>
+            <a:off x="4243710" y="2414951"/>
+            <a:ext cx="1907704" cy="400110"/>
+          </a:xfrm>
+          <a:prstGeom prst="rect">
+            <a:avLst/>
+          </a:prstGeom>
+          <a:noFill/>
+        </p:spPr>
+        <p:txBody>
+          <a:bodyPr wrap="square" rtlCol="0">
+            <a:spAutoFit/>
+          </a:bodyPr>
+          <a:lstStyle/>
+          <a:p>
+            <a:r>
+              <a:rPr lang="ko-KR" altLang="en-US" sz="2000">
+                <a:ln>
+                  <a:solidFill>
+                    <a:schemeClr val="tx1">
+                      <a:alpha val="30000"/>
+                    </a:schemeClr>
+                  </a:solidFill>
+                </a:ln>
+                <a:latin typeface="KoPub돋움체 Light" panose="02020603020101020101" pitchFamily="18" charset="-127"/>
+                <a:ea typeface="KoPub돋움체 Light" panose="02020603020101020101" pitchFamily="18" charset="-127"/>
+              </a:rPr>
+              <a:t>프로젝트 </a:t>
+            </a:r>
+            <a:r>
+              <a:rPr lang="ko-KR" altLang="en-US" sz="2000" dirty="0">
+                <a:ln>
+                  <a:solidFill>
+                    <a:schemeClr val="tx1">
+                      <a:alpha val="30000"/>
+                    </a:schemeClr>
+                  </a:solidFill>
+                </a:ln>
+                <a:latin typeface="KoPub돋움체 Light" panose="02020603020101020101" pitchFamily="18" charset="-127"/>
+                <a:ea typeface="KoPub돋움체 Light" panose="02020603020101020101" pitchFamily="18" charset="-127"/>
+              </a:rPr>
+              <a:t>설명</a:t>
+            </a:r>
+            <a:endParaRPr lang="ko-KR" altLang="en-US" sz="1600" dirty="0">
+              <a:ln>
+                <a:solidFill>
+                  <a:schemeClr val="tx1">
+                    <a:alpha val="30000"/>
+                  </a:schemeClr>
+                </a:solidFill>
+              </a:ln>
+              <a:latin typeface="KoPub돋움체 Light" panose="02020603020101020101" pitchFamily="18" charset="-127"/>
+              <a:ea typeface="KoPub돋움체 Light" panose="02020603020101020101" pitchFamily="18" charset="-127"/>
+            </a:endParaRPr>
+          </a:p>
+        </p:txBody>
+      </p:sp>
+      <p:sp>
+        <p:nvSpPr>
+          <p:cNvPr id="3" name="TextBox 2">
+            <a:extLst>
+              <a:ext uri="{FF2B5EF4-FFF2-40B4-BE49-F238E27FC236}">
+                <a16:creationId xmlns:a16="http://schemas.microsoft.com/office/drawing/2014/main" id="{EA4430EA-EABC-4F6B-A877-9318B3C24F9E}"/>
+              </a:ext>
+            </a:extLst>
+          </p:cNvPr>
+          <p:cNvSpPr txBox="1"/>
+          <p:nvPr/>
+        </p:nvSpPr>
+        <p:spPr>
+          <a:xfrm>
+            <a:off x="4243710" y="3016715"/>
+            <a:ext cx="1576513" cy="400110"/>
+          </a:xfrm>
+          <a:prstGeom prst="rect">
+            <a:avLst/>
+          </a:prstGeom>
+          <a:noFill/>
+        </p:spPr>
+        <p:txBody>
+          <a:bodyPr wrap="square" rtlCol="0">
+            <a:spAutoFit/>
+          </a:bodyPr>
+          <a:lstStyle/>
+          <a:p>
+            <a:r>
+              <a:rPr lang="ko-KR" altLang="en-US" sz="2000" dirty="0">
+                <a:ln>
+                  <a:solidFill>
+                    <a:schemeClr val="tx1">
+                      <a:alpha val="30000"/>
+                    </a:schemeClr>
+                  </a:solidFill>
+                </a:ln>
+                <a:latin typeface="KoPub돋움체 Light" panose="02020603020101020101" pitchFamily="18" charset="-127"/>
+                <a:ea typeface="KoPub돋움체 Light" panose="02020603020101020101" pitchFamily="18" charset="-127"/>
+              </a:rPr>
+              <a:t>제작 환경</a:t>
+            </a:r>
+          </a:p>
+        </p:txBody>
+      </p:sp>
+      <p:sp>
+        <p:nvSpPr>
+          <p:cNvPr id="4" name="TextBox 3">
+            <a:extLst>
+              <a:ext uri="{FF2B5EF4-FFF2-40B4-BE49-F238E27FC236}">
+                <a16:creationId xmlns:a16="http://schemas.microsoft.com/office/drawing/2014/main" id="{447B1903-104C-4DEC-9C59-5A9AC96E1E4A}"/>
+              </a:ext>
+            </a:extLst>
+          </p:cNvPr>
+          <p:cNvSpPr txBox="1"/>
+          <p:nvPr/>
+        </p:nvSpPr>
+        <p:spPr>
+          <a:xfrm>
+            <a:off x="4243710" y="4220243"/>
+            <a:ext cx="1576513" cy="400110"/>
+          </a:xfrm>
+          <a:prstGeom prst="rect">
+            <a:avLst/>
+          </a:prstGeom>
+          <a:noFill/>
+        </p:spPr>
+        <p:txBody>
+          <a:bodyPr wrap="square" rtlCol="0">
+            <a:spAutoFit/>
+          </a:bodyPr>
+          <a:lstStyle/>
+          <a:p>
+            <a:r>
+              <a:rPr lang="ko-KR" altLang="en-US" sz="2000" dirty="0">
+                <a:ln>
+                  <a:solidFill>
+                    <a:schemeClr val="tx1">
+                      <a:alpha val="30000"/>
+                    </a:schemeClr>
+                  </a:solidFill>
+                </a:ln>
+                <a:latin typeface="KoPub돋움체 Light" panose="02020603020101020101" pitchFamily="18" charset="-127"/>
+                <a:ea typeface="KoPub돋움체 Light" panose="02020603020101020101" pitchFamily="18" charset="-127"/>
+              </a:rPr>
+              <a:t>시연 동영상</a:t>
+            </a:r>
+          </a:p>
+        </p:txBody>
+      </p:sp>
+      <p:sp>
+        <p:nvSpPr>
+          <p:cNvPr id="5" name="TextBox 4">
+            <a:extLst>
+              <a:ext uri="{FF2B5EF4-FFF2-40B4-BE49-F238E27FC236}">
+                <a16:creationId xmlns:a16="http://schemas.microsoft.com/office/drawing/2014/main" id="{3E1D42AE-E3C4-4645-ACA5-27B47405BA6F}"/>
+              </a:ext>
+            </a:extLst>
+          </p:cNvPr>
+          <p:cNvSpPr txBox="1"/>
+          <p:nvPr/>
+        </p:nvSpPr>
+        <p:spPr>
+          <a:xfrm>
+            <a:off x="4243711" y="1813187"/>
+            <a:ext cx="1576513" cy="400110"/>
+          </a:xfrm>
+          <a:prstGeom prst="rect">
+            <a:avLst/>
+          </a:prstGeom>
+          <a:noFill/>
+        </p:spPr>
+        <p:txBody>
+          <a:bodyPr wrap="square" rtlCol="0">
+            <a:spAutoFit/>
+          </a:bodyPr>
+          <a:lstStyle/>
+          <a:p>
+            <a:r>
+              <a:rPr lang="ko-KR" altLang="en-US" sz="2000" dirty="0">
+                <a:ln>
+                  <a:solidFill>
+                    <a:schemeClr val="tx1">
+                      <a:alpha val="30000"/>
+                    </a:schemeClr>
+                  </a:solidFill>
+                </a:ln>
+                <a:latin typeface="KoPub돋움체 Light" panose="02020603020101020101" pitchFamily="18" charset="-127"/>
+                <a:ea typeface="KoPub돋움체 Light" panose="02020603020101020101" pitchFamily="18" charset="-127"/>
+              </a:rPr>
+              <a:t>조원 구성</a:t>
+            </a:r>
+            <a:endParaRPr lang="ko-KR" altLang="en-US" sz="1600" dirty="0">
+              <a:ln>
+                <a:solidFill>
+                  <a:schemeClr val="tx1">
+                    <a:alpha val="30000"/>
+                  </a:schemeClr>
+                </a:solidFill>
+              </a:ln>
+              <a:latin typeface="KoPub돋움체 Light" panose="02020603020101020101" pitchFamily="18" charset="-127"/>
+              <a:ea typeface="KoPub돋움체 Light" panose="02020603020101020101" pitchFamily="18" charset="-127"/>
+            </a:endParaRPr>
+          </a:p>
+        </p:txBody>
+      </p:sp>
+      <p:sp>
+        <p:nvSpPr>
+          <p:cNvPr id="6" name="TextBox 5">
+            <a:extLst>
+              <a:ext uri="{FF2B5EF4-FFF2-40B4-BE49-F238E27FC236}">
+                <a16:creationId xmlns:a16="http://schemas.microsoft.com/office/drawing/2014/main" id="{3840E625-1004-436F-A304-0E24E004210E}"/>
+              </a:ext>
+            </a:extLst>
+          </p:cNvPr>
+          <p:cNvSpPr txBox="1"/>
+          <p:nvPr/>
+        </p:nvSpPr>
+        <p:spPr>
+          <a:xfrm>
+            <a:off x="4243710" y="3618479"/>
+            <a:ext cx="1576513" cy="400110"/>
+          </a:xfrm>
+          <a:prstGeom prst="rect">
+            <a:avLst/>
+          </a:prstGeom>
+          <a:noFill/>
+        </p:spPr>
+        <p:txBody>
+          <a:bodyPr wrap="square" rtlCol="0">
+            <a:spAutoFit/>
+          </a:bodyPr>
+          <a:lstStyle/>
+          <a:p>
+            <a:r>
+              <a:rPr lang="ko-KR" altLang="en-US" sz="2000" dirty="0">
+                <a:ln>
+                  <a:solidFill>
+                    <a:schemeClr val="tx1">
+                      <a:alpha val="30000"/>
+                    </a:schemeClr>
+                  </a:solidFill>
+                </a:ln>
+                <a:latin typeface="KoPub돋움체 Light" panose="02020603020101020101" pitchFamily="18" charset="-127"/>
+                <a:ea typeface="KoPub돋움체 Light" panose="02020603020101020101" pitchFamily="18" charset="-127"/>
+              </a:rPr>
+              <a:t>구현 과정</a:t>
+            </a:r>
+            <a:endParaRPr lang="en-US" altLang="ko-KR" sz="2000" dirty="0">
+              <a:ln>
+                <a:solidFill>
+                  <a:schemeClr val="tx1">
+                    <a:alpha val="30000"/>
+                  </a:schemeClr>
+                </a:solidFill>
+              </a:ln>
+              <a:latin typeface="KoPub돋움체 Light" panose="02020603020101020101" pitchFamily="18" charset="-127"/>
+              <a:ea typeface="KoPub돋움체 Light" panose="02020603020101020101" pitchFamily="18" charset="-127"/>
+            </a:endParaRPr>
+          </a:p>
+        </p:txBody>
+      </p:sp>
+      <p:sp>
+        <p:nvSpPr>
+          <p:cNvPr id="8" name="TextBox 7">
+            <a:extLst>
+              <a:ext uri="{FF2B5EF4-FFF2-40B4-BE49-F238E27FC236}">
+                <a16:creationId xmlns:a16="http://schemas.microsoft.com/office/drawing/2014/main" id="{A96DC4C2-467A-4372-AB96-F6CE8DBF1708}"/>
+              </a:ext>
+            </a:extLst>
+          </p:cNvPr>
+          <p:cNvSpPr txBox="1"/>
+          <p:nvPr/>
+        </p:nvSpPr>
+        <p:spPr>
+          <a:xfrm>
+            <a:off x="4243709" y="4822007"/>
+            <a:ext cx="1576513" cy="400110"/>
+          </a:xfrm>
+          <a:prstGeom prst="rect">
+            <a:avLst/>
+          </a:prstGeom>
+          <a:noFill/>
+        </p:spPr>
+        <p:txBody>
+          <a:bodyPr wrap="square" rtlCol="0">
+            <a:spAutoFit/>
+          </a:bodyPr>
+          <a:lstStyle/>
+          <a:p>
+            <a:r>
+              <a:rPr lang="ko-KR" altLang="en-US" sz="2000" dirty="0">
+                <a:ln>
+                  <a:solidFill>
+                    <a:schemeClr val="tx1">
+                      <a:alpha val="30000"/>
+                    </a:schemeClr>
+                  </a:solidFill>
+                </a:ln>
+                <a:latin typeface="KoPub돋움체 Light" panose="02020603020101020101" pitchFamily="18" charset="-127"/>
+                <a:ea typeface="KoPub돋움체 Light" panose="02020603020101020101" pitchFamily="18" charset="-127"/>
+              </a:rPr>
+              <a:t>향후 계획</a:t>
+            </a:r>
+          </a:p>
+        </p:txBody>
+      </p:sp>
+    </p:spTree>
+    <p:extLst>
+      <p:ext uri="{BB962C8B-B14F-4D97-AF65-F5344CB8AC3E}">
+        <p14:creationId xmlns:p14="http://schemas.microsoft.com/office/powerpoint/2010/main" val="1838111988"/>
+      </p:ext>
+    </p:extLst>
+  </p:cSld>
+  <p:clrMapOvr>
+    <a:masterClrMapping/>
+  </p:clrMapOvr>
+</p:sld>
+</file>
+
+<file path=ppt/slides/slide3.xml><?xml version="1.0" encoding="utf-8"?>
+<p:sld xmlns:a="http://schemas.openxmlformats.org/drawingml/2006/main" xmlns:r="http://schemas.openxmlformats.org/officeDocument/2006/relationships" xmlns:p="http://schemas.openxmlformats.org/presentationml/2006/main">
+  <p:cSld>
+    <p:bg>
+      <p:bgPr>
+        <a:solidFill>
+          <a:schemeClr val="bg1">
+            <a:lumMod val="95000"/>
+          </a:schemeClr>
+        </a:solidFill>
+        <a:effectLst/>
+      </p:bgPr>
+    </p:bg>
+    <p:spTree>
+      <p:nvGrpSpPr>
+        <p:cNvPr id="1" name=""/>
+        <p:cNvGrpSpPr/>
+        <p:nvPr/>
+      </p:nvGrpSpPr>
+      <p:grpSpPr>
+        <a:xfrm>
+          <a:off x="0" y="0"/>
+          <a:ext cx="0" cy="0"/>
+          <a:chOff x="0" y="0"/>
+          <a:chExt cx="0" cy="0"/>
+        </a:xfrm>
+      </p:grpSpPr>
+      <p:grpSp>
+        <p:nvGrpSpPr>
+          <p:cNvPr id="6" name="그룹 5">
+            <a:extLst>
+              <a:ext uri="{FF2B5EF4-FFF2-40B4-BE49-F238E27FC236}">
+                <a16:creationId xmlns:a16="http://schemas.microsoft.com/office/drawing/2014/main" id="{CA7BD838-D4FB-4EA7-B68C-FA7B6D147BA2}"/>
+              </a:ext>
+            </a:extLst>
+          </p:cNvPr>
+          <p:cNvGrpSpPr/>
+          <p:nvPr/>
+        </p:nvGrpSpPr>
+        <p:grpSpPr>
+          <a:xfrm>
+            <a:off x="491700" y="407324"/>
+            <a:ext cx="1877427" cy="854227"/>
+            <a:chOff x="640080" y="-971550"/>
+            <a:chExt cx="1660746" cy="765810"/>
+          </a:xfrm>
+        </p:grpSpPr>
+        <p:sp>
+          <p:nvSpPr>
+            <p:cNvPr id="18" name="TextBox 17">
+              <a:extLst>
+                <a:ext uri="{FF2B5EF4-FFF2-40B4-BE49-F238E27FC236}">
+                  <a16:creationId xmlns:a16="http://schemas.microsoft.com/office/drawing/2014/main" id="{D7B7EE40-BAD9-4569-9BF6-F6E9ACA78A3C}"/>
+                </a:ext>
+              </a:extLst>
+            </p:cNvPr>
+            <p:cNvSpPr txBox="1"/>
+            <p:nvPr/>
+          </p:nvSpPr>
+          <p:spPr>
+            <a:xfrm>
+              <a:off x="683325" y="-881070"/>
+              <a:ext cx="1576513" cy="358697"/>
+            </a:xfrm>
+            <a:prstGeom prst="rect">
+              <a:avLst/>
+            </a:prstGeom>
+            <a:noFill/>
+          </p:spPr>
+          <p:txBody>
+            <a:bodyPr wrap="square" rtlCol="0">
+              <a:spAutoFit/>
+            </a:bodyPr>
+            <a:lstStyle/>
+            <a:p>
+              <a:pPr algn="ctr"/>
+              <a:r>
+                <a:rPr lang="ko-KR" altLang="en-US" sz="2000" dirty="0">
+                  <a:ln>
+                    <a:solidFill>
+                      <a:schemeClr val="tx1">
+                        <a:alpha val="30000"/>
+                      </a:schemeClr>
+                    </a:solidFill>
+                  </a:ln>
+                  <a:latin typeface="KoPub돋움체 Light" panose="02020603020101020101" pitchFamily="18" charset="-127"/>
+                  <a:ea typeface="KoPub돋움체 Light" panose="02020603020101020101" pitchFamily="18" charset="-127"/>
+                </a:rPr>
+                <a:t>조원 구성</a:t>
+              </a:r>
+              <a:endParaRPr lang="ko-KR" altLang="en-US" sz="1600" dirty="0">
+                <a:ln>
+                  <a:solidFill>
+                    <a:schemeClr val="tx1">
+                      <a:alpha val="30000"/>
+                    </a:schemeClr>
+                  </a:solidFill>
+                </a:ln>
+                <a:latin typeface="KoPub돋움체 Light" panose="02020603020101020101" pitchFamily="18" charset="-127"/>
+                <a:ea typeface="KoPub돋움체 Light" panose="02020603020101020101" pitchFamily="18" charset="-127"/>
+              </a:endParaRPr>
+            </a:p>
+          </p:txBody>
+        </p:sp>
+        <p:sp>
+          <p:nvSpPr>
+            <p:cNvPr id="5" name="직사각형 4">
+              <a:extLst>
+                <a:ext uri="{FF2B5EF4-FFF2-40B4-BE49-F238E27FC236}">
+                  <a16:creationId xmlns:a16="http://schemas.microsoft.com/office/drawing/2014/main" id="{AB4C8245-D0E4-4D79-B3E9-2FB89CE6FE84}"/>
+                </a:ext>
+              </a:extLst>
+            </p:cNvPr>
+            <p:cNvSpPr/>
+            <p:nvPr/>
+          </p:nvSpPr>
+          <p:spPr>
+            <a:xfrm>
+              <a:off x="640080" y="-971550"/>
+              <a:ext cx="1660746" cy="765810"/>
+            </a:xfrm>
+            <a:prstGeom prst="rect">
+              <a:avLst/>
+            </a:prstGeom>
+            <a:noFill/>
+            <a:ln w="25400">
+              <a:solidFill>
+                <a:schemeClr val="tx1"/>
+              </a:solidFill>
+            </a:ln>
+          </p:spPr>
+          <p:style>
+            <a:lnRef idx="2">
+              <a:schemeClr val="accent1">
+                <a:shade val="50000"/>
+              </a:schemeClr>
+            </a:lnRef>
+            <a:fillRef idx="1">
+              <a:schemeClr val="accent1"/>
+            </a:fillRef>
+            <a:effectRef idx="0">
+              <a:schemeClr val="accent1"/>
+            </a:effectRef>
+            <a:fontRef idx="minor">
+              <a:schemeClr val="lt1"/>
+            </a:fontRef>
+          </p:style>
+          <p:txBody>
+            <a:bodyPr rtlCol="0" anchor="ctr"/>
+            <a:lstStyle/>
+            <a:p>
+              <a:pPr algn="ctr"/>
+              <a:endParaRPr lang="ko-KR" altLang="en-US"/>
+            </a:p>
+          </p:txBody>
+        </p:sp>
+      </p:grpSp>
+      <p:grpSp>
+        <p:nvGrpSpPr>
+          <p:cNvPr id="4" name="그룹 3">
+            <a:extLst>
+              <a:ext uri="{FF2B5EF4-FFF2-40B4-BE49-F238E27FC236}">
+                <a16:creationId xmlns:a16="http://schemas.microsoft.com/office/drawing/2014/main" id="{750ED42A-247A-4C89-8734-72283A8D0DA6}"/>
+              </a:ext>
+            </a:extLst>
+          </p:cNvPr>
+          <p:cNvGrpSpPr/>
+          <p:nvPr/>
+        </p:nvGrpSpPr>
+        <p:grpSpPr>
+          <a:xfrm>
+            <a:off x="4549751" y="1899407"/>
+            <a:ext cx="3092498" cy="3192187"/>
+            <a:chOff x="4228242" y="1862007"/>
+            <a:chExt cx="3092498" cy="3192187"/>
+          </a:xfrm>
+        </p:grpSpPr>
+        <p:grpSp>
+          <p:nvGrpSpPr>
+            <p:cNvPr id="27" name="그룹 26">
+              <a:extLst>
+                <a:ext uri="{FF2B5EF4-FFF2-40B4-BE49-F238E27FC236}">
+                  <a16:creationId xmlns:a16="http://schemas.microsoft.com/office/drawing/2014/main" id="{9C77B2A3-BD20-49CE-81D4-DE2D47A61E55}"/>
+                </a:ext>
+              </a:extLst>
+            </p:cNvPr>
+            <p:cNvGrpSpPr/>
+            <p:nvPr/>
+          </p:nvGrpSpPr>
+          <p:grpSpPr>
+            <a:xfrm>
+              <a:off x="4228242" y="4654084"/>
+              <a:ext cx="3092498" cy="400110"/>
+              <a:chOff x="5295072" y="2171892"/>
+              <a:chExt cx="5117725" cy="400110"/>
+            </a:xfrm>
+          </p:grpSpPr>
+          <p:sp>
+            <p:nvSpPr>
+              <p:cNvPr id="8" name="TextBox 7">
+                <a:extLst>
+                  <a:ext uri="{FF2B5EF4-FFF2-40B4-BE49-F238E27FC236}">
+                    <a16:creationId xmlns:a16="http://schemas.microsoft.com/office/drawing/2014/main" id="{F6E05149-9424-4271-B356-F437CBF5FE0A}"/>
+                  </a:ext>
+                </a:extLst>
+              </p:cNvPr>
+              <p:cNvSpPr txBox="1"/>
+              <p:nvPr/>
+            </p:nvSpPr>
+            <p:spPr>
+              <a:xfrm>
+                <a:off x="6822548" y="2171892"/>
+                <a:ext cx="3590249" cy="400110"/>
+              </a:xfrm>
+              <a:prstGeom prst="rect">
+                <a:avLst/>
+              </a:prstGeom>
+              <a:noFill/>
+            </p:spPr>
+            <p:txBody>
+              <a:bodyPr wrap="square" rtlCol="0">
+                <a:spAutoFit/>
+              </a:bodyPr>
+              <a:lstStyle/>
+              <a:p>
+                <a:r>
+                  <a:rPr lang="en-US" altLang="ko-KR" sz="2000" dirty="0">
+                    <a:ln>
+                      <a:solidFill>
+                        <a:schemeClr val="tx1">
+                          <a:alpha val="30000"/>
+                        </a:schemeClr>
+                      </a:solidFill>
+                    </a:ln>
+                    <a:latin typeface="KoPub돋움체 Medium" panose="02020603020101020101" pitchFamily="18" charset="-127"/>
+                    <a:ea typeface="KoPub돋움체 Medium" panose="02020603020101020101" pitchFamily="18" charset="-127"/>
+                  </a:rPr>
+                  <a:t>21324104 </a:t>
+                </a:r>
+                <a:r>
+                  <a:rPr lang="ko-KR" altLang="en-US" sz="2000" dirty="0">
+                    <a:ln>
+                      <a:solidFill>
+                        <a:schemeClr val="tx1">
+                          <a:alpha val="30000"/>
+                        </a:schemeClr>
+                      </a:solidFill>
+                    </a:ln>
+                    <a:latin typeface="KoPub돋움체 Medium" panose="02020603020101020101" pitchFamily="18" charset="-127"/>
+                    <a:ea typeface="KoPub돋움체 Medium" panose="02020603020101020101" pitchFamily="18" charset="-127"/>
+                  </a:rPr>
+                  <a:t>강창기</a:t>
+                </a:r>
+              </a:p>
+            </p:txBody>
+          </p:sp>
+          <p:cxnSp>
+            <p:nvCxnSpPr>
+              <p:cNvPr id="12" name="직선 연결선 11">
+                <a:extLst>
+                  <a:ext uri="{FF2B5EF4-FFF2-40B4-BE49-F238E27FC236}">
+                    <a16:creationId xmlns:a16="http://schemas.microsoft.com/office/drawing/2014/main" id="{D5BA412A-6177-4533-A556-69DED86393E9}"/>
+                  </a:ext>
+                </a:extLst>
+              </p:cNvPr>
+              <p:cNvCxnSpPr>
+                <a:cxnSpLocks/>
+              </p:cNvCxnSpPr>
+              <p:nvPr/>
+            </p:nvCxnSpPr>
+            <p:spPr>
+              <a:xfrm>
+                <a:off x="5295072" y="2572002"/>
+                <a:ext cx="5094798" cy="0"/>
+              </a:xfrm>
+              <a:prstGeom prst="line">
+                <a:avLst/>
+              </a:prstGeom>
+              <a:ln w="15875">
+                <a:solidFill>
+                  <a:schemeClr val="tx1"/>
+                </a:solidFill>
+              </a:ln>
+            </p:spPr>
+            <p:style>
+              <a:lnRef idx="1">
+                <a:schemeClr val="accent1"/>
+              </a:lnRef>
+              <a:fillRef idx="0">
+                <a:schemeClr val="accent1"/>
+              </a:fillRef>
+              <a:effectRef idx="0">
+                <a:schemeClr val="accent1"/>
+              </a:effectRef>
+              <a:fontRef idx="minor">
+                <a:schemeClr val="tx1"/>
+              </a:fontRef>
+            </p:style>
+          </p:cxnSp>
+        </p:grpSp>
+        <p:pic>
+          <p:nvPicPr>
+            <p:cNvPr id="3" name="그림 2" descr="사람, 정장, 넥타이, 의류이(가) 표시된 사진&#10;&#10;자동 생성된 설명">
+              <a:extLst>
+                <a:ext uri="{FF2B5EF4-FFF2-40B4-BE49-F238E27FC236}">
+                  <a16:creationId xmlns:a16="http://schemas.microsoft.com/office/drawing/2014/main" id="{82D375FA-C6C7-4C21-9200-B4B3B6811377}"/>
+                </a:ext>
+              </a:extLst>
+            </p:cNvPr>
+            <p:cNvPicPr>
+              <a:picLocks noChangeAspect="1"/>
+            </p:cNvPicPr>
+            <p:nvPr/>
+          </p:nvPicPr>
+          <p:blipFill>
+            <a:blip r:embed="rId2">
+              <a:extLst>
+                <a:ext uri="{28A0092B-C50C-407E-A947-70E740481C1C}">
+                  <a14:useLocalDpi xmlns:a14="http://schemas.microsoft.com/office/drawing/2010/main" val="0"/>
+                </a:ext>
+              </a:extLst>
+            </a:blip>
+            <a:stretch>
+              <a:fillRect/>
+            </a:stretch>
+          </p:blipFill>
+          <p:spPr>
+            <a:xfrm>
+              <a:off x="4799214" y="1862007"/>
+              <a:ext cx="1881447" cy="2450705"/>
+            </a:xfrm>
+            <a:prstGeom prst="rect">
+              <a:avLst/>
+            </a:prstGeom>
+          </p:spPr>
+        </p:pic>
+      </p:grpSp>
+    </p:spTree>
+    <p:extLst>
+      <p:ext uri="{BB962C8B-B14F-4D97-AF65-F5344CB8AC3E}">
+        <p14:creationId xmlns:p14="http://schemas.microsoft.com/office/powerpoint/2010/main" val="2451339203"/>
+      </p:ext>
+    </p:extLst>
+  </p:cSld>
+  <p:clrMapOvr>
+    <a:masterClrMapping/>
+  </p:clrMapOvr>
+</p:sld>
+</file>
+
+<file path=ppt/slides/slide4.xml><?xml version="1.0" encoding="utf-8"?>
+<p:sld xmlns:a="http://schemas.openxmlformats.org/drawingml/2006/main" xmlns:r="http://schemas.openxmlformats.org/officeDocument/2006/relationships" xmlns:p="http://schemas.openxmlformats.org/presentationml/2006/main">
+  <p:cSld>
+    <p:bg>
+      <p:bgPr>
+        <a:solidFill>
+          <a:schemeClr val="bg1">
+            <a:lumMod val="95000"/>
+          </a:schemeClr>
+        </a:solidFill>
+        <a:effectLst/>
+      </p:bgPr>
+    </p:bg>
+    <p:spTree>
+      <p:nvGrpSpPr>
+        <p:cNvPr id="1" name=""/>
+        <p:cNvGrpSpPr/>
+        <p:nvPr/>
+      </p:nvGrpSpPr>
+      <p:grpSpPr>
+        <a:xfrm>
+          <a:off x="0" y="0"/>
+          <a:ext cx="0" cy="0"/>
+          <a:chOff x="0" y="0"/>
+          <a:chExt cx="0" cy="0"/>
+        </a:xfrm>
+      </p:grpSpPr>
+      <p:grpSp>
+        <p:nvGrpSpPr>
+          <p:cNvPr id="6" name="그룹 5">
+            <a:extLst>
+              <a:ext uri="{FF2B5EF4-FFF2-40B4-BE49-F238E27FC236}">
+                <a16:creationId xmlns:a16="http://schemas.microsoft.com/office/drawing/2014/main" id="{CA7BD838-D4FB-4EA7-B68C-FA7B6D147BA2}"/>
+              </a:ext>
+            </a:extLst>
+          </p:cNvPr>
+          <p:cNvGrpSpPr/>
+          <p:nvPr/>
+        </p:nvGrpSpPr>
+        <p:grpSpPr>
+          <a:xfrm>
+            <a:off x="491701" y="407324"/>
+            <a:ext cx="2101870" cy="854227"/>
+            <a:chOff x="640080" y="-971550"/>
+            <a:chExt cx="1660746" cy="765810"/>
+          </a:xfrm>
+        </p:grpSpPr>
+        <p:sp>
+          <p:nvSpPr>
+            <p:cNvPr id="18" name="TextBox 17">
+              <a:extLst>
+                <a:ext uri="{FF2B5EF4-FFF2-40B4-BE49-F238E27FC236}">
+                  <a16:creationId xmlns:a16="http://schemas.microsoft.com/office/drawing/2014/main" id="{D7B7EE40-BAD9-4569-9BF6-F6E9ACA78A3C}"/>
+                </a:ext>
+              </a:extLst>
+            </p:cNvPr>
+            <p:cNvSpPr txBox="1"/>
+            <p:nvPr/>
+          </p:nvSpPr>
+          <p:spPr>
+            <a:xfrm>
+              <a:off x="683325" y="-881070"/>
+              <a:ext cx="1576513" cy="634616"/>
+            </a:xfrm>
+            <a:prstGeom prst="rect">
+              <a:avLst/>
+            </a:prstGeom>
+            <a:noFill/>
+          </p:spPr>
+          <p:txBody>
+            <a:bodyPr wrap="square" rtlCol="0">
+              <a:spAutoFit/>
+            </a:bodyPr>
+            <a:lstStyle/>
+            <a:p>
+              <a:pPr algn="ctr"/>
+              <a:r>
+                <a:rPr lang="ko-KR" altLang="en-US" sz="2000" dirty="0">
+                  <a:ln>
+                    <a:solidFill>
+                      <a:schemeClr val="tx1">
+                        <a:alpha val="30000"/>
+                      </a:schemeClr>
+                    </a:solidFill>
+                  </a:ln>
+                  <a:latin typeface="KoPub돋움체 Light" panose="02020603020101020101" pitchFamily="18" charset="-127"/>
+                  <a:ea typeface="KoPub돋움체 Light" panose="02020603020101020101" pitchFamily="18" charset="-127"/>
+                </a:rPr>
+                <a:t>프로젝트 설명</a:t>
               </a:r>
               <a:endParaRPr lang="ko-KR" altLang="en-US" sz="1600" dirty="0">
                 <a:ln>
@@ -4182,10 +6097,10 @@
         </p:nvGrpSpPr>
         <p:grpSpPr>
           <a:xfrm>
-            <a:off x="5553750" y="2276644"/>
-            <a:ext cx="5277679" cy="2304712"/>
+            <a:off x="5345084" y="2276644"/>
+            <a:ext cx="5486345" cy="2858710"/>
             <a:chOff x="5203631" y="2171892"/>
-            <a:chExt cx="5277679" cy="2304712"/>
+            <a:chExt cx="5277679" cy="2858710"/>
           </a:xfrm>
         </p:grpSpPr>
         <p:sp>
@@ -4273,7 +6188,7 @@
           <p:spPr>
             <a:xfrm>
               <a:off x="5203632" y="2722278"/>
-              <a:ext cx="5277678" cy="1754326"/>
+              <a:ext cx="5277678" cy="2308324"/>
             </a:xfrm>
             <a:prstGeom prst="rect">
               <a:avLst/>
@@ -4471,6 +6386,83 @@
                     </a:schemeClr>
                   </a:solidFill>
                 </a:ln>
+                <a:latin typeface="KoPub돋움체 Light" panose="02020603020101020101" pitchFamily="18" charset="-127"/>
+                <a:ea typeface="KoPub돋움체 Light" panose="02020603020101020101" pitchFamily="18" charset="-127"/>
+              </a:endParaRPr>
+            </a:p>
+            <a:p>
+              <a:pPr algn="just"/>
+              <a:r>
+                <a:rPr lang="ko-KR" altLang="en-US" sz="1200" dirty="0">
+                  <a:ln>
+                    <a:solidFill>
+                      <a:schemeClr val="tx1">
+                        <a:alpha val="30000"/>
+                      </a:schemeClr>
+                    </a:solidFill>
+                  </a:ln>
+                  <a:effectLst/>
+                  <a:latin typeface="KoPub돋움체 Light" panose="02020603020101020101" pitchFamily="18" charset="-127"/>
+                  <a:ea typeface="KoPub돋움체 Light" panose="02020603020101020101" pitchFamily="18" charset="-127"/>
+                </a:rPr>
+                <a:t>또한 </a:t>
+              </a:r>
+              <a:r>
+                <a:rPr lang="en-US" altLang="ko-KR" sz="1200" dirty="0">
+                  <a:ln>
+                    <a:solidFill>
+                      <a:schemeClr val="tx1">
+                        <a:alpha val="30000"/>
+                      </a:schemeClr>
+                    </a:solidFill>
+                  </a:ln>
+                  <a:effectLst/>
+                  <a:latin typeface="KoPub돋움체 Light" panose="02020603020101020101" pitchFamily="18" charset="-127"/>
+                  <a:ea typeface="KoPub돋움체 Light" panose="02020603020101020101" pitchFamily="18" charset="-127"/>
+                </a:rPr>
+                <a:t>pos </a:t>
+              </a:r>
+              <a:r>
+                <a:rPr lang="ko-KR" altLang="en-US" sz="1200" dirty="0">
+                  <a:ln>
+                    <a:solidFill>
+                      <a:schemeClr val="tx1">
+                        <a:alpha val="30000"/>
+                      </a:schemeClr>
+                    </a:solidFill>
+                  </a:ln>
+                  <a:effectLst/>
+                  <a:latin typeface="KoPub돋움체 Light" panose="02020603020101020101" pitchFamily="18" charset="-127"/>
+                  <a:ea typeface="KoPub돋움체 Light" panose="02020603020101020101" pitchFamily="18" charset="-127"/>
+                </a:rPr>
+                <a:t>시스템 내에서 카카오페이 기능이 존재한다면 카드를 휴대하지 않은 상태에서 거래의 편리함을 줄 수 있다는 생각이 들게 되었다</a:t>
+              </a:r>
+              <a:r>
+                <a:rPr lang="en-US" altLang="ko-KR" sz="1200" dirty="0">
+                  <a:ln>
+                    <a:solidFill>
+                      <a:schemeClr val="tx1">
+                        <a:alpha val="30000"/>
+                      </a:schemeClr>
+                    </a:solidFill>
+                  </a:ln>
+                  <a:effectLst/>
+                  <a:latin typeface="KoPub돋움체 Light" panose="02020603020101020101" pitchFamily="18" charset="-127"/>
+                  <a:ea typeface="KoPub돋움체 Light" panose="02020603020101020101" pitchFamily="18" charset="-127"/>
+                </a:rPr>
+                <a:t>.</a:t>
+              </a:r>
+            </a:p>
+            <a:p>
+              <a:pPr algn="just"/>
+              <a:endParaRPr lang="en-US" altLang="ko-KR" sz="1200" dirty="0">
+                <a:ln>
+                  <a:solidFill>
+                    <a:schemeClr val="tx1">
+                      <a:alpha val="30000"/>
+                    </a:schemeClr>
+                  </a:solidFill>
+                </a:ln>
                 <a:effectLst/>
                 <a:latin typeface="KoPub돋움체 Light" panose="02020603020101020101" pitchFamily="18" charset="-127"/>
                 <a:ea typeface="KoPub돋움체 Light" panose="02020603020101020101" pitchFamily="18" charset="-127"/>
@@ -4588,7 +6580,7 @@
     </p:spTree>
     <p:extLst>
       <p:ext uri="{BB962C8B-B14F-4D97-AF65-F5344CB8AC3E}">
-        <p14:creationId xmlns:p14="http://schemas.microsoft.com/office/powerpoint/2010/main" val="2451339203"/>
+        <p14:creationId xmlns:p14="http://schemas.microsoft.com/office/powerpoint/2010/main" val="3530590976"/>
       </p:ext>
     </p:extLst>
   </p:cSld>
@@ -4598,7 +6590,7 @@
 </p:sld>
 </file>
 
-<file path=ppt/slides/slide4.xml><?xml version="1.0" encoding="utf-8"?>
+<file path=ppt/slides/slide5.xml><?xml version="1.0" encoding="utf-8"?>
 <p:sld xmlns:a="http://schemas.openxmlformats.org/drawingml/2006/main" xmlns:r="http://schemas.openxmlformats.org/officeDocument/2006/relationships" xmlns:p="http://schemas.openxmlformats.org/presentationml/2006/main">
   <p:cSld>
     <p:bg>
@@ -5251,7 +7243,7 @@
 </p:sld>
 </file>
 
-<file path=ppt/slides/slide5.xml><?xml version="1.0" encoding="utf-8"?>
+<file path=ppt/slides/slide6.xml><?xml version="1.0" encoding="utf-8"?>
 <p:sld xmlns:a="http://schemas.openxmlformats.org/drawingml/2006/main" xmlns:r="http://schemas.openxmlformats.org/officeDocument/2006/relationships" xmlns:p="http://schemas.openxmlformats.org/presentationml/2006/main">
   <p:cSld>
     <p:bg>
@@ -5292,7 +7284,7 @@
         </p:nvGrpSpPr>
         <p:grpSpPr>
           <a:xfrm>
-            <a:off x="159192" y="182880"/>
+            <a:off x="500014" y="407324"/>
             <a:ext cx="1852488" cy="854227"/>
             <a:chOff x="640080" y="-971550"/>
             <a:chExt cx="1660746" cy="765810"/>
@@ -5313,7 +7305,7 @@
           <p:spPr>
             <a:xfrm>
               <a:off x="683325" y="-881070"/>
-              <a:ext cx="1576513" cy="579432"/>
+              <a:ext cx="1576513" cy="358697"/>
             </a:xfrm>
             <a:prstGeom prst="rect">
               <a:avLst/>
@@ -5328,7 +7320,7 @@
             <a:p>
               <a:pPr algn="ctr"/>
               <a:r>
-                <a:rPr lang="en-US" altLang="ko-KR" sz="2000" dirty="0">
+                <a:rPr lang="ko-KR" altLang="en-US" sz="2000" dirty="0">
                   <a:ln>
                     <a:solidFill>
                       <a:schemeClr val="tx1">
@@ -5339,23 +7331,7 @@
                   <a:latin typeface="KoPub돋움체 Light" panose="02020603020101020101" pitchFamily="18" charset="-127"/>
                   <a:ea typeface="KoPub돋움체 Light" panose="02020603020101020101" pitchFamily="18" charset="-127"/>
                 </a:rPr>
-                <a:t>Contents 2</a:t>
-              </a:r>
-            </a:p>
-            <a:p>
-              <a:r>
-                <a:rPr lang="en-US" altLang="ko-KR" sz="1600" dirty="0">
-                  <a:ln>
-                    <a:solidFill>
-                      <a:schemeClr val="tx1">
-                        <a:alpha val="30000"/>
-                      </a:schemeClr>
-                    </a:solidFill>
-                  </a:ln>
-                  <a:latin typeface="KoPub돋움체 Light" panose="02020603020101020101" pitchFamily="18" charset="-127"/>
-                  <a:ea typeface="KoPub돋움체 Light" panose="02020603020101020101" pitchFamily="18" charset="-127"/>
-                </a:rPr>
-                <a:t>sub title sub title</a:t>
+                <a:t>구현 과정</a:t>
               </a:r>
               <a:endParaRPr lang="ko-KR" altLang="en-US" sz="1600" dirty="0">
                 <a:ln>
@@ -5426,10 +7402,95 @@
       </p:grpSp>
       <p:sp>
         <p:nvSpPr>
-          <p:cNvPr id="2" name="직사각형 1">
-            <a:extLst>
-              <a:ext uri="{FF2B5EF4-FFF2-40B4-BE49-F238E27FC236}">
-                <a16:creationId xmlns:a16="http://schemas.microsoft.com/office/drawing/2014/main" id="{9127520B-595E-44EA-9870-5F8432471AF4}"/>
+          <p:cNvPr id="7" name="TextBox 6">
+            <a:extLst>
+              <a:ext uri="{FF2B5EF4-FFF2-40B4-BE49-F238E27FC236}">
+                <a16:creationId xmlns:a16="http://schemas.microsoft.com/office/drawing/2014/main" id="{77ED49F9-B91F-4AC2-9CDF-E12973B2A540}"/>
+              </a:ext>
+            </a:extLst>
+          </p:cNvPr>
+          <p:cNvSpPr txBox="1"/>
+          <p:nvPr/>
+        </p:nvSpPr>
+        <p:spPr>
+          <a:xfrm>
+            <a:off x="944744" y="908361"/>
+            <a:ext cx="1362038" cy="276999"/>
+          </a:xfrm>
+          <a:prstGeom prst="rect">
+            <a:avLst/>
+          </a:prstGeom>
+          <a:noFill/>
+        </p:spPr>
+        <p:txBody>
+          <a:bodyPr wrap="square" rtlCol="0">
+            <a:spAutoFit/>
+          </a:bodyPr>
+          <a:lstStyle/>
+          <a:p>
+            <a:pPr algn="ctr"/>
+            <a:r>
+              <a:rPr lang="en-US" altLang="ko-KR" sz="1200" dirty="0">
+                <a:ln>
+                  <a:solidFill>
+                    <a:schemeClr val="tx1">
+                      <a:alpha val="30000"/>
+                    </a:schemeClr>
+                  </a:solidFill>
+                </a:ln>
+                <a:latin typeface="KoPub돋움체 Light" panose="02020603020101020101" pitchFamily="18" charset="-127"/>
+                <a:ea typeface="KoPub돋움체 Light" panose="02020603020101020101" pitchFamily="18" charset="-127"/>
+              </a:rPr>
+              <a:t>- UI </a:t>
+            </a:r>
+            <a:r>
+              <a:rPr lang="ko-KR" altLang="en-US" sz="1200" dirty="0">
+                <a:ln>
+                  <a:solidFill>
+                    <a:schemeClr val="tx1">
+                      <a:alpha val="30000"/>
+                    </a:schemeClr>
+                  </a:solidFill>
+                </a:ln>
+                <a:latin typeface="KoPub돋움체 Light" panose="02020603020101020101" pitchFamily="18" charset="-127"/>
+                <a:ea typeface="KoPub돋움체 Light" panose="02020603020101020101" pitchFamily="18" charset="-127"/>
+              </a:rPr>
+              <a:t>설계</a:t>
+            </a:r>
+            <a:r>
+              <a:rPr lang="en-US" altLang="ko-KR" sz="1200" dirty="0">
+                <a:ln>
+                  <a:solidFill>
+                    <a:schemeClr val="tx1">
+                      <a:alpha val="30000"/>
+                    </a:schemeClr>
+                  </a:solidFill>
+                </a:ln>
+                <a:latin typeface="KoPub돋움체 Light" panose="02020603020101020101" pitchFamily="18" charset="-127"/>
+                <a:ea typeface="KoPub돋움체 Light" panose="02020603020101020101" pitchFamily="18" charset="-127"/>
+              </a:rPr>
+              <a:t> </a:t>
+            </a:r>
+            <a:endParaRPr lang="ko-KR" altLang="en-US" sz="1200" dirty="0">
+              <a:ln>
+                <a:solidFill>
+                  <a:schemeClr val="tx1">
+                    <a:alpha val="30000"/>
+                  </a:schemeClr>
+                </a:solidFill>
+              </a:ln>
+              <a:latin typeface="KoPub돋움체 Light" panose="02020603020101020101" pitchFamily="18" charset="-127"/>
+              <a:ea typeface="KoPub돋움체 Light" panose="02020603020101020101" pitchFamily="18" charset="-127"/>
+            </a:endParaRPr>
+          </a:p>
+        </p:txBody>
+      </p:sp>
+      <p:sp>
+        <p:nvSpPr>
+          <p:cNvPr id="8" name="사각형: 둥근 모서리 7">
+            <a:extLst>
+              <a:ext uri="{FF2B5EF4-FFF2-40B4-BE49-F238E27FC236}">
+                <a16:creationId xmlns:a16="http://schemas.microsoft.com/office/drawing/2014/main" id="{4267D9D0-5E40-4DF0-AA6C-E0107C4EDCEF}"/>
               </a:ext>
             </a:extLst>
           </p:cNvPr>
@@ -5438,18 +7499,18 @@
         </p:nvSpPr>
         <p:spPr>
           <a:xfrm>
-            <a:off x="3954780" y="2411730"/>
-            <a:ext cx="3886200" cy="468630"/>
+            <a:off x="1847506" y="3028919"/>
+            <a:ext cx="1421477" cy="856211"/>
           </a:xfrm>
-          <a:prstGeom prst="rect">
+          <a:prstGeom prst="roundRect">
             <a:avLst/>
           </a:prstGeom>
-          <a:noFill/>
-          <a:ln w="19050">
-            <a:solidFill>
-              <a:schemeClr val="tx1"/>
-            </a:solidFill>
-          </a:ln>
+          <a:solidFill>
+            <a:schemeClr val="accent1">
+              <a:lumMod val="40000"/>
+              <a:lumOff val="60000"/>
+            </a:schemeClr>
+          </a:solidFill>
         </p:spPr>
         <p:style>
           <a:lnRef idx="2">
@@ -5472,139 +7533,48 @@
           <a:lstStyle/>
           <a:p>
             <a:pPr algn="ctr"/>
-            <a:endParaRPr lang="ko-KR" altLang="en-US"/>
+            <a:r>
+              <a:rPr lang="en-US" altLang="ko-KR" dirty="0">
+                <a:solidFill>
+                  <a:schemeClr val="tx1"/>
+                </a:solidFill>
+              </a:rPr>
+              <a:t>Login Page</a:t>
+            </a:r>
+            <a:endParaRPr lang="ko-KR" altLang="en-US" dirty="0">
+              <a:solidFill>
+                <a:schemeClr val="tx1"/>
+              </a:solidFill>
+            </a:endParaRPr>
           </a:p>
         </p:txBody>
       </p:sp>
       <p:sp>
         <p:nvSpPr>
-          <p:cNvPr id="3" name="TextBox 2">
-            <a:extLst>
-              <a:ext uri="{FF2B5EF4-FFF2-40B4-BE49-F238E27FC236}">
-                <a16:creationId xmlns:a16="http://schemas.microsoft.com/office/drawing/2014/main" id="{39B1207E-2105-4BD4-8BB3-B2D4005B9F37}"/>
-              </a:ext>
-            </a:extLst>
-          </p:cNvPr>
-          <p:cNvSpPr txBox="1"/>
+          <p:cNvPr id="9" name="사각형: 둥근 모서리 8">
+            <a:extLst>
+              <a:ext uri="{FF2B5EF4-FFF2-40B4-BE49-F238E27FC236}">
+                <a16:creationId xmlns:a16="http://schemas.microsoft.com/office/drawing/2014/main" id="{BFD2C331-D925-4E52-842E-846BC9CEDFF2}"/>
+              </a:ext>
+            </a:extLst>
+          </p:cNvPr>
+          <p:cNvSpPr/>
           <p:nvPr/>
         </p:nvSpPr>
         <p:spPr>
           <a:xfrm>
-            <a:off x="5289171" y="2472809"/>
-            <a:ext cx="1194558" cy="369332"/>
+            <a:off x="3553285" y="3032273"/>
+            <a:ext cx="1421477" cy="856211"/>
           </a:xfrm>
-          <a:prstGeom prst="rect">
-            <a:avLst/>
-          </a:prstGeom>
-          <a:noFill/>
-        </p:spPr>
-        <p:txBody>
-          <a:bodyPr wrap="none" rtlCol="0">
-            <a:spAutoFit/>
-          </a:bodyPr>
-          <a:lstStyle/>
-          <a:p>
-            <a:r>
-              <a:rPr lang="ko-KR" altLang="en-US" dirty="0">
-                <a:ln>
-                  <a:solidFill>
-                    <a:schemeClr val="tx1">
-                      <a:alpha val="30000"/>
-                    </a:schemeClr>
-                  </a:solidFill>
-                </a:ln>
-                <a:latin typeface="KoPub돋움체 Light" panose="02020603020101020101" pitchFamily="18" charset="-127"/>
-                <a:ea typeface="KoPub돋움체 Light" panose="02020603020101020101" pitchFamily="18" charset="-127"/>
-              </a:rPr>
-              <a:t>미니멀리즘</a:t>
-            </a:r>
-          </a:p>
-        </p:txBody>
-      </p:sp>
-      <p:sp>
-        <p:nvSpPr>
-          <p:cNvPr id="17" name="TextBox 16">
-            <a:extLst>
-              <a:ext uri="{FF2B5EF4-FFF2-40B4-BE49-F238E27FC236}">
-                <a16:creationId xmlns:a16="http://schemas.microsoft.com/office/drawing/2014/main" id="{08208116-79EA-4976-A147-81B3A7BD6B0D}"/>
-              </a:ext>
-            </a:extLst>
-          </p:cNvPr>
-          <p:cNvSpPr txBox="1"/>
-          <p:nvPr/>
-        </p:nvSpPr>
-        <p:spPr>
-          <a:xfrm>
-            <a:off x="5094861" y="3362087"/>
-            <a:ext cx="1112805" cy="307777"/>
-          </a:xfrm>
-          <a:prstGeom prst="rect">
-            <a:avLst/>
-          </a:prstGeom>
-          <a:noFill/>
-        </p:spPr>
-        <p:txBody>
-          <a:bodyPr wrap="none" rtlCol="0">
-            <a:spAutoFit/>
-          </a:bodyPr>
-          <a:lstStyle/>
-          <a:p>
-            <a:r>
-              <a:rPr lang="en-US" altLang="ko-KR" sz="1400" dirty="0">
-                <a:ln>
-                  <a:solidFill>
-                    <a:schemeClr val="tx1">
-                      <a:alpha val="30000"/>
-                    </a:schemeClr>
-                  </a:solidFill>
-                </a:ln>
-                <a:latin typeface="KoPub돋움체 Light" panose="02020603020101020101" pitchFamily="18" charset="-127"/>
-                <a:ea typeface="KoPub돋움체 Light" panose="02020603020101020101" pitchFamily="18" charset="-127"/>
-              </a:rPr>
-              <a:t>Minimalism</a:t>
-            </a:r>
-            <a:endParaRPr lang="ko-KR" altLang="en-US" sz="1400" dirty="0">
-              <a:ln>
-                <a:solidFill>
-                  <a:schemeClr val="tx1">
-                    <a:alpha val="30000"/>
-                  </a:schemeClr>
-                </a:solidFill>
-              </a:ln>
-              <a:latin typeface="KoPub돋움체 Light" panose="02020603020101020101" pitchFamily="18" charset="-127"/>
-              <a:ea typeface="KoPub돋움체 Light" panose="02020603020101020101" pitchFamily="18" charset="-127"/>
-            </a:endParaRPr>
-          </a:p>
-        </p:txBody>
-      </p:sp>
-      <p:sp>
-        <p:nvSpPr>
-          <p:cNvPr id="7" name="이등변 삼각형 6">
-            <a:extLst>
-              <a:ext uri="{FF2B5EF4-FFF2-40B4-BE49-F238E27FC236}">
-                <a16:creationId xmlns:a16="http://schemas.microsoft.com/office/drawing/2014/main" id="{35833959-7577-47CE-9CD7-98D1BD896CCF}"/>
-              </a:ext>
-            </a:extLst>
-          </p:cNvPr>
-          <p:cNvSpPr/>
-          <p:nvPr/>
-        </p:nvSpPr>
-        <p:spPr>
-          <a:xfrm flipV="1">
-            <a:off x="7635240" y="2596778"/>
-            <a:ext cx="114300" cy="98534"/>
-          </a:xfrm>
-          <a:prstGeom prst="triangle">
+          <a:prstGeom prst="roundRect">
             <a:avLst/>
           </a:prstGeom>
           <a:solidFill>
-            <a:schemeClr val="tx1"/>
+            <a:schemeClr val="accent1">
+              <a:lumMod val="40000"/>
+              <a:lumOff val="60000"/>
+            </a:schemeClr>
           </a:solidFill>
-          <a:ln>
-            <a:solidFill>
-              <a:schemeClr val="tx1"/>
-            </a:solidFill>
-          </a:ln>
         </p:spPr>
         <p:style>
           <a:lnRef idx="2">
@@ -5627,213 +7597,2450 @@
           <a:lstStyle/>
           <a:p>
             <a:pPr algn="ctr"/>
-            <a:endParaRPr lang="ko-KR" altLang="en-US"/>
+            <a:r>
+              <a:rPr lang="en-US" altLang="ko-KR" dirty="0">
+                <a:solidFill>
+                  <a:schemeClr val="tx1"/>
+                </a:solidFill>
+              </a:rPr>
+              <a:t>Menu Page</a:t>
+            </a:r>
+            <a:endParaRPr lang="ko-KR" altLang="en-US" dirty="0">
+              <a:solidFill>
+                <a:schemeClr val="tx1"/>
+              </a:solidFill>
+            </a:endParaRPr>
           </a:p>
         </p:txBody>
       </p:sp>
       <p:sp>
         <p:nvSpPr>
-          <p:cNvPr id="9" name="TextBox 8">
-            <a:extLst>
-              <a:ext uri="{FF2B5EF4-FFF2-40B4-BE49-F238E27FC236}">
-                <a16:creationId xmlns:a16="http://schemas.microsoft.com/office/drawing/2014/main" id="{746FCED7-F6E9-4003-BFF2-824C54C1CE89}"/>
-              </a:ext>
-            </a:extLst>
-          </p:cNvPr>
-          <p:cNvSpPr txBox="1"/>
+          <p:cNvPr id="10" name="사각형: 둥근 모서리 9">
+            <a:extLst>
+              <a:ext uri="{FF2B5EF4-FFF2-40B4-BE49-F238E27FC236}">
+                <a16:creationId xmlns:a16="http://schemas.microsoft.com/office/drawing/2014/main" id="{6D5A3654-ACBC-42E0-A8A9-F60EFCB88899}"/>
+              </a:ext>
+            </a:extLst>
+          </p:cNvPr>
+          <p:cNvSpPr/>
           <p:nvPr/>
         </p:nvSpPr>
         <p:spPr>
           <a:xfrm>
-            <a:off x="4023360" y="3300532"/>
-            <a:ext cx="1348294" cy="369332"/>
+            <a:off x="5636824" y="5324066"/>
+            <a:ext cx="1421477" cy="856211"/>
           </a:xfrm>
-          <a:prstGeom prst="rect">
+          <a:prstGeom prst="roundRect">
             <a:avLst/>
           </a:prstGeom>
-          <a:noFill/>
+          <a:solidFill>
+            <a:schemeClr val="accent1">
+              <a:lumMod val="20000"/>
+              <a:lumOff val="80000"/>
+            </a:schemeClr>
+          </a:solidFill>
         </p:spPr>
+        <p:style>
+          <a:lnRef idx="2">
+            <a:schemeClr val="accent1">
+              <a:shade val="50000"/>
+            </a:schemeClr>
+          </a:lnRef>
+          <a:fillRef idx="1">
+            <a:schemeClr val="accent1"/>
+          </a:fillRef>
+          <a:effectRef idx="0">
+            <a:schemeClr val="accent1"/>
+          </a:effectRef>
+          <a:fontRef idx="minor">
+            <a:schemeClr val="lt1"/>
+          </a:fontRef>
+        </p:style>
         <p:txBody>
-          <a:bodyPr wrap="square" rtlCol="0">
-            <a:spAutoFit/>
-          </a:bodyPr>
+          <a:bodyPr rtlCol="0" anchor="ctr"/>
           <a:lstStyle/>
           <a:p>
-            <a:r>
-              <a:rPr lang="ko-KR" altLang="en-US" dirty="0">
-                <a:ln>
-                  <a:solidFill>
-                    <a:schemeClr val="tx1">
-                      <a:alpha val="30000"/>
-                    </a:schemeClr>
-                  </a:solidFill>
-                </a:ln>
-                <a:latin typeface="KoPub돋움체 Light" panose="02020603020101020101" pitchFamily="18" charset="-127"/>
-                <a:ea typeface="KoPub돋움체 Light" panose="02020603020101020101" pitchFamily="18" charset="-127"/>
+            <a:pPr algn="ctr"/>
+            <a:r>
+              <a:rPr lang="en-US" altLang="ko-KR" dirty="0">
+                <a:solidFill>
+                  <a:schemeClr val="tx1"/>
+                </a:solidFill>
               </a:rPr>
-              <a:t>미니멀리즘</a:t>
-            </a:r>
+              <a:t>Analysis Page</a:t>
+            </a:r>
+            <a:endParaRPr lang="ko-KR" altLang="en-US" dirty="0">
+              <a:solidFill>
+                <a:schemeClr val="tx1"/>
+              </a:solidFill>
+            </a:endParaRPr>
           </a:p>
         </p:txBody>
       </p:sp>
       <p:sp>
         <p:nvSpPr>
-          <p:cNvPr id="11" name="TextBox 10">
-            <a:extLst>
-              <a:ext uri="{FF2B5EF4-FFF2-40B4-BE49-F238E27FC236}">
-                <a16:creationId xmlns:a16="http://schemas.microsoft.com/office/drawing/2014/main" id="{E8BA2D70-3117-4022-BC0F-724D28D94258}"/>
-              </a:ext>
-            </a:extLst>
-          </p:cNvPr>
-          <p:cNvSpPr txBox="1"/>
+          <p:cNvPr id="11" name="사각형: 둥근 모서리 10">
+            <a:extLst>
+              <a:ext uri="{FF2B5EF4-FFF2-40B4-BE49-F238E27FC236}">
+                <a16:creationId xmlns:a16="http://schemas.microsoft.com/office/drawing/2014/main" id="{0C68E511-3FFB-4C01-AA4A-C2DF91CB8EDE}"/>
+              </a:ext>
+            </a:extLst>
+          </p:cNvPr>
+          <p:cNvSpPr/>
           <p:nvPr/>
         </p:nvSpPr>
         <p:spPr>
           <a:xfrm>
-            <a:off x="4023360" y="3669864"/>
-            <a:ext cx="5669280" cy="307777"/>
+            <a:off x="5636825" y="4120112"/>
+            <a:ext cx="1421477" cy="856211"/>
           </a:xfrm>
-          <a:prstGeom prst="rect">
+          <a:prstGeom prst="roundRect">
             <a:avLst/>
           </a:prstGeom>
-          <a:noFill/>
+          <a:solidFill>
+            <a:schemeClr val="accent1">
+              <a:lumMod val="20000"/>
+              <a:lumOff val="80000"/>
+            </a:schemeClr>
+          </a:solidFill>
         </p:spPr>
+        <p:style>
+          <a:lnRef idx="2">
+            <a:schemeClr val="accent1">
+              <a:shade val="50000"/>
+            </a:schemeClr>
+          </a:lnRef>
+          <a:fillRef idx="1">
+            <a:schemeClr val="accent1"/>
+          </a:fillRef>
+          <a:effectRef idx="0">
+            <a:schemeClr val="accent1"/>
+          </a:effectRef>
+          <a:fontRef idx="minor">
+            <a:schemeClr val="lt1"/>
+          </a:fontRef>
+        </p:style>
         <p:txBody>
-          <a:bodyPr wrap="square" rtlCol="0">
-            <a:spAutoFit/>
-          </a:bodyPr>
+          <a:bodyPr rtlCol="0" anchor="ctr"/>
           <a:lstStyle/>
           <a:p>
-            <a:r>
-              <a:rPr lang="ko-KR" altLang="en-US" sz="1400" dirty="0">
-                <a:ln>
-                  <a:solidFill>
-                    <a:schemeClr val="tx1">
-                      <a:alpha val="30000"/>
-                    </a:schemeClr>
-                  </a:solidFill>
-                </a:ln>
-                <a:latin typeface="KoPub돋움체 Light" panose="02020603020101020101" pitchFamily="18" charset="-127"/>
-                <a:ea typeface="KoPub돋움체 Light" panose="02020603020101020101" pitchFamily="18" charset="-127"/>
+            <a:pPr algn="ctr"/>
+            <a:r>
+              <a:rPr lang="en-US" altLang="ko-KR" sz="1400" dirty="0" err="1">
+                <a:solidFill>
+                  <a:schemeClr val="tx1"/>
+                </a:solidFill>
               </a:rPr>
-              <a:t>단순함과 간결함을 추구하는 예술과 문화적인 흐름</a:t>
-            </a:r>
-            <a:r>
-              <a:rPr lang="en-US" altLang="ko-KR" sz="1400" dirty="0">
-                <a:ln>
-                  <a:solidFill>
-                    <a:schemeClr val="tx1">
-                      <a:alpha val="30000"/>
-                    </a:schemeClr>
-                  </a:solidFill>
-                </a:ln>
-                <a:latin typeface="KoPub돋움체 Light" panose="02020603020101020101" pitchFamily="18" charset="-127"/>
-                <a:ea typeface="KoPub돋움체 Light" panose="02020603020101020101" pitchFamily="18" charset="-127"/>
+              <a:t>ModifyMenu</a:t>
+            </a:r>
+            <a:r>
+              <a:rPr lang="en-US" altLang="ko-KR" sz="1600" dirty="0">
+                <a:solidFill>
+                  <a:schemeClr val="tx1"/>
+                </a:solidFill>
               </a:rPr>
-              <a:t>.</a:t>
-            </a:r>
-            <a:endParaRPr lang="ko-KR" altLang="en-US" sz="1400" dirty="0">
-              <a:ln>
-                <a:solidFill>
-                  <a:schemeClr val="tx1">
-                    <a:alpha val="30000"/>
-                  </a:schemeClr>
-                </a:solidFill>
-              </a:ln>
-              <a:latin typeface="KoPub돋움체 Light" panose="02020603020101020101" pitchFamily="18" charset="-127"/>
-              <a:ea typeface="KoPub돋움체 Light" panose="02020603020101020101" pitchFamily="18" charset="-127"/>
+              <a:t> Page</a:t>
+            </a:r>
+            <a:endParaRPr lang="ko-KR" altLang="en-US" sz="1600" dirty="0">
+              <a:solidFill>
+                <a:schemeClr val="tx1"/>
+              </a:solidFill>
             </a:endParaRPr>
           </a:p>
         </p:txBody>
       </p:sp>
-      <p:pic>
-        <p:nvPicPr>
-          <p:cNvPr id="14" name="그림 13">
-            <a:extLst>
-              <a:ext uri="{FF2B5EF4-FFF2-40B4-BE49-F238E27FC236}">
-                <a16:creationId xmlns:a16="http://schemas.microsoft.com/office/drawing/2014/main" id="{88F98EE0-3F9F-441D-8A13-BB4EAFCF7844}"/>
-              </a:ext>
-            </a:extLst>
-          </p:cNvPr>
-          <p:cNvPicPr>
-            <a:picLocks noChangeAspect="1"/>
-          </p:cNvPicPr>
+      <p:sp>
+        <p:nvSpPr>
+          <p:cNvPr id="12" name="사각형: 둥근 모서리 11">
+            <a:extLst>
+              <a:ext uri="{FF2B5EF4-FFF2-40B4-BE49-F238E27FC236}">
+                <a16:creationId xmlns:a16="http://schemas.microsoft.com/office/drawing/2014/main" id="{784FC071-0343-427E-8788-F38F113FA499}"/>
+              </a:ext>
+            </a:extLst>
+          </p:cNvPr>
+          <p:cNvSpPr/>
           <p:nvPr/>
-        </p:nvPicPr>
-        <p:blipFill>
-          <a:blip r:embed="rId2">
-            <a:extLst>
-              <a:ext uri="{28A0092B-C50C-407E-A947-70E740481C1C}">
-                <a14:useLocalDpi xmlns:a14="http://schemas.microsoft.com/office/drawing/2010/main" val="0"/>
-              </a:ext>
-            </a:extLst>
-          </a:blip>
-          <a:stretch>
-            <a:fillRect/>
-          </a:stretch>
-        </p:blipFill>
+        </p:nvSpPr>
         <p:spPr>
           <a:xfrm>
-            <a:off x="5887053" y="3229928"/>
-            <a:ext cx="205086" cy="205086"/>
+            <a:off x="5636826" y="2916158"/>
+            <a:ext cx="1421477" cy="856211"/>
+          </a:xfrm>
+          <a:prstGeom prst="roundRect">
+            <a:avLst/>
+          </a:prstGeom>
+          <a:solidFill>
+            <a:schemeClr val="accent1">
+              <a:lumMod val="40000"/>
+              <a:lumOff val="60000"/>
+            </a:schemeClr>
+          </a:solidFill>
+        </p:spPr>
+        <p:style>
+          <a:lnRef idx="2">
+            <a:schemeClr val="accent1">
+              <a:shade val="50000"/>
+            </a:schemeClr>
+          </a:lnRef>
+          <a:fillRef idx="1">
+            <a:schemeClr val="accent1"/>
+          </a:fillRef>
+          <a:effectRef idx="0">
+            <a:schemeClr val="accent1"/>
+          </a:effectRef>
+          <a:fontRef idx="minor">
+            <a:schemeClr val="lt1"/>
+          </a:fontRef>
+        </p:style>
+        <p:txBody>
+          <a:bodyPr rtlCol="0" anchor="ctr"/>
+          <a:lstStyle/>
+          <a:p>
+            <a:pPr algn="ctr"/>
+            <a:r>
+              <a:rPr lang="en-US" altLang="ko-KR" sz="1600" dirty="0" err="1">
+                <a:solidFill>
+                  <a:schemeClr val="tx1"/>
+                </a:solidFill>
+              </a:rPr>
+              <a:t>ModifyTable</a:t>
+            </a:r>
+            <a:r>
+              <a:rPr lang="en-US" altLang="ko-KR" sz="1600" dirty="0">
+                <a:solidFill>
+                  <a:schemeClr val="tx1"/>
+                </a:solidFill>
+              </a:rPr>
+              <a:t> Page</a:t>
+            </a:r>
+            <a:endParaRPr lang="ko-KR" altLang="en-US" sz="1600" dirty="0">
+              <a:solidFill>
+                <a:schemeClr val="tx1"/>
+              </a:solidFill>
+            </a:endParaRPr>
+          </a:p>
+        </p:txBody>
+      </p:sp>
+      <p:sp>
+        <p:nvSpPr>
+          <p:cNvPr id="13" name="사각형: 둥근 모서리 12">
+            <a:extLst>
+              <a:ext uri="{FF2B5EF4-FFF2-40B4-BE49-F238E27FC236}">
+                <a16:creationId xmlns:a16="http://schemas.microsoft.com/office/drawing/2014/main" id="{EC67C81D-81E8-4B03-851E-66739FFD653E}"/>
+              </a:ext>
+            </a:extLst>
+          </p:cNvPr>
+          <p:cNvSpPr/>
+          <p:nvPr/>
+        </p:nvSpPr>
+        <p:spPr>
+          <a:xfrm>
+            <a:off x="5636827" y="1712204"/>
+            <a:ext cx="1421477" cy="856211"/>
+          </a:xfrm>
+          <a:prstGeom prst="roundRect">
+            <a:avLst/>
+          </a:prstGeom>
+          <a:solidFill>
+            <a:schemeClr val="accent1">
+              <a:lumMod val="20000"/>
+              <a:lumOff val="80000"/>
+            </a:schemeClr>
+          </a:solidFill>
+        </p:spPr>
+        <p:style>
+          <a:lnRef idx="2">
+            <a:schemeClr val="accent1">
+              <a:shade val="50000"/>
+            </a:schemeClr>
+          </a:lnRef>
+          <a:fillRef idx="1">
+            <a:schemeClr val="accent1"/>
+          </a:fillRef>
+          <a:effectRef idx="0">
+            <a:schemeClr val="accent1"/>
+          </a:effectRef>
+          <a:fontRef idx="minor">
+            <a:schemeClr val="lt1"/>
+          </a:fontRef>
+        </p:style>
+        <p:txBody>
+          <a:bodyPr rtlCol="0" anchor="ctr"/>
+          <a:lstStyle/>
+          <a:p>
+            <a:pPr algn="ctr"/>
+            <a:r>
+              <a:rPr lang="en-US" altLang="ko-KR" sz="1600" dirty="0" err="1">
+                <a:solidFill>
+                  <a:schemeClr val="tx1"/>
+                </a:solidFill>
+              </a:rPr>
+              <a:t>RegiMoney</a:t>
+            </a:r>
+            <a:r>
+              <a:rPr lang="en-US" altLang="ko-KR" sz="1600" dirty="0">
+                <a:solidFill>
+                  <a:schemeClr val="tx1"/>
+                </a:solidFill>
+              </a:rPr>
+              <a:t> Page</a:t>
+            </a:r>
+            <a:endParaRPr lang="ko-KR" altLang="en-US" sz="1600" dirty="0">
+              <a:solidFill>
+                <a:schemeClr val="tx1"/>
+              </a:solidFill>
+            </a:endParaRPr>
+          </a:p>
+        </p:txBody>
+      </p:sp>
+      <p:sp>
+        <p:nvSpPr>
+          <p:cNvPr id="14" name="사각형: 둥근 모서리 13">
+            <a:extLst>
+              <a:ext uri="{FF2B5EF4-FFF2-40B4-BE49-F238E27FC236}">
+                <a16:creationId xmlns:a16="http://schemas.microsoft.com/office/drawing/2014/main" id="{51294CDC-92BC-4358-9E16-201A5953430D}"/>
+              </a:ext>
+            </a:extLst>
+          </p:cNvPr>
+          <p:cNvSpPr/>
+          <p:nvPr/>
+        </p:nvSpPr>
+        <p:spPr>
+          <a:xfrm>
+            <a:off x="5636827" y="508250"/>
+            <a:ext cx="1421477" cy="856211"/>
+          </a:xfrm>
+          <a:prstGeom prst="roundRect">
+            <a:avLst/>
+          </a:prstGeom>
+          <a:solidFill>
+            <a:schemeClr val="accent1">
+              <a:lumMod val="40000"/>
+              <a:lumOff val="60000"/>
+            </a:schemeClr>
+          </a:solidFill>
+        </p:spPr>
+        <p:style>
+          <a:lnRef idx="2">
+            <a:schemeClr val="accent1">
+              <a:shade val="50000"/>
+            </a:schemeClr>
+          </a:lnRef>
+          <a:fillRef idx="1">
+            <a:schemeClr val="accent1"/>
+          </a:fillRef>
+          <a:effectRef idx="0">
+            <a:schemeClr val="accent1"/>
+          </a:effectRef>
+          <a:fontRef idx="minor">
+            <a:schemeClr val="lt1"/>
+          </a:fontRef>
+        </p:style>
+        <p:txBody>
+          <a:bodyPr rtlCol="0" anchor="ctr"/>
+          <a:lstStyle/>
+          <a:p>
+            <a:pPr algn="ctr"/>
+            <a:r>
+              <a:rPr lang="en-US" altLang="ko-KR" dirty="0">
+                <a:solidFill>
+                  <a:schemeClr val="tx1"/>
+                </a:solidFill>
+              </a:rPr>
+              <a:t> Table Page</a:t>
+            </a:r>
+            <a:endParaRPr lang="ko-KR" altLang="en-US" dirty="0">
+              <a:solidFill>
+                <a:schemeClr val="tx1"/>
+              </a:solidFill>
+            </a:endParaRPr>
+          </a:p>
+        </p:txBody>
+      </p:sp>
+      <p:sp>
+        <p:nvSpPr>
+          <p:cNvPr id="15" name="사각형: 둥근 모서리 14">
+            <a:extLst>
+              <a:ext uri="{FF2B5EF4-FFF2-40B4-BE49-F238E27FC236}">
+                <a16:creationId xmlns:a16="http://schemas.microsoft.com/office/drawing/2014/main" id="{BAB8274D-47D2-48C5-8C55-5E1847819721}"/>
+              </a:ext>
+            </a:extLst>
+          </p:cNvPr>
+          <p:cNvSpPr/>
+          <p:nvPr/>
+        </p:nvSpPr>
+        <p:spPr>
+          <a:xfrm>
+            <a:off x="7465290" y="508250"/>
+            <a:ext cx="1421477" cy="856211"/>
+          </a:xfrm>
+          <a:prstGeom prst="roundRect">
+            <a:avLst/>
+          </a:prstGeom>
+          <a:solidFill>
+            <a:schemeClr val="accent1">
+              <a:lumMod val="40000"/>
+              <a:lumOff val="60000"/>
+            </a:schemeClr>
+          </a:solidFill>
+        </p:spPr>
+        <p:style>
+          <a:lnRef idx="2">
+            <a:schemeClr val="accent1">
+              <a:shade val="50000"/>
+            </a:schemeClr>
+          </a:lnRef>
+          <a:fillRef idx="1">
+            <a:schemeClr val="accent1"/>
+          </a:fillRef>
+          <a:effectRef idx="0">
+            <a:schemeClr val="accent1"/>
+          </a:effectRef>
+          <a:fontRef idx="minor">
+            <a:schemeClr val="lt1"/>
+          </a:fontRef>
+        </p:style>
+        <p:txBody>
+          <a:bodyPr rtlCol="0" anchor="ctr"/>
+          <a:lstStyle/>
+          <a:p>
+            <a:pPr algn="ctr"/>
+            <a:r>
+              <a:rPr lang="en-US" altLang="ko-KR" dirty="0">
+                <a:solidFill>
+                  <a:schemeClr val="tx1"/>
+                </a:solidFill>
+              </a:rPr>
+              <a:t>Order Page</a:t>
+            </a:r>
+            <a:endParaRPr lang="ko-KR" altLang="en-US" dirty="0">
+              <a:solidFill>
+                <a:schemeClr val="tx1"/>
+              </a:solidFill>
+            </a:endParaRPr>
+          </a:p>
+        </p:txBody>
+      </p:sp>
+      <p:sp>
+        <p:nvSpPr>
+          <p:cNvPr id="16" name="왼쪽 중괄호 15">
+            <a:extLst>
+              <a:ext uri="{FF2B5EF4-FFF2-40B4-BE49-F238E27FC236}">
+                <a16:creationId xmlns:a16="http://schemas.microsoft.com/office/drawing/2014/main" id="{5D1FC4FA-9D36-411E-A19C-0B2F6E189E3A}"/>
+              </a:ext>
+            </a:extLst>
+          </p:cNvPr>
+          <p:cNvSpPr/>
+          <p:nvPr/>
+        </p:nvSpPr>
+        <p:spPr>
+          <a:xfrm>
+            <a:off x="5128490" y="936355"/>
+            <a:ext cx="323273" cy="5017323"/>
+          </a:xfrm>
+          <a:prstGeom prst="leftBrace">
+            <a:avLst/>
+          </a:prstGeom>
+        </p:spPr>
+        <p:style>
+          <a:lnRef idx="1">
+            <a:schemeClr val="dk1"/>
+          </a:lnRef>
+          <a:fillRef idx="0">
+            <a:schemeClr val="dk1"/>
+          </a:fillRef>
+          <a:effectRef idx="0">
+            <a:schemeClr val="dk1"/>
+          </a:effectRef>
+          <a:fontRef idx="minor">
+            <a:schemeClr val="tx1"/>
+          </a:fontRef>
+        </p:style>
+        <p:txBody>
+          <a:bodyPr rtlCol="0" anchor="ctr"/>
+          <a:lstStyle/>
+          <a:p>
+            <a:pPr algn="ctr"/>
+            <a:endParaRPr lang="ko-KR" altLang="en-US"/>
+          </a:p>
+        </p:txBody>
+      </p:sp>
+      <p:cxnSp>
+        <p:nvCxnSpPr>
+          <p:cNvPr id="17" name="연결선: 꺾임 16">
+            <a:extLst>
+              <a:ext uri="{FF2B5EF4-FFF2-40B4-BE49-F238E27FC236}">
+                <a16:creationId xmlns:a16="http://schemas.microsoft.com/office/drawing/2014/main" id="{17BCA169-3F6B-4452-8137-542BC940E249}"/>
+              </a:ext>
+            </a:extLst>
+          </p:cNvPr>
+          <p:cNvCxnSpPr>
+            <a:stCxn id="8" idx="3"/>
+            <a:endCxn id="9" idx="1"/>
+          </p:cNvCxnSpPr>
+          <p:nvPr/>
+        </p:nvCxnSpPr>
+        <p:spPr>
+          <a:xfrm>
+            <a:off x="3268983" y="3457025"/>
+            <a:ext cx="284302" cy="3354"/>
+          </a:xfrm>
+          <a:prstGeom prst="bentConnector3">
+            <a:avLst/>
+          </a:prstGeom>
+          <a:ln>
+            <a:tailEnd type="triangle"/>
+          </a:ln>
+        </p:spPr>
+        <p:style>
+          <a:lnRef idx="1">
+            <a:schemeClr val="dk1"/>
+          </a:lnRef>
+          <a:fillRef idx="0">
+            <a:schemeClr val="dk1"/>
+          </a:fillRef>
+          <a:effectRef idx="0">
+            <a:schemeClr val="dk1"/>
+          </a:effectRef>
+          <a:fontRef idx="minor">
+            <a:schemeClr val="tx1"/>
+          </a:fontRef>
+        </p:style>
+      </p:cxnSp>
+      <p:cxnSp>
+        <p:nvCxnSpPr>
+          <p:cNvPr id="19" name="연결선: 꺾임 18">
+            <a:extLst>
+              <a:ext uri="{FF2B5EF4-FFF2-40B4-BE49-F238E27FC236}">
+                <a16:creationId xmlns:a16="http://schemas.microsoft.com/office/drawing/2014/main" id="{799CE3B3-0495-4C09-ABB0-216509236EC9}"/>
+              </a:ext>
+            </a:extLst>
+          </p:cNvPr>
+          <p:cNvCxnSpPr>
+            <a:cxnSpLocks/>
+          </p:cNvCxnSpPr>
+          <p:nvPr/>
+        </p:nvCxnSpPr>
+        <p:spPr>
+          <a:xfrm flipV="1">
+            <a:off x="7159904" y="936354"/>
+            <a:ext cx="305386" cy="1"/>
+          </a:xfrm>
+          <a:prstGeom prst="bentConnector3">
+            <a:avLst/>
+          </a:prstGeom>
+          <a:ln>
+            <a:tailEnd type="triangle"/>
+          </a:ln>
+        </p:spPr>
+        <p:style>
+          <a:lnRef idx="1">
+            <a:schemeClr val="dk1"/>
+          </a:lnRef>
+          <a:fillRef idx="0">
+            <a:schemeClr val="dk1"/>
+          </a:fillRef>
+          <a:effectRef idx="0">
+            <a:schemeClr val="dk1"/>
+          </a:effectRef>
+          <a:fontRef idx="minor">
+            <a:schemeClr val="tx1"/>
+          </a:fontRef>
+        </p:style>
+      </p:cxnSp>
+      <p:sp>
+        <p:nvSpPr>
+          <p:cNvPr id="20" name="내용 개체 틀 2">
+            <a:extLst>
+              <a:ext uri="{FF2B5EF4-FFF2-40B4-BE49-F238E27FC236}">
+                <a16:creationId xmlns:a16="http://schemas.microsoft.com/office/drawing/2014/main" id="{3400371F-1AC3-4E09-A863-137E7928BAAA}"/>
+              </a:ext>
+            </a:extLst>
+          </p:cNvPr>
+          <p:cNvSpPr txBox="1">
+            <a:spLocks/>
+          </p:cNvSpPr>
+          <p:nvPr/>
+        </p:nvSpPr>
+        <p:spPr>
+          <a:xfrm>
+            <a:off x="5866843" y="1400835"/>
+            <a:ext cx="1632348" cy="311369"/>
           </a:xfrm>
           <a:prstGeom prst="rect">
             <a:avLst/>
           </a:prstGeom>
         </p:spPr>
-      </p:pic>
+        <p:txBody>
+          <a:bodyPr vert="horz" lIns="91440" tIns="45720" rIns="91440" bIns="45720" rtlCol="0">
+            <a:normAutofit/>
+          </a:bodyPr>
+          <a:lstStyle>
+            <a:lvl1pPr marL="0" indent="0" algn="ctr" defTabSz="914400" rtl="0" eaLnBrk="1" latinLnBrk="1" hangingPunct="1">
+              <a:lnSpc>
+                <a:spcPct val="90000"/>
+              </a:lnSpc>
+              <a:spcBef>
+                <a:spcPts val="1000"/>
+              </a:spcBef>
+              <a:buFont typeface="Arial" panose="020B0604020202020204" pitchFamily="34" charset="0"/>
+              <a:buNone/>
+              <a:defRPr sz="2400" kern="1200">
+                <a:solidFill>
+                  <a:schemeClr val="tx1"/>
+                </a:solidFill>
+                <a:latin typeface="+mn-lt"/>
+                <a:ea typeface="+mn-ea"/>
+                <a:cs typeface="+mn-cs"/>
+              </a:defRPr>
+            </a:lvl1pPr>
+            <a:lvl2pPr marL="457200" indent="0" algn="ctr" defTabSz="914400" rtl="0" eaLnBrk="1" latinLnBrk="1" hangingPunct="1">
+              <a:lnSpc>
+                <a:spcPct val="90000"/>
+              </a:lnSpc>
+              <a:spcBef>
+                <a:spcPts val="500"/>
+              </a:spcBef>
+              <a:buFont typeface="Arial" panose="020B0604020202020204" pitchFamily="34" charset="0"/>
+              <a:buNone/>
+              <a:defRPr sz="2000" kern="1200">
+                <a:solidFill>
+                  <a:schemeClr val="tx1"/>
+                </a:solidFill>
+                <a:latin typeface="+mn-lt"/>
+                <a:ea typeface="+mn-ea"/>
+                <a:cs typeface="+mn-cs"/>
+              </a:defRPr>
+            </a:lvl2pPr>
+            <a:lvl3pPr marL="914400" indent="0" algn="ctr" defTabSz="914400" rtl="0" eaLnBrk="1" latinLnBrk="1" hangingPunct="1">
+              <a:lnSpc>
+                <a:spcPct val="90000"/>
+              </a:lnSpc>
+              <a:spcBef>
+                <a:spcPts val="500"/>
+              </a:spcBef>
+              <a:buFont typeface="Arial" panose="020B0604020202020204" pitchFamily="34" charset="0"/>
+              <a:buNone/>
+              <a:defRPr sz="1800" kern="1200">
+                <a:solidFill>
+                  <a:schemeClr val="tx1"/>
+                </a:solidFill>
+                <a:latin typeface="+mn-lt"/>
+                <a:ea typeface="+mn-ea"/>
+                <a:cs typeface="+mn-cs"/>
+              </a:defRPr>
+            </a:lvl3pPr>
+            <a:lvl4pPr marL="1371600" indent="0" algn="ctr" defTabSz="914400" rtl="0" eaLnBrk="1" latinLnBrk="1" hangingPunct="1">
+              <a:lnSpc>
+                <a:spcPct val="90000"/>
+              </a:lnSpc>
+              <a:spcBef>
+                <a:spcPts val="500"/>
+              </a:spcBef>
+              <a:buFont typeface="Arial" panose="020B0604020202020204" pitchFamily="34" charset="0"/>
+              <a:buNone/>
+              <a:defRPr sz="1600" kern="1200">
+                <a:solidFill>
+                  <a:schemeClr val="tx1"/>
+                </a:solidFill>
+                <a:latin typeface="+mn-lt"/>
+                <a:ea typeface="+mn-ea"/>
+                <a:cs typeface="+mn-cs"/>
+              </a:defRPr>
+            </a:lvl4pPr>
+            <a:lvl5pPr marL="1828800" indent="0" algn="ctr" defTabSz="914400" rtl="0" eaLnBrk="1" latinLnBrk="1" hangingPunct="1">
+              <a:lnSpc>
+                <a:spcPct val="90000"/>
+              </a:lnSpc>
+              <a:spcBef>
+                <a:spcPts val="500"/>
+              </a:spcBef>
+              <a:buFont typeface="Arial" panose="020B0604020202020204" pitchFamily="34" charset="0"/>
+              <a:buNone/>
+              <a:defRPr sz="1600" kern="1200">
+                <a:solidFill>
+                  <a:schemeClr val="tx1"/>
+                </a:solidFill>
+                <a:latin typeface="+mn-lt"/>
+                <a:ea typeface="+mn-ea"/>
+                <a:cs typeface="+mn-cs"/>
+              </a:defRPr>
+            </a:lvl5pPr>
+            <a:lvl6pPr marL="2286000" indent="0" algn="ctr" defTabSz="914400" rtl="0" eaLnBrk="1" latinLnBrk="1" hangingPunct="1">
+              <a:lnSpc>
+                <a:spcPct val="90000"/>
+              </a:lnSpc>
+              <a:spcBef>
+                <a:spcPts val="500"/>
+              </a:spcBef>
+              <a:buFont typeface="Arial" panose="020B0604020202020204" pitchFamily="34" charset="0"/>
+              <a:buNone/>
+              <a:defRPr sz="1600" kern="1200">
+                <a:solidFill>
+                  <a:schemeClr val="tx1"/>
+                </a:solidFill>
+                <a:latin typeface="+mn-lt"/>
+                <a:ea typeface="+mn-ea"/>
+                <a:cs typeface="+mn-cs"/>
+              </a:defRPr>
+            </a:lvl6pPr>
+            <a:lvl7pPr marL="2743200" indent="0" algn="ctr" defTabSz="914400" rtl="0" eaLnBrk="1" latinLnBrk="1" hangingPunct="1">
+              <a:lnSpc>
+                <a:spcPct val="90000"/>
+              </a:lnSpc>
+              <a:spcBef>
+                <a:spcPts val="500"/>
+              </a:spcBef>
+              <a:buFont typeface="Arial" panose="020B0604020202020204" pitchFamily="34" charset="0"/>
+              <a:buNone/>
+              <a:defRPr sz="1600" kern="1200">
+                <a:solidFill>
+                  <a:schemeClr val="tx1"/>
+                </a:solidFill>
+                <a:latin typeface="+mn-lt"/>
+                <a:ea typeface="+mn-ea"/>
+                <a:cs typeface="+mn-cs"/>
+              </a:defRPr>
+            </a:lvl7pPr>
+            <a:lvl8pPr marL="3200400" indent="0" algn="ctr" defTabSz="914400" rtl="0" eaLnBrk="1" latinLnBrk="1" hangingPunct="1">
+              <a:lnSpc>
+                <a:spcPct val="90000"/>
+              </a:lnSpc>
+              <a:spcBef>
+                <a:spcPts val="500"/>
+              </a:spcBef>
+              <a:buFont typeface="Arial" panose="020B0604020202020204" pitchFamily="34" charset="0"/>
+              <a:buNone/>
+              <a:defRPr sz="1600" kern="1200">
+                <a:solidFill>
+                  <a:schemeClr val="tx1"/>
+                </a:solidFill>
+                <a:latin typeface="+mn-lt"/>
+                <a:ea typeface="+mn-ea"/>
+                <a:cs typeface="+mn-cs"/>
+              </a:defRPr>
+            </a:lvl8pPr>
+            <a:lvl9pPr marL="3657600" indent="0" algn="ctr" defTabSz="914400" rtl="0" eaLnBrk="1" latinLnBrk="1" hangingPunct="1">
+              <a:lnSpc>
+                <a:spcPct val="90000"/>
+              </a:lnSpc>
+              <a:spcBef>
+                <a:spcPts val="500"/>
+              </a:spcBef>
+              <a:buFont typeface="Arial" panose="020B0604020202020204" pitchFamily="34" charset="0"/>
+              <a:buNone/>
+              <a:defRPr sz="1600" kern="1200">
+                <a:solidFill>
+                  <a:schemeClr val="tx1"/>
+                </a:solidFill>
+                <a:latin typeface="+mn-lt"/>
+                <a:ea typeface="+mn-ea"/>
+                <a:cs typeface="+mn-cs"/>
+              </a:defRPr>
+            </a:lvl9pPr>
+          </a:lstStyle>
+          <a:p>
+            <a:r>
+              <a:rPr lang="ko-KR" altLang="en-US" sz="1600" dirty="0">
+                <a:latin typeface="+mj-lt"/>
+              </a:rPr>
+              <a:t>현 테이블 </a:t>
+            </a:r>
+            <a:r>
+              <a:rPr lang="en-US" altLang="ko-KR" sz="1600" dirty="0">
+                <a:latin typeface="+mj-lt"/>
+              </a:rPr>
+              <a:t>print</a:t>
+            </a:r>
+            <a:endParaRPr lang="ko-KR" altLang="en-US" sz="1600" dirty="0">
+              <a:latin typeface="+mj-lt"/>
+            </a:endParaRPr>
+          </a:p>
+        </p:txBody>
+      </p:sp>
       <p:sp>
         <p:nvSpPr>
-          <p:cNvPr id="24" name="TextBox 23">
-            <a:extLst>
-              <a:ext uri="{FF2B5EF4-FFF2-40B4-BE49-F238E27FC236}">
-                <a16:creationId xmlns:a16="http://schemas.microsoft.com/office/drawing/2014/main" id="{0684A2FA-4AC3-4FE4-80C2-E8C243F45F1D}"/>
-              </a:ext>
-            </a:extLst>
-          </p:cNvPr>
-          <p:cNvSpPr txBox="1"/>
+          <p:cNvPr id="21" name="내용 개체 틀 2">
+            <a:extLst>
+              <a:ext uri="{FF2B5EF4-FFF2-40B4-BE49-F238E27FC236}">
+                <a16:creationId xmlns:a16="http://schemas.microsoft.com/office/drawing/2014/main" id="{1FF5BAC8-7B2B-42D5-866B-A81BB4AA3E80}"/>
+              </a:ext>
+            </a:extLst>
+          </p:cNvPr>
+          <p:cNvSpPr txBox="1">
+            <a:spLocks/>
+          </p:cNvSpPr>
           <p:nvPr/>
         </p:nvSpPr>
         <p:spPr>
           <a:xfrm>
-            <a:off x="2388870" y="422305"/>
-            <a:ext cx="3326130" cy="369332"/>
+            <a:off x="5866843" y="2604789"/>
+            <a:ext cx="2049537" cy="349634"/>
           </a:xfrm>
           <a:prstGeom prst="rect">
             <a:avLst/>
           </a:prstGeom>
-          <a:noFill/>
-          <a:ln>
-            <a:noFill/>
-          </a:ln>
         </p:spPr>
         <p:txBody>
-          <a:bodyPr wrap="square" rtlCol="0">
-            <a:spAutoFit/>
+          <a:bodyPr vert="horz" lIns="91440" tIns="45720" rIns="91440" bIns="45720" rtlCol="0">
+            <a:normAutofit/>
           </a:bodyPr>
+          <a:lstStyle>
+            <a:lvl1pPr marL="228600" indent="-228600" algn="l" defTabSz="914400" rtl="0" eaLnBrk="1" latinLnBrk="0" hangingPunct="1">
+              <a:lnSpc>
+                <a:spcPct val="90000"/>
+              </a:lnSpc>
+              <a:spcBef>
+                <a:spcPts val="1000"/>
+              </a:spcBef>
+              <a:buFont typeface="Arial" panose="020B0604020202020204" pitchFamily="34" charset="0"/>
+              <a:buChar char="•"/>
+              <a:defRPr sz="2800" kern="1200">
+                <a:solidFill>
+                  <a:schemeClr val="tx1"/>
+                </a:solidFill>
+                <a:latin typeface="+mn-lt"/>
+                <a:ea typeface="+mn-ea"/>
+                <a:cs typeface="+mn-cs"/>
+              </a:defRPr>
+            </a:lvl1pPr>
+            <a:lvl2pPr marL="685800" indent="-228600" algn="l" defTabSz="914400" rtl="0" eaLnBrk="1" latinLnBrk="0" hangingPunct="1">
+              <a:lnSpc>
+                <a:spcPct val="90000"/>
+              </a:lnSpc>
+              <a:spcBef>
+                <a:spcPts val="500"/>
+              </a:spcBef>
+              <a:buFont typeface="Arial" panose="020B0604020202020204" pitchFamily="34" charset="0"/>
+              <a:buChar char="•"/>
+              <a:defRPr sz="2400" kern="1200">
+                <a:solidFill>
+                  <a:schemeClr val="tx1"/>
+                </a:solidFill>
+                <a:latin typeface="+mn-lt"/>
+                <a:ea typeface="+mn-ea"/>
+                <a:cs typeface="+mn-cs"/>
+              </a:defRPr>
+            </a:lvl2pPr>
+            <a:lvl3pPr marL="1143000" indent="-228600" algn="l" defTabSz="914400" rtl="0" eaLnBrk="1" latinLnBrk="0" hangingPunct="1">
+              <a:lnSpc>
+                <a:spcPct val="90000"/>
+              </a:lnSpc>
+              <a:spcBef>
+                <a:spcPts val="500"/>
+              </a:spcBef>
+              <a:buFont typeface="Arial" panose="020B0604020202020204" pitchFamily="34" charset="0"/>
+              <a:buChar char="•"/>
+              <a:defRPr sz="2000" kern="1200">
+                <a:solidFill>
+                  <a:schemeClr val="tx1"/>
+                </a:solidFill>
+                <a:latin typeface="+mn-lt"/>
+                <a:ea typeface="+mn-ea"/>
+                <a:cs typeface="+mn-cs"/>
+              </a:defRPr>
+            </a:lvl3pPr>
+            <a:lvl4pPr marL="1600200" indent="-228600" algn="l" defTabSz="914400" rtl="0" eaLnBrk="1" latinLnBrk="0" hangingPunct="1">
+              <a:lnSpc>
+                <a:spcPct val="90000"/>
+              </a:lnSpc>
+              <a:spcBef>
+                <a:spcPts val="500"/>
+              </a:spcBef>
+              <a:buFont typeface="Arial" panose="020B0604020202020204" pitchFamily="34" charset="0"/>
+              <a:buChar char="•"/>
+              <a:defRPr sz="1800" kern="1200">
+                <a:solidFill>
+                  <a:schemeClr val="tx1"/>
+                </a:solidFill>
+                <a:latin typeface="+mn-lt"/>
+                <a:ea typeface="+mn-ea"/>
+                <a:cs typeface="+mn-cs"/>
+              </a:defRPr>
+            </a:lvl4pPr>
+            <a:lvl5pPr marL="2057400" indent="-228600" algn="l" defTabSz="914400" rtl="0" eaLnBrk="1" latinLnBrk="0" hangingPunct="1">
+              <a:lnSpc>
+                <a:spcPct val="90000"/>
+              </a:lnSpc>
+              <a:spcBef>
+                <a:spcPts val="500"/>
+              </a:spcBef>
+              <a:buFont typeface="Arial" panose="020B0604020202020204" pitchFamily="34" charset="0"/>
+              <a:buChar char="•"/>
+              <a:defRPr sz="1800" kern="1200">
+                <a:solidFill>
+                  <a:schemeClr val="tx1"/>
+                </a:solidFill>
+                <a:latin typeface="+mn-lt"/>
+                <a:ea typeface="+mn-ea"/>
+                <a:cs typeface="+mn-cs"/>
+              </a:defRPr>
+            </a:lvl5pPr>
+            <a:lvl6pPr marL="2514600" indent="-228600" algn="l" defTabSz="914400" rtl="0" eaLnBrk="1" latinLnBrk="0" hangingPunct="1">
+              <a:lnSpc>
+                <a:spcPct val="90000"/>
+              </a:lnSpc>
+              <a:spcBef>
+                <a:spcPts val="500"/>
+              </a:spcBef>
+              <a:buFont typeface="Arial" panose="020B0604020202020204" pitchFamily="34" charset="0"/>
+              <a:buChar char="•"/>
+              <a:defRPr sz="1800" kern="1200">
+                <a:solidFill>
+                  <a:schemeClr val="tx1"/>
+                </a:solidFill>
+                <a:latin typeface="+mn-lt"/>
+                <a:ea typeface="+mn-ea"/>
+                <a:cs typeface="+mn-cs"/>
+              </a:defRPr>
+            </a:lvl6pPr>
+            <a:lvl7pPr marL="2971800" indent="-228600" algn="l" defTabSz="914400" rtl="0" eaLnBrk="1" latinLnBrk="0" hangingPunct="1">
+              <a:lnSpc>
+                <a:spcPct val="90000"/>
+              </a:lnSpc>
+              <a:spcBef>
+                <a:spcPts val="500"/>
+              </a:spcBef>
+              <a:buFont typeface="Arial" panose="020B0604020202020204" pitchFamily="34" charset="0"/>
+              <a:buChar char="•"/>
+              <a:defRPr sz="1800" kern="1200">
+                <a:solidFill>
+                  <a:schemeClr val="tx1"/>
+                </a:solidFill>
+                <a:latin typeface="+mn-lt"/>
+                <a:ea typeface="+mn-ea"/>
+                <a:cs typeface="+mn-cs"/>
+              </a:defRPr>
+            </a:lvl7pPr>
+            <a:lvl8pPr marL="3429000" indent="-228600" algn="l" defTabSz="914400" rtl="0" eaLnBrk="1" latinLnBrk="0" hangingPunct="1">
+              <a:lnSpc>
+                <a:spcPct val="90000"/>
+              </a:lnSpc>
+              <a:spcBef>
+                <a:spcPts val="500"/>
+              </a:spcBef>
+              <a:buFont typeface="Arial" panose="020B0604020202020204" pitchFamily="34" charset="0"/>
+              <a:buChar char="•"/>
+              <a:defRPr sz="1800" kern="1200">
+                <a:solidFill>
+                  <a:schemeClr val="tx1"/>
+                </a:solidFill>
+                <a:latin typeface="+mn-lt"/>
+                <a:ea typeface="+mn-ea"/>
+                <a:cs typeface="+mn-cs"/>
+              </a:defRPr>
+            </a:lvl8pPr>
+            <a:lvl9pPr marL="3886200" indent="-228600" algn="l" defTabSz="914400" rtl="0" eaLnBrk="1" latinLnBrk="0" hangingPunct="1">
+              <a:lnSpc>
+                <a:spcPct val="90000"/>
+              </a:lnSpc>
+              <a:spcBef>
+                <a:spcPts val="500"/>
+              </a:spcBef>
+              <a:buFont typeface="Arial" panose="020B0604020202020204" pitchFamily="34" charset="0"/>
+              <a:buChar char="•"/>
+              <a:defRPr sz="1800" kern="1200">
+                <a:solidFill>
+                  <a:schemeClr val="tx1"/>
+                </a:solidFill>
+                <a:latin typeface="+mn-lt"/>
+                <a:ea typeface="+mn-ea"/>
+                <a:cs typeface="+mn-cs"/>
+              </a:defRPr>
+            </a:lvl9pPr>
+          </a:lstStyle>
+          <a:p>
+            <a:pPr marL="0" indent="0">
+              <a:buFont typeface="Arial" panose="020B0604020202020204" pitchFamily="34" charset="0"/>
+              <a:buNone/>
+            </a:pPr>
+            <a:r>
+              <a:rPr lang="ko-KR" altLang="en-US" sz="1600" dirty="0">
+                <a:latin typeface="+mj-lt"/>
+              </a:rPr>
+              <a:t>영업 전 준비금 관리</a:t>
+            </a:r>
+          </a:p>
+        </p:txBody>
+      </p:sp>
+      <p:sp>
+        <p:nvSpPr>
+          <p:cNvPr id="22" name="내용 개체 틀 2">
+            <a:extLst>
+              <a:ext uri="{FF2B5EF4-FFF2-40B4-BE49-F238E27FC236}">
+                <a16:creationId xmlns:a16="http://schemas.microsoft.com/office/drawing/2014/main" id="{D78DD509-A16B-434D-9D30-C002FD85C5A6}"/>
+              </a:ext>
+            </a:extLst>
+          </p:cNvPr>
+          <p:cNvSpPr txBox="1">
+            <a:spLocks/>
+          </p:cNvSpPr>
+          <p:nvPr/>
+        </p:nvSpPr>
+        <p:spPr>
+          <a:xfrm>
+            <a:off x="5866843" y="3799718"/>
+            <a:ext cx="2994702" cy="486966"/>
+          </a:xfrm>
+          <a:prstGeom prst="rect">
+            <a:avLst/>
+          </a:prstGeom>
+        </p:spPr>
+        <p:txBody>
+          <a:bodyPr vert="horz" lIns="91440" tIns="45720" rIns="91440" bIns="45720" rtlCol="0">
+            <a:normAutofit/>
+          </a:bodyPr>
+          <a:lstStyle>
+            <a:lvl1pPr marL="228600" indent="-228600" algn="l" defTabSz="914400" rtl="0" eaLnBrk="1" latinLnBrk="0" hangingPunct="1">
+              <a:lnSpc>
+                <a:spcPct val="90000"/>
+              </a:lnSpc>
+              <a:spcBef>
+                <a:spcPts val="1000"/>
+              </a:spcBef>
+              <a:buFont typeface="Arial" panose="020B0604020202020204" pitchFamily="34" charset="0"/>
+              <a:buChar char="•"/>
+              <a:defRPr sz="2800" kern="1200">
+                <a:solidFill>
+                  <a:schemeClr val="tx1"/>
+                </a:solidFill>
+                <a:latin typeface="+mn-lt"/>
+                <a:ea typeface="+mn-ea"/>
+                <a:cs typeface="+mn-cs"/>
+              </a:defRPr>
+            </a:lvl1pPr>
+            <a:lvl2pPr marL="685800" indent="-228600" algn="l" defTabSz="914400" rtl="0" eaLnBrk="1" latinLnBrk="0" hangingPunct="1">
+              <a:lnSpc>
+                <a:spcPct val="90000"/>
+              </a:lnSpc>
+              <a:spcBef>
+                <a:spcPts val="500"/>
+              </a:spcBef>
+              <a:buFont typeface="Arial" panose="020B0604020202020204" pitchFamily="34" charset="0"/>
+              <a:buChar char="•"/>
+              <a:defRPr sz="2400" kern="1200">
+                <a:solidFill>
+                  <a:schemeClr val="tx1"/>
+                </a:solidFill>
+                <a:latin typeface="+mn-lt"/>
+                <a:ea typeface="+mn-ea"/>
+                <a:cs typeface="+mn-cs"/>
+              </a:defRPr>
+            </a:lvl2pPr>
+            <a:lvl3pPr marL="1143000" indent="-228600" algn="l" defTabSz="914400" rtl="0" eaLnBrk="1" latinLnBrk="0" hangingPunct="1">
+              <a:lnSpc>
+                <a:spcPct val="90000"/>
+              </a:lnSpc>
+              <a:spcBef>
+                <a:spcPts val="500"/>
+              </a:spcBef>
+              <a:buFont typeface="Arial" panose="020B0604020202020204" pitchFamily="34" charset="0"/>
+              <a:buChar char="•"/>
+              <a:defRPr sz="2000" kern="1200">
+                <a:solidFill>
+                  <a:schemeClr val="tx1"/>
+                </a:solidFill>
+                <a:latin typeface="+mn-lt"/>
+                <a:ea typeface="+mn-ea"/>
+                <a:cs typeface="+mn-cs"/>
+              </a:defRPr>
+            </a:lvl3pPr>
+            <a:lvl4pPr marL="1600200" indent="-228600" algn="l" defTabSz="914400" rtl="0" eaLnBrk="1" latinLnBrk="0" hangingPunct="1">
+              <a:lnSpc>
+                <a:spcPct val="90000"/>
+              </a:lnSpc>
+              <a:spcBef>
+                <a:spcPts val="500"/>
+              </a:spcBef>
+              <a:buFont typeface="Arial" panose="020B0604020202020204" pitchFamily="34" charset="0"/>
+              <a:buChar char="•"/>
+              <a:defRPr sz="1800" kern="1200">
+                <a:solidFill>
+                  <a:schemeClr val="tx1"/>
+                </a:solidFill>
+                <a:latin typeface="+mn-lt"/>
+                <a:ea typeface="+mn-ea"/>
+                <a:cs typeface="+mn-cs"/>
+              </a:defRPr>
+            </a:lvl4pPr>
+            <a:lvl5pPr marL="2057400" indent="-228600" algn="l" defTabSz="914400" rtl="0" eaLnBrk="1" latinLnBrk="0" hangingPunct="1">
+              <a:lnSpc>
+                <a:spcPct val="90000"/>
+              </a:lnSpc>
+              <a:spcBef>
+                <a:spcPts val="500"/>
+              </a:spcBef>
+              <a:buFont typeface="Arial" panose="020B0604020202020204" pitchFamily="34" charset="0"/>
+              <a:buChar char="•"/>
+              <a:defRPr sz="1800" kern="1200">
+                <a:solidFill>
+                  <a:schemeClr val="tx1"/>
+                </a:solidFill>
+                <a:latin typeface="+mn-lt"/>
+                <a:ea typeface="+mn-ea"/>
+                <a:cs typeface="+mn-cs"/>
+              </a:defRPr>
+            </a:lvl5pPr>
+            <a:lvl6pPr marL="2514600" indent="-228600" algn="l" defTabSz="914400" rtl="0" eaLnBrk="1" latinLnBrk="0" hangingPunct="1">
+              <a:lnSpc>
+                <a:spcPct val="90000"/>
+              </a:lnSpc>
+              <a:spcBef>
+                <a:spcPts val="500"/>
+              </a:spcBef>
+              <a:buFont typeface="Arial" panose="020B0604020202020204" pitchFamily="34" charset="0"/>
+              <a:buChar char="•"/>
+              <a:defRPr sz="1800" kern="1200">
+                <a:solidFill>
+                  <a:schemeClr val="tx1"/>
+                </a:solidFill>
+                <a:latin typeface="+mn-lt"/>
+                <a:ea typeface="+mn-ea"/>
+                <a:cs typeface="+mn-cs"/>
+              </a:defRPr>
+            </a:lvl6pPr>
+            <a:lvl7pPr marL="2971800" indent="-228600" algn="l" defTabSz="914400" rtl="0" eaLnBrk="1" latinLnBrk="0" hangingPunct="1">
+              <a:lnSpc>
+                <a:spcPct val="90000"/>
+              </a:lnSpc>
+              <a:spcBef>
+                <a:spcPts val="500"/>
+              </a:spcBef>
+              <a:buFont typeface="Arial" panose="020B0604020202020204" pitchFamily="34" charset="0"/>
+              <a:buChar char="•"/>
+              <a:defRPr sz="1800" kern="1200">
+                <a:solidFill>
+                  <a:schemeClr val="tx1"/>
+                </a:solidFill>
+                <a:latin typeface="+mn-lt"/>
+                <a:ea typeface="+mn-ea"/>
+                <a:cs typeface="+mn-cs"/>
+              </a:defRPr>
+            </a:lvl7pPr>
+            <a:lvl8pPr marL="3429000" indent="-228600" algn="l" defTabSz="914400" rtl="0" eaLnBrk="1" latinLnBrk="0" hangingPunct="1">
+              <a:lnSpc>
+                <a:spcPct val="90000"/>
+              </a:lnSpc>
+              <a:spcBef>
+                <a:spcPts val="500"/>
+              </a:spcBef>
+              <a:buFont typeface="Arial" panose="020B0604020202020204" pitchFamily="34" charset="0"/>
+              <a:buChar char="•"/>
+              <a:defRPr sz="1800" kern="1200">
+                <a:solidFill>
+                  <a:schemeClr val="tx1"/>
+                </a:solidFill>
+                <a:latin typeface="+mn-lt"/>
+                <a:ea typeface="+mn-ea"/>
+                <a:cs typeface="+mn-cs"/>
+              </a:defRPr>
+            </a:lvl8pPr>
+            <a:lvl9pPr marL="3886200" indent="-228600" algn="l" defTabSz="914400" rtl="0" eaLnBrk="1" latinLnBrk="0" hangingPunct="1">
+              <a:lnSpc>
+                <a:spcPct val="90000"/>
+              </a:lnSpc>
+              <a:spcBef>
+                <a:spcPts val="500"/>
+              </a:spcBef>
+              <a:buFont typeface="Arial" panose="020B0604020202020204" pitchFamily="34" charset="0"/>
+              <a:buChar char="•"/>
+              <a:defRPr sz="1800" kern="1200">
+                <a:solidFill>
+                  <a:schemeClr val="tx1"/>
+                </a:solidFill>
+                <a:latin typeface="+mn-lt"/>
+                <a:ea typeface="+mn-ea"/>
+                <a:cs typeface="+mn-cs"/>
+              </a:defRPr>
+            </a:lvl9pPr>
+          </a:lstStyle>
+          <a:p>
+            <a:pPr marL="0" indent="0">
+              <a:buFont typeface="Arial" panose="020B0604020202020204" pitchFamily="34" charset="0"/>
+              <a:buNone/>
+            </a:pPr>
+            <a:r>
+              <a:rPr lang="ko-KR" altLang="en-US" sz="1600" dirty="0">
+                <a:latin typeface="+mj-lt"/>
+              </a:rPr>
+              <a:t>테이블 배치</a:t>
+            </a:r>
+            <a:r>
+              <a:rPr lang="en-US" altLang="ko-KR" sz="1600" dirty="0">
+                <a:latin typeface="+mj-lt"/>
+              </a:rPr>
+              <a:t>, </a:t>
+            </a:r>
+            <a:r>
+              <a:rPr lang="ko-KR" altLang="en-US" sz="1600" dirty="0">
+                <a:latin typeface="+mj-lt"/>
+              </a:rPr>
+              <a:t>수정</a:t>
+            </a:r>
+            <a:r>
+              <a:rPr lang="en-US" altLang="ko-KR" sz="1600" dirty="0">
+                <a:latin typeface="+mj-lt"/>
+              </a:rPr>
+              <a:t>, </a:t>
+            </a:r>
+            <a:r>
+              <a:rPr lang="ko-KR" altLang="en-US" sz="1600" dirty="0">
+                <a:latin typeface="+mj-lt"/>
+              </a:rPr>
+              <a:t>삭제</a:t>
+            </a:r>
+          </a:p>
+        </p:txBody>
+      </p:sp>
+      <p:sp>
+        <p:nvSpPr>
+          <p:cNvPr id="23" name="내용 개체 틀 2">
+            <a:extLst>
+              <a:ext uri="{FF2B5EF4-FFF2-40B4-BE49-F238E27FC236}">
+                <a16:creationId xmlns:a16="http://schemas.microsoft.com/office/drawing/2014/main" id="{FE49439C-918E-48C0-AE47-13FF703E6064}"/>
+              </a:ext>
+            </a:extLst>
+          </p:cNvPr>
+          <p:cNvSpPr txBox="1">
+            <a:spLocks/>
+          </p:cNvSpPr>
+          <p:nvPr/>
+        </p:nvSpPr>
+        <p:spPr>
+          <a:xfrm>
+            <a:off x="5866842" y="5012697"/>
+            <a:ext cx="2049537" cy="376982"/>
+          </a:xfrm>
+          <a:prstGeom prst="rect">
+            <a:avLst/>
+          </a:prstGeom>
+        </p:spPr>
+        <p:txBody>
+          <a:bodyPr vert="horz" lIns="91440" tIns="45720" rIns="91440" bIns="45720" rtlCol="0">
+            <a:normAutofit/>
+          </a:bodyPr>
+          <a:lstStyle>
+            <a:lvl1pPr marL="228600" indent="-228600" algn="l" defTabSz="914400" rtl="0" eaLnBrk="1" latinLnBrk="0" hangingPunct="1">
+              <a:lnSpc>
+                <a:spcPct val="90000"/>
+              </a:lnSpc>
+              <a:spcBef>
+                <a:spcPts val="1000"/>
+              </a:spcBef>
+              <a:buFont typeface="Arial" panose="020B0604020202020204" pitchFamily="34" charset="0"/>
+              <a:buChar char="•"/>
+              <a:defRPr sz="2800" kern="1200">
+                <a:solidFill>
+                  <a:schemeClr val="tx1"/>
+                </a:solidFill>
+                <a:latin typeface="+mn-lt"/>
+                <a:ea typeface="+mn-ea"/>
+                <a:cs typeface="+mn-cs"/>
+              </a:defRPr>
+            </a:lvl1pPr>
+            <a:lvl2pPr marL="685800" indent="-228600" algn="l" defTabSz="914400" rtl="0" eaLnBrk="1" latinLnBrk="0" hangingPunct="1">
+              <a:lnSpc>
+                <a:spcPct val="90000"/>
+              </a:lnSpc>
+              <a:spcBef>
+                <a:spcPts val="500"/>
+              </a:spcBef>
+              <a:buFont typeface="Arial" panose="020B0604020202020204" pitchFamily="34" charset="0"/>
+              <a:buChar char="•"/>
+              <a:defRPr sz="2400" kern="1200">
+                <a:solidFill>
+                  <a:schemeClr val="tx1"/>
+                </a:solidFill>
+                <a:latin typeface="+mn-lt"/>
+                <a:ea typeface="+mn-ea"/>
+                <a:cs typeface="+mn-cs"/>
+              </a:defRPr>
+            </a:lvl2pPr>
+            <a:lvl3pPr marL="1143000" indent="-228600" algn="l" defTabSz="914400" rtl="0" eaLnBrk="1" latinLnBrk="0" hangingPunct="1">
+              <a:lnSpc>
+                <a:spcPct val="90000"/>
+              </a:lnSpc>
+              <a:spcBef>
+                <a:spcPts val="500"/>
+              </a:spcBef>
+              <a:buFont typeface="Arial" panose="020B0604020202020204" pitchFamily="34" charset="0"/>
+              <a:buChar char="•"/>
+              <a:defRPr sz="2000" kern="1200">
+                <a:solidFill>
+                  <a:schemeClr val="tx1"/>
+                </a:solidFill>
+                <a:latin typeface="+mn-lt"/>
+                <a:ea typeface="+mn-ea"/>
+                <a:cs typeface="+mn-cs"/>
+              </a:defRPr>
+            </a:lvl3pPr>
+            <a:lvl4pPr marL="1600200" indent="-228600" algn="l" defTabSz="914400" rtl="0" eaLnBrk="1" latinLnBrk="0" hangingPunct="1">
+              <a:lnSpc>
+                <a:spcPct val="90000"/>
+              </a:lnSpc>
+              <a:spcBef>
+                <a:spcPts val="500"/>
+              </a:spcBef>
+              <a:buFont typeface="Arial" panose="020B0604020202020204" pitchFamily="34" charset="0"/>
+              <a:buChar char="•"/>
+              <a:defRPr sz="1800" kern="1200">
+                <a:solidFill>
+                  <a:schemeClr val="tx1"/>
+                </a:solidFill>
+                <a:latin typeface="+mn-lt"/>
+                <a:ea typeface="+mn-ea"/>
+                <a:cs typeface="+mn-cs"/>
+              </a:defRPr>
+            </a:lvl4pPr>
+            <a:lvl5pPr marL="2057400" indent="-228600" algn="l" defTabSz="914400" rtl="0" eaLnBrk="1" latinLnBrk="0" hangingPunct="1">
+              <a:lnSpc>
+                <a:spcPct val="90000"/>
+              </a:lnSpc>
+              <a:spcBef>
+                <a:spcPts val="500"/>
+              </a:spcBef>
+              <a:buFont typeface="Arial" panose="020B0604020202020204" pitchFamily="34" charset="0"/>
+              <a:buChar char="•"/>
+              <a:defRPr sz="1800" kern="1200">
+                <a:solidFill>
+                  <a:schemeClr val="tx1"/>
+                </a:solidFill>
+                <a:latin typeface="+mn-lt"/>
+                <a:ea typeface="+mn-ea"/>
+                <a:cs typeface="+mn-cs"/>
+              </a:defRPr>
+            </a:lvl5pPr>
+            <a:lvl6pPr marL="2514600" indent="-228600" algn="l" defTabSz="914400" rtl="0" eaLnBrk="1" latinLnBrk="0" hangingPunct="1">
+              <a:lnSpc>
+                <a:spcPct val="90000"/>
+              </a:lnSpc>
+              <a:spcBef>
+                <a:spcPts val="500"/>
+              </a:spcBef>
+              <a:buFont typeface="Arial" panose="020B0604020202020204" pitchFamily="34" charset="0"/>
+              <a:buChar char="•"/>
+              <a:defRPr sz="1800" kern="1200">
+                <a:solidFill>
+                  <a:schemeClr val="tx1"/>
+                </a:solidFill>
+                <a:latin typeface="+mn-lt"/>
+                <a:ea typeface="+mn-ea"/>
+                <a:cs typeface="+mn-cs"/>
+              </a:defRPr>
+            </a:lvl6pPr>
+            <a:lvl7pPr marL="2971800" indent="-228600" algn="l" defTabSz="914400" rtl="0" eaLnBrk="1" latinLnBrk="0" hangingPunct="1">
+              <a:lnSpc>
+                <a:spcPct val="90000"/>
+              </a:lnSpc>
+              <a:spcBef>
+                <a:spcPts val="500"/>
+              </a:spcBef>
+              <a:buFont typeface="Arial" panose="020B0604020202020204" pitchFamily="34" charset="0"/>
+              <a:buChar char="•"/>
+              <a:defRPr sz="1800" kern="1200">
+                <a:solidFill>
+                  <a:schemeClr val="tx1"/>
+                </a:solidFill>
+                <a:latin typeface="+mn-lt"/>
+                <a:ea typeface="+mn-ea"/>
+                <a:cs typeface="+mn-cs"/>
+              </a:defRPr>
+            </a:lvl7pPr>
+            <a:lvl8pPr marL="3429000" indent="-228600" algn="l" defTabSz="914400" rtl="0" eaLnBrk="1" latinLnBrk="0" hangingPunct="1">
+              <a:lnSpc>
+                <a:spcPct val="90000"/>
+              </a:lnSpc>
+              <a:spcBef>
+                <a:spcPts val="500"/>
+              </a:spcBef>
+              <a:buFont typeface="Arial" panose="020B0604020202020204" pitchFamily="34" charset="0"/>
+              <a:buChar char="•"/>
+              <a:defRPr sz="1800" kern="1200">
+                <a:solidFill>
+                  <a:schemeClr val="tx1"/>
+                </a:solidFill>
+                <a:latin typeface="+mn-lt"/>
+                <a:ea typeface="+mn-ea"/>
+                <a:cs typeface="+mn-cs"/>
+              </a:defRPr>
+            </a:lvl8pPr>
+            <a:lvl9pPr marL="3886200" indent="-228600" algn="l" defTabSz="914400" rtl="0" eaLnBrk="1" latinLnBrk="0" hangingPunct="1">
+              <a:lnSpc>
+                <a:spcPct val="90000"/>
+              </a:lnSpc>
+              <a:spcBef>
+                <a:spcPts val="500"/>
+              </a:spcBef>
+              <a:buFont typeface="Arial" panose="020B0604020202020204" pitchFamily="34" charset="0"/>
+              <a:buChar char="•"/>
+              <a:defRPr sz="1800" kern="1200">
+                <a:solidFill>
+                  <a:schemeClr val="tx1"/>
+                </a:solidFill>
+                <a:latin typeface="+mn-lt"/>
+                <a:ea typeface="+mn-ea"/>
+                <a:cs typeface="+mn-cs"/>
+              </a:defRPr>
+            </a:lvl9pPr>
+          </a:lstStyle>
+          <a:p>
+            <a:pPr marL="0" indent="0">
+              <a:buFont typeface="Arial" panose="020B0604020202020204" pitchFamily="34" charset="0"/>
+              <a:buNone/>
+            </a:pPr>
+            <a:r>
+              <a:rPr lang="ko-KR" altLang="en-US" sz="1600" dirty="0">
+                <a:latin typeface="+mj-lt"/>
+              </a:rPr>
+              <a:t>음식메뉴 수정</a:t>
+            </a:r>
+            <a:r>
+              <a:rPr lang="en-US" altLang="ko-KR" sz="1600" dirty="0">
+                <a:latin typeface="+mj-lt"/>
+              </a:rPr>
+              <a:t>&amp;</a:t>
+            </a:r>
+            <a:r>
+              <a:rPr lang="ko-KR" altLang="en-US" sz="1600" dirty="0">
+                <a:latin typeface="+mj-lt"/>
+              </a:rPr>
+              <a:t>삭제</a:t>
+            </a:r>
+          </a:p>
+        </p:txBody>
+      </p:sp>
+      <p:sp>
+        <p:nvSpPr>
+          <p:cNvPr id="24" name="내용 개체 틀 2">
+            <a:extLst>
+              <a:ext uri="{FF2B5EF4-FFF2-40B4-BE49-F238E27FC236}">
+                <a16:creationId xmlns:a16="http://schemas.microsoft.com/office/drawing/2014/main" id="{84FE3F56-4F81-4EF6-95B2-D84FD9202EC8}"/>
+              </a:ext>
+            </a:extLst>
+          </p:cNvPr>
+          <p:cNvSpPr txBox="1">
+            <a:spLocks/>
+          </p:cNvSpPr>
+          <p:nvPr/>
+        </p:nvSpPr>
+        <p:spPr>
+          <a:xfrm>
+            <a:off x="5866842" y="6216651"/>
+            <a:ext cx="1632348" cy="311369"/>
+          </a:xfrm>
+          <a:prstGeom prst="rect">
+            <a:avLst/>
+          </a:prstGeom>
+        </p:spPr>
+        <p:txBody>
+          <a:bodyPr vert="horz" lIns="91440" tIns="45720" rIns="91440" bIns="45720" rtlCol="0">
+            <a:normAutofit/>
+          </a:bodyPr>
+          <a:lstStyle>
+            <a:lvl1pPr marL="228600" indent="-228600" algn="l" defTabSz="914400" rtl="0" eaLnBrk="1" latinLnBrk="0" hangingPunct="1">
+              <a:lnSpc>
+                <a:spcPct val="90000"/>
+              </a:lnSpc>
+              <a:spcBef>
+                <a:spcPts val="1000"/>
+              </a:spcBef>
+              <a:buFont typeface="Arial" panose="020B0604020202020204" pitchFamily="34" charset="0"/>
+              <a:buChar char="•"/>
+              <a:defRPr sz="2800" kern="1200">
+                <a:solidFill>
+                  <a:schemeClr val="tx1"/>
+                </a:solidFill>
+                <a:latin typeface="+mn-lt"/>
+                <a:ea typeface="+mn-ea"/>
+                <a:cs typeface="+mn-cs"/>
+              </a:defRPr>
+            </a:lvl1pPr>
+            <a:lvl2pPr marL="685800" indent="-228600" algn="l" defTabSz="914400" rtl="0" eaLnBrk="1" latinLnBrk="0" hangingPunct="1">
+              <a:lnSpc>
+                <a:spcPct val="90000"/>
+              </a:lnSpc>
+              <a:spcBef>
+                <a:spcPts val="500"/>
+              </a:spcBef>
+              <a:buFont typeface="Arial" panose="020B0604020202020204" pitchFamily="34" charset="0"/>
+              <a:buChar char="•"/>
+              <a:defRPr sz="2400" kern="1200">
+                <a:solidFill>
+                  <a:schemeClr val="tx1"/>
+                </a:solidFill>
+                <a:latin typeface="+mn-lt"/>
+                <a:ea typeface="+mn-ea"/>
+                <a:cs typeface="+mn-cs"/>
+              </a:defRPr>
+            </a:lvl2pPr>
+            <a:lvl3pPr marL="1143000" indent="-228600" algn="l" defTabSz="914400" rtl="0" eaLnBrk="1" latinLnBrk="0" hangingPunct="1">
+              <a:lnSpc>
+                <a:spcPct val="90000"/>
+              </a:lnSpc>
+              <a:spcBef>
+                <a:spcPts val="500"/>
+              </a:spcBef>
+              <a:buFont typeface="Arial" panose="020B0604020202020204" pitchFamily="34" charset="0"/>
+              <a:buChar char="•"/>
+              <a:defRPr sz="2000" kern="1200">
+                <a:solidFill>
+                  <a:schemeClr val="tx1"/>
+                </a:solidFill>
+                <a:latin typeface="+mn-lt"/>
+                <a:ea typeface="+mn-ea"/>
+                <a:cs typeface="+mn-cs"/>
+              </a:defRPr>
+            </a:lvl3pPr>
+            <a:lvl4pPr marL="1600200" indent="-228600" algn="l" defTabSz="914400" rtl="0" eaLnBrk="1" latinLnBrk="0" hangingPunct="1">
+              <a:lnSpc>
+                <a:spcPct val="90000"/>
+              </a:lnSpc>
+              <a:spcBef>
+                <a:spcPts val="500"/>
+              </a:spcBef>
+              <a:buFont typeface="Arial" panose="020B0604020202020204" pitchFamily="34" charset="0"/>
+              <a:buChar char="•"/>
+              <a:defRPr sz="1800" kern="1200">
+                <a:solidFill>
+                  <a:schemeClr val="tx1"/>
+                </a:solidFill>
+                <a:latin typeface="+mn-lt"/>
+                <a:ea typeface="+mn-ea"/>
+                <a:cs typeface="+mn-cs"/>
+              </a:defRPr>
+            </a:lvl4pPr>
+            <a:lvl5pPr marL="2057400" indent="-228600" algn="l" defTabSz="914400" rtl="0" eaLnBrk="1" latinLnBrk="0" hangingPunct="1">
+              <a:lnSpc>
+                <a:spcPct val="90000"/>
+              </a:lnSpc>
+              <a:spcBef>
+                <a:spcPts val="500"/>
+              </a:spcBef>
+              <a:buFont typeface="Arial" panose="020B0604020202020204" pitchFamily="34" charset="0"/>
+              <a:buChar char="•"/>
+              <a:defRPr sz="1800" kern="1200">
+                <a:solidFill>
+                  <a:schemeClr val="tx1"/>
+                </a:solidFill>
+                <a:latin typeface="+mn-lt"/>
+                <a:ea typeface="+mn-ea"/>
+                <a:cs typeface="+mn-cs"/>
+              </a:defRPr>
+            </a:lvl5pPr>
+            <a:lvl6pPr marL="2514600" indent="-228600" algn="l" defTabSz="914400" rtl="0" eaLnBrk="1" latinLnBrk="0" hangingPunct="1">
+              <a:lnSpc>
+                <a:spcPct val="90000"/>
+              </a:lnSpc>
+              <a:spcBef>
+                <a:spcPts val="500"/>
+              </a:spcBef>
+              <a:buFont typeface="Arial" panose="020B0604020202020204" pitchFamily="34" charset="0"/>
+              <a:buChar char="•"/>
+              <a:defRPr sz="1800" kern="1200">
+                <a:solidFill>
+                  <a:schemeClr val="tx1"/>
+                </a:solidFill>
+                <a:latin typeface="+mn-lt"/>
+                <a:ea typeface="+mn-ea"/>
+                <a:cs typeface="+mn-cs"/>
+              </a:defRPr>
+            </a:lvl6pPr>
+            <a:lvl7pPr marL="2971800" indent="-228600" algn="l" defTabSz="914400" rtl="0" eaLnBrk="1" latinLnBrk="0" hangingPunct="1">
+              <a:lnSpc>
+                <a:spcPct val="90000"/>
+              </a:lnSpc>
+              <a:spcBef>
+                <a:spcPts val="500"/>
+              </a:spcBef>
+              <a:buFont typeface="Arial" panose="020B0604020202020204" pitchFamily="34" charset="0"/>
+              <a:buChar char="•"/>
+              <a:defRPr sz="1800" kern="1200">
+                <a:solidFill>
+                  <a:schemeClr val="tx1"/>
+                </a:solidFill>
+                <a:latin typeface="+mn-lt"/>
+                <a:ea typeface="+mn-ea"/>
+                <a:cs typeface="+mn-cs"/>
+              </a:defRPr>
+            </a:lvl7pPr>
+            <a:lvl8pPr marL="3429000" indent="-228600" algn="l" defTabSz="914400" rtl="0" eaLnBrk="1" latinLnBrk="0" hangingPunct="1">
+              <a:lnSpc>
+                <a:spcPct val="90000"/>
+              </a:lnSpc>
+              <a:spcBef>
+                <a:spcPts val="500"/>
+              </a:spcBef>
+              <a:buFont typeface="Arial" panose="020B0604020202020204" pitchFamily="34" charset="0"/>
+              <a:buChar char="•"/>
+              <a:defRPr sz="1800" kern="1200">
+                <a:solidFill>
+                  <a:schemeClr val="tx1"/>
+                </a:solidFill>
+                <a:latin typeface="+mn-lt"/>
+                <a:ea typeface="+mn-ea"/>
+                <a:cs typeface="+mn-cs"/>
+              </a:defRPr>
+            </a:lvl8pPr>
+            <a:lvl9pPr marL="3886200" indent="-228600" algn="l" defTabSz="914400" rtl="0" eaLnBrk="1" latinLnBrk="0" hangingPunct="1">
+              <a:lnSpc>
+                <a:spcPct val="90000"/>
+              </a:lnSpc>
+              <a:spcBef>
+                <a:spcPts val="500"/>
+              </a:spcBef>
+              <a:buFont typeface="Arial" panose="020B0604020202020204" pitchFamily="34" charset="0"/>
+              <a:buChar char="•"/>
+              <a:defRPr sz="1800" kern="1200">
+                <a:solidFill>
+                  <a:schemeClr val="tx1"/>
+                </a:solidFill>
+                <a:latin typeface="+mn-lt"/>
+                <a:ea typeface="+mn-ea"/>
+                <a:cs typeface="+mn-cs"/>
+              </a:defRPr>
+            </a:lvl9pPr>
+          </a:lstStyle>
+          <a:p>
+            <a:pPr marL="0" indent="0">
+              <a:buFont typeface="Arial" panose="020B0604020202020204" pitchFamily="34" charset="0"/>
+              <a:buNone/>
+            </a:pPr>
+            <a:r>
+              <a:rPr lang="ko-KR" altLang="en-US" sz="1600" dirty="0">
+                <a:latin typeface="+mj-lt"/>
+              </a:rPr>
+              <a:t>거래 내역 관리</a:t>
+            </a:r>
+          </a:p>
+        </p:txBody>
+      </p:sp>
+      <p:sp>
+        <p:nvSpPr>
+          <p:cNvPr id="25" name="내용 개체 틀 2">
+            <a:extLst>
+              <a:ext uri="{FF2B5EF4-FFF2-40B4-BE49-F238E27FC236}">
+                <a16:creationId xmlns:a16="http://schemas.microsoft.com/office/drawing/2014/main" id="{B00FA805-7258-44AD-AA64-4CED4998B85C}"/>
+              </a:ext>
+            </a:extLst>
+          </p:cNvPr>
+          <p:cNvSpPr txBox="1">
+            <a:spLocks/>
+          </p:cNvSpPr>
+          <p:nvPr/>
+        </p:nvSpPr>
+        <p:spPr>
+          <a:xfrm>
+            <a:off x="7620061" y="1427871"/>
+            <a:ext cx="1632348" cy="311369"/>
+          </a:xfrm>
+          <a:prstGeom prst="rect">
+            <a:avLst/>
+          </a:prstGeom>
+        </p:spPr>
+        <p:txBody>
+          <a:bodyPr vert="horz" lIns="91440" tIns="45720" rIns="91440" bIns="45720" rtlCol="0">
+            <a:normAutofit/>
+          </a:bodyPr>
+          <a:lstStyle>
+            <a:lvl1pPr marL="228600" indent="-228600" algn="l" defTabSz="914400" rtl="0" eaLnBrk="1" latinLnBrk="0" hangingPunct="1">
+              <a:lnSpc>
+                <a:spcPct val="90000"/>
+              </a:lnSpc>
+              <a:spcBef>
+                <a:spcPts val="1000"/>
+              </a:spcBef>
+              <a:buFont typeface="Arial" panose="020B0604020202020204" pitchFamily="34" charset="0"/>
+              <a:buChar char="•"/>
+              <a:defRPr sz="2800" kern="1200">
+                <a:solidFill>
+                  <a:schemeClr val="tx1"/>
+                </a:solidFill>
+                <a:latin typeface="+mn-lt"/>
+                <a:ea typeface="+mn-ea"/>
+                <a:cs typeface="+mn-cs"/>
+              </a:defRPr>
+            </a:lvl1pPr>
+            <a:lvl2pPr marL="685800" indent="-228600" algn="l" defTabSz="914400" rtl="0" eaLnBrk="1" latinLnBrk="0" hangingPunct="1">
+              <a:lnSpc>
+                <a:spcPct val="90000"/>
+              </a:lnSpc>
+              <a:spcBef>
+                <a:spcPts val="500"/>
+              </a:spcBef>
+              <a:buFont typeface="Arial" panose="020B0604020202020204" pitchFamily="34" charset="0"/>
+              <a:buChar char="•"/>
+              <a:defRPr sz="2400" kern="1200">
+                <a:solidFill>
+                  <a:schemeClr val="tx1"/>
+                </a:solidFill>
+                <a:latin typeface="+mn-lt"/>
+                <a:ea typeface="+mn-ea"/>
+                <a:cs typeface="+mn-cs"/>
+              </a:defRPr>
+            </a:lvl2pPr>
+            <a:lvl3pPr marL="1143000" indent="-228600" algn="l" defTabSz="914400" rtl="0" eaLnBrk="1" latinLnBrk="0" hangingPunct="1">
+              <a:lnSpc>
+                <a:spcPct val="90000"/>
+              </a:lnSpc>
+              <a:spcBef>
+                <a:spcPts val="500"/>
+              </a:spcBef>
+              <a:buFont typeface="Arial" panose="020B0604020202020204" pitchFamily="34" charset="0"/>
+              <a:buChar char="•"/>
+              <a:defRPr sz="2000" kern="1200">
+                <a:solidFill>
+                  <a:schemeClr val="tx1"/>
+                </a:solidFill>
+                <a:latin typeface="+mn-lt"/>
+                <a:ea typeface="+mn-ea"/>
+                <a:cs typeface="+mn-cs"/>
+              </a:defRPr>
+            </a:lvl3pPr>
+            <a:lvl4pPr marL="1600200" indent="-228600" algn="l" defTabSz="914400" rtl="0" eaLnBrk="1" latinLnBrk="0" hangingPunct="1">
+              <a:lnSpc>
+                <a:spcPct val="90000"/>
+              </a:lnSpc>
+              <a:spcBef>
+                <a:spcPts val="500"/>
+              </a:spcBef>
+              <a:buFont typeface="Arial" panose="020B0604020202020204" pitchFamily="34" charset="0"/>
+              <a:buChar char="•"/>
+              <a:defRPr sz="1800" kern="1200">
+                <a:solidFill>
+                  <a:schemeClr val="tx1"/>
+                </a:solidFill>
+                <a:latin typeface="+mn-lt"/>
+                <a:ea typeface="+mn-ea"/>
+                <a:cs typeface="+mn-cs"/>
+              </a:defRPr>
+            </a:lvl4pPr>
+            <a:lvl5pPr marL="2057400" indent="-228600" algn="l" defTabSz="914400" rtl="0" eaLnBrk="1" latinLnBrk="0" hangingPunct="1">
+              <a:lnSpc>
+                <a:spcPct val="90000"/>
+              </a:lnSpc>
+              <a:spcBef>
+                <a:spcPts val="500"/>
+              </a:spcBef>
+              <a:buFont typeface="Arial" panose="020B0604020202020204" pitchFamily="34" charset="0"/>
+              <a:buChar char="•"/>
+              <a:defRPr sz="1800" kern="1200">
+                <a:solidFill>
+                  <a:schemeClr val="tx1"/>
+                </a:solidFill>
+                <a:latin typeface="+mn-lt"/>
+                <a:ea typeface="+mn-ea"/>
+                <a:cs typeface="+mn-cs"/>
+              </a:defRPr>
+            </a:lvl5pPr>
+            <a:lvl6pPr marL="2514600" indent="-228600" algn="l" defTabSz="914400" rtl="0" eaLnBrk="1" latinLnBrk="0" hangingPunct="1">
+              <a:lnSpc>
+                <a:spcPct val="90000"/>
+              </a:lnSpc>
+              <a:spcBef>
+                <a:spcPts val="500"/>
+              </a:spcBef>
+              <a:buFont typeface="Arial" panose="020B0604020202020204" pitchFamily="34" charset="0"/>
+              <a:buChar char="•"/>
+              <a:defRPr sz="1800" kern="1200">
+                <a:solidFill>
+                  <a:schemeClr val="tx1"/>
+                </a:solidFill>
+                <a:latin typeface="+mn-lt"/>
+                <a:ea typeface="+mn-ea"/>
+                <a:cs typeface="+mn-cs"/>
+              </a:defRPr>
+            </a:lvl6pPr>
+            <a:lvl7pPr marL="2971800" indent="-228600" algn="l" defTabSz="914400" rtl="0" eaLnBrk="1" latinLnBrk="0" hangingPunct="1">
+              <a:lnSpc>
+                <a:spcPct val="90000"/>
+              </a:lnSpc>
+              <a:spcBef>
+                <a:spcPts val="500"/>
+              </a:spcBef>
+              <a:buFont typeface="Arial" panose="020B0604020202020204" pitchFamily="34" charset="0"/>
+              <a:buChar char="•"/>
+              <a:defRPr sz="1800" kern="1200">
+                <a:solidFill>
+                  <a:schemeClr val="tx1"/>
+                </a:solidFill>
+                <a:latin typeface="+mn-lt"/>
+                <a:ea typeface="+mn-ea"/>
+                <a:cs typeface="+mn-cs"/>
+              </a:defRPr>
+            </a:lvl7pPr>
+            <a:lvl8pPr marL="3429000" indent="-228600" algn="l" defTabSz="914400" rtl="0" eaLnBrk="1" latinLnBrk="0" hangingPunct="1">
+              <a:lnSpc>
+                <a:spcPct val="90000"/>
+              </a:lnSpc>
+              <a:spcBef>
+                <a:spcPts val="500"/>
+              </a:spcBef>
+              <a:buFont typeface="Arial" panose="020B0604020202020204" pitchFamily="34" charset="0"/>
+              <a:buChar char="•"/>
+              <a:defRPr sz="1800" kern="1200">
+                <a:solidFill>
+                  <a:schemeClr val="tx1"/>
+                </a:solidFill>
+                <a:latin typeface="+mn-lt"/>
+                <a:ea typeface="+mn-ea"/>
+                <a:cs typeface="+mn-cs"/>
+              </a:defRPr>
+            </a:lvl8pPr>
+            <a:lvl9pPr marL="3886200" indent="-228600" algn="l" defTabSz="914400" rtl="0" eaLnBrk="1" latinLnBrk="0" hangingPunct="1">
+              <a:lnSpc>
+                <a:spcPct val="90000"/>
+              </a:lnSpc>
+              <a:spcBef>
+                <a:spcPts val="500"/>
+              </a:spcBef>
+              <a:buFont typeface="Arial" panose="020B0604020202020204" pitchFamily="34" charset="0"/>
+              <a:buChar char="•"/>
+              <a:defRPr sz="1800" kern="1200">
+                <a:solidFill>
+                  <a:schemeClr val="tx1"/>
+                </a:solidFill>
+                <a:latin typeface="+mn-lt"/>
+                <a:ea typeface="+mn-ea"/>
+                <a:cs typeface="+mn-cs"/>
+              </a:defRPr>
+            </a:lvl9pPr>
+          </a:lstStyle>
+          <a:p>
+            <a:pPr marL="0" indent="0">
+              <a:buFont typeface="Arial" panose="020B0604020202020204" pitchFamily="34" charset="0"/>
+              <a:buNone/>
+            </a:pPr>
+            <a:r>
+              <a:rPr lang="ko-KR" altLang="en-US" sz="1600" dirty="0">
+                <a:latin typeface="+mj-lt"/>
+              </a:rPr>
+              <a:t>메뉴 주문</a:t>
+            </a:r>
+            <a:r>
+              <a:rPr lang="en-US" altLang="ko-KR" sz="1600" dirty="0">
+                <a:latin typeface="+mj-lt"/>
+              </a:rPr>
+              <a:t>, </a:t>
+            </a:r>
+            <a:r>
+              <a:rPr lang="ko-KR" altLang="en-US" sz="1600" dirty="0">
+                <a:latin typeface="+mj-lt"/>
+              </a:rPr>
+              <a:t>계산</a:t>
+            </a:r>
+          </a:p>
+        </p:txBody>
+      </p:sp>
+      <p:sp>
+        <p:nvSpPr>
+          <p:cNvPr id="26" name="사각형: 둥근 모서리 25">
+            <a:extLst>
+              <a:ext uri="{FF2B5EF4-FFF2-40B4-BE49-F238E27FC236}">
+                <a16:creationId xmlns:a16="http://schemas.microsoft.com/office/drawing/2014/main" id="{42C07CE5-A10D-455B-94DF-4CEF7C220621}"/>
+              </a:ext>
+            </a:extLst>
+          </p:cNvPr>
+          <p:cNvSpPr/>
+          <p:nvPr/>
+        </p:nvSpPr>
+        <p:spPr>
+          <a:xfrm>
+            <a:off x="9293753" y="508250"/>
+            <a:ext cx="1421477" cy="856211"/>
+          </a:xfrm>
+          <a:prstGeom prst="roundRect">
+            <a:avLst/>
+          </a:prstGeom>
+          <a:solidFill>
+            <a:schemeClr val="accent1">
+              <a:lumMod val="20000"/>
+              <a:lumOff val="80000"/>
+            </a:schemeClr>
+          </a:solidFill>
+        </p:spPr>
+        <p:style>
+          <a:lnRef idx="2">
+            <a:schemeClr val="accent1">
+              <a:shade val="50000"/>
+            </a:schemeClr>
+          </a:lnRef>
+          <a:fillRef idx="1">
+            <a:schemeClr val="accent1"/>
+          </a:fillRef>
+          <a:effectRef idx="0">
+            <a:schemeClr val="accent1"/>
+          </a:effectRef>
+          <a:fontRef idx="minor">
+            <a:schemeClr val="lt1"/>
+          </a:fontRef>
+        </p:style>
+        <p:txBody>
+          <a:bodyPr rtlCol="0" anchor="ctr"/>
           <a:lstStyle/>
           <a:p>
-            <a:r>
-              <a:rPr lang="ko-KR" altLang="en-US" dirty="0">
-                <a:ln>
-                  <a:solidFill>
-                    <a:schemeClr val="tx1">
-                      <a:alpha val="30000"/>
-                    </a:schemeClr>
-                  </a:solidFill>
-                </a:ln>
-                <a:latin typeface="KoPub돋움체 Light" panose="02020603020101020101" pitchFamily="18" charset="-127"/>
-                <a:ea typeface="KoPub돋움체 Light" panose="02020603020101020101" pitchFamily="18" charset="-127"/>
+            <a:pPr algn="ctr"/>
+            <a:r>
+              <a:rPr lang="en-US" altLang="ko-KR" dirty="0">
+                <a:solidFill>
+                  <a:schemeClr val="tx1"/>
+                </a:solidFill>
               </a:rPr>
-              <a:t>페이지 요약 내용을 적어주세요</a:t>
-            </a:r>
+              <a:t>Cash Page</a:t>
+            </a:r>
+            <a:endParaRPr lang="ko-KR" altLang="en-US" dirty="0">
+              <a:solidFill>
+                <a:schemeClr val="tx1"/>
+              </a:solidFill>
+            </a:endParaRPr>
+          </a:p>
+        </p:txBody>
+      </p:sp>
+      <p:sp>
+        <p:nvSpPr>
+          <p:cNvPr id="27" name="왼쪽 중괄호 26">
+            <a:extLst>
+              <a:ext uri="{FF2B5EF4-FFF2-40B4-BE49-F238E27FC236}">
+                <a16:creationId xmlns:a16="http://schemas.microsoft.com/office/drawing/2014/main" id="{681328C3-6EB8-41F8-A49E-5A13F919863E}"/>
+              </a:ext>
+            </a:extLst>
+          </p:cNvPr>
+          <p:cNvSpPr/>
+          <p:nvPr/>
+        </p:nvSpPr>
+        <p:spPr>
+          <a:xfrm>
+            <a:off x="8995285" y="849243"/>
+            <a:ext cx="264788" cy="1823554"/>
+          </a:xfrm>
+          <a:prstGeom prst="leftBrace">
+            <a:avLst>
+              <a:gd name="adj1" fmla="val 36239"/>
+              <a:gd name="adj2" fmla="val 2280"/>
+            </a:avLst>
+          </a:prstGeom>
+        </p:spPr>
+        <p:style>
+          <a:lnRef idx="1">
+            <a:schemeClr val="dk1"/>
+          </a:lnRef>
+          <a:fillRef idx="0">
+            <a:schemeClr val="dk1"/>
+          </a:fillRef>
+          <a:effectRef idx="0">
+            <a:schemeClr val="dk1"/>
+          </a:effectRef>
+          <a:fontRef idx="minor">
+            <a:schemeClr val="tx1"/>
+          </a:fontRef>
+        </p:style>
+        <p:txBody>
+          <a:bodyPr rtlCol="0" anchor="ctr"/>
+          <a:lstStyle/>
+          <a:p>
+            <a:pPr algn="ctr"/>
+            <a:endParaRPr lang="ko-KR" altLang="en-US"/>
+          </a:p>
+        </p:txBody>
+      </p:sp>
+      <p:sp>
+        <p:nvSpPr>
+          <p:cNvPr id="28" name="사각형: 둥근 모서리 27">
+            <a:extLst>
+              <a:ext uri="{FF2B5EF4-FFF2-40B4-BE49-F238E27FC236}">
+                <a16:creationId xmlns:a16="http://schemas.microsoft.com/office/drawing/2014/main" id="{6ACE8DAB-DBB1-4D0E-951E-D733D746ED10}"/>
+              </a:ext>
+            </a:extLst>
+          </p:cNvPr>
+          <p:cNvSpPr/>
+          <p:nvPr/>
+        </p:nvSpPr>
+        <p:spPr>
+          <a:xfrm>
+            <a:off x="9338456" y="2217868"/>
+            <a:ext cx="1421477" cy="856211"/>
+          </a:xfrm>
+          <a:prstGeom prst="roundRect">
+            <a:avLst/>
+          </a:prstGeom>
+          <a:solidFill>
+            <a:schemeClr val="accent1">
+              <a:lumMod val="20000"/>
+              <a:lumOff val="80000"/>
+            </a:schemeClr>
+          </a:solidFill>
+        </p:spPr>
+        <p:style>
+          <a:lnRef idx="2">
+            <a:schemeClr val="accent1">
+              <a:shade val="50000"/>
+            </a:schemeClr>
+          </a:lnRef>
+          <a:fillRef idx="1">
+            <a:schemeClr val="accent1"/>
+          </a:fillRef>
+          <a:effectRef idx="0">
+            <a:schemeClr val="accent1"/>
+          </a:effectRef>
+          <a:fontRef idx="minor">
+            <a:schemeClr val="lt1"/>
+          </a:fontRef>
+        </p:style>
+        <p:txBody>
+          <a:bodyPr rtlCol="0" anchor="ctr"/>
+          <a:lstStyle/>
+          <a:p>
+            <a:pPr algn="ctr"/>
+            <a:r>
+              <a:rPr lang="en-US" altLang="ko-KR" dirty="0">
+                <a:solidFill>
+                  <a:schemeClr val="tx1"/>
+                </a:solidFill>
+              </a:rPr>
+              <a:t>Account Page</a:t>
+            </a:r>
+            <a:endParaRPr lang="ko-KR" altLang="en-US" dirty="0">
+              <a:solidFill>
+                <a:schemeClr val="tx1"/>
+              </a:solidFill>
+            </a:endParaRPr>
+          </a:p>
+        </p:txBody>
+      </p:sp>
+      <p:sp>
+        <p:nvSpPr>
+          <p:cNvPr id="29" name="내용 개체 틀 2">
+            <a:extLst>
+              <a:ext uri="{FF2B5EF4-FFF2-40B4-BE49-F238E27FC236}">
+                <a16:creationId xmlns:a16="http://schemas.microsoft.com/office/drawing/2014/main" id="{5BF2AE0C-F486-4CB9-BE56-4FAD6E4FC044}"/>
+              </a:ext>
+            </a:extLst>
+          </p:cNvPr>
+          <p:cNvSpPr txBox="1">
+            <a:spLocks/>
+          </p:cNvSpPr>
+          <p:nvPr/>
+        </p:nvSpPr>
+        <p:spPr>
+          <a:xfrm>
+            <a:off x="9471850" y="1428177"/>
+            <a:ext cx="1632348" cy="311369"/>
+          </a:xfrm>
+          <a:prstGeom prst="rect">
+            <a:avLst/>
+          </a:prstGeom>
+        </p:spPr>
+        <p:txBody>
+          <a:bodyPr vert="horz" lIns="91440" tIns="45720" rIns="91440" bIns="45720" rtlCol="0">
+            <a:normAutofit/>
+          </a:bodyPr>
+          <a:lstStyle>
+            <a:lvl1pPr marL="228600" indent="-228600" algn="l" defTabSz="914400" rtl="0" eaLnBrk="1" latinLnBrk="0" hangingPunct="1">
+              <a:lnSpc>
+                <a:spcPct val="90000"/>
+              </a:lnSpc>
+              <a:spcBef>
+                <a:spcPts val="1000"/>
+              </a:spcBef>
+              <a:buFont typeface="Arial" panose="020B0604020202020204" pitchFamily="34" charset="0"/>
+              <a:buChar char="•"/>
+              <a:defRPr sz="2800" kern="1200">
+                <a:solidFill>
+                  <a:schemeClr val="tx1"/>
+                </a:solidFill>
+                <a:latin typeface="+mn-lt"/>
+                <a:ea typeface="+mn-ea"/>
+                <a:cs typeface="+mn-cs"/>
+              </a:defRPr>
+            </a:lvl1pPr>
+            <a:lvl2pPr marL="685800" indent="-228600" algn="l" defTabSz="914400" rtl="0" eaLnBrk="1" latinLnBrk="0" hangingPunct="1">
+              <a:lnSpc>
+                <a:spcPct val="90000"/>
+              </a:lnSpc>
+              <a:spcBef>
+                <a:spcPts val="500"/>
+              </a:spcBef>
+              <a:buFont typeface="Arial" panose="020B0604020202020204" pitchFamily="34" charset="0"/>
+              <a:buChar char="•"/>
+              <a:defRPr sz="2400" kern="1200">
+                <a:solidFill>
+                  <a:schemeClr val="tx1"/>
+                </a:solidFill>
+                <a:latin typeface="+mn-lt"/>
+                <a:ea typeface="+mn-ea"/>
+                <a:cs typeface="+mn-cs"/>
+              </a:defRPr>
+            </a:lvl2pPr>
+            <a:lvl3pPr marL="1143000" indent="-228600" algn="l" defTabSz="914400" rtl="0" eaLnBrk="1" latinLnBrk="0" hangingPunct="1">
+              <a:lnSpc>
+                <a:spcPct val="90000"/>
+              </a:lnSpc>
+              <a:spcBef>
+                <a:spcPts val="500"/>
+              </a:spcBef>
+              <a:buFont typeface="Arial" panose="020B0604020202020204" pitchFamily="34" charset="0"/>
+              <a:buChar char="•"/>
+              <a:defRPr sz="2000" kern="1200">
+                <a:solidFill>
+                  <a:schemeClr val="tx1"/>
+                </a:solidFill>
+                <a:latin typeface="+mn-lt"/>
+                <a:ea typeface="+mn-ea"/>
+                <a:cs typeface="+mn-cs"/>
+              </a:defRPr>
+            </a:lvl3pPr>
+            <a:lvl4pPr marL="1600200" indent="-228600" algn="l" defTabSz="914400" rtl="0" eaLnBrk="1" latinLnBrk="0" hangingPunct="1">
+              <a:lnSpc>
+                <a:spcPct val="90000"/>
+              </a:lnSpc>
+              <a:spcBef>
+                <a:spcPts val="500"/>
+              </a:spcBef>
+              <a:buFont typeface="Arial" panose="020B0604020202020204" pitchFamily="34" charset="0"/>
+              <a:buChar char="•"/>
+              <a:defRPr sz="1800" kern="1200">
+                <a:solidFill>
+                  <a:schemeClr val="tx1"/>
+                </a:solidFill>
+                <a:latin typeface="+mn-lt"/>
+                <a:ea typeface="+mn-ea"/>
+                <a:cs typeface="+mn-cs"/>
+              </a:defRPr>
+            </a:lvl4pPr>
+            <a:lvl5pPr marL="2057400" indent="-228600" algn="l" defTabSz="914400" rtl="0" eaLnBrk="1" latinLnBrk="0" hangingPunct="1">
+              <a:lnSpc>
+                <a:spcPct val="90000"/>
+              </a:lnSpc>
+              <a:spcBef>
+                <a:spcPts val="500"/>
+              </a:spcBef>
+              <a:buFont typeface="Arial" panose="020B0604020202020204" pitchFamily="34" charset="0"/>
+              <a:buChar char="•"/>
+              <a:defRPr sz="1800" kern="1200">
+                <a:solidFill>
+                  <a:schemeClr val="tx1"/>
+                </a:solidFill>
+                <a:latin typeface="+mn-lt"/>
+                <a:ea typeface="+mn-ea"/>
+                <a:cs typeface="+mn-cs"/>
+              </a:defRPr>
+            </a:lvl5pPr>
+            <a:lvl6pPr marL="2514600" indent="-228600" algn="l" defTabSz="914400" rtl="0" eaLnBrk="1" latinLnBrk="0" hangingPunct="1">
+              <a:lnSpc>
+                <a:spcPct val="90000"/>
+              </a:lnSpc>
+              <a:spcBef>
+                <a:spcPts val="500"/>
+              </a:spcBef>
+              <a:buFont typeface="Arial" panose="020B0604020202020204" pitchFamily="34" charset="0"/>
+              <a:buChar char="•"/>
+              <a:defRPr sz="1800" kern="1200">
+                <a:solidFill>
+                  <a:schemeClr val="tx1"/>
+                </a:solidFill>
+                <a:latin typeface="+mn-lt"/>
+                <a:ea typeface="+mn-ea"/>
+                <a:cs typeface="+mn-cs"/>
+              </a:defRPr>
+            </a:lvl6pPr>
+            <a:lvl7pPr marL="2971800" indent="-228600" algn="l" defTabSz="914400" rtl="0" eaLnBrk="1" latinLnBrk="0" hangingPunct="1">
+              <a:lnSpc>
+                <a:spcPct val="90000"/>
+              </a:lnSpc>
+              <a:spcBef>
+                <a:spcPts val="500"/>
+              </a:spcBef>
+              <a:buFont typeface="Arial" panose="020B0604020202020204" pitchFamily="34" charset="0"/>
+              <a:buChar char="•"/>
+              <a:defRPr sz="1800" kern="1200">
+                <a:solidFill>
+                  <a:schemeClr val="tx1"/>
+                </a:solidFill>
+                <a:latin typeface="+mn-lt"/>
+                <a:ea typeface="+mn-ea"/>
+                <a:cs typeface="+mn-cs"/>
+              </a:defRPr>
+            </a:lvl7pPr>
+            <a:lvl8pPr marL="3429000" indent="-228600" algn="l" defTabSz="914400" rtl="0" eaLnBrk="1" latinLnBrk="0" hangingPunct="1">
+              <a:lnSpc>
+                <a:spcPct val="90000"/>
+              </a:lnSpc>
+              <a:spcBef>
+                <a:spcPts val="500"/>
+              </a:spcBef>
+              <a:buFont typeface="Arial" panose="020B0604020202020204" pitchFamily="34" charset="0"/>
+              <a:buChar char="•"/>
+              <a:defRPr sz="1800" kern="1200">
+                <a:solidFill>
+                  <a:schemeClr val="tx1"/>
+                </a:solidFill>
+                <a:latin typeface="+mn-lt"/>
+                <a:ea typeface="+mn-ea"/>
+                <a:cs typeface="+mn-cs"/>
+              </a:defRPr>
+            </a:lvl8pPr>
+            <a:lvl9pPr marL="3886200" indent="-228600" algn="l" defTabSz="914400" rtl="0" eaLnBrk="1" latinLnBrk="0" hangingPunct="1">
+              <a:lnSpc>
+                <a:spcPct val="90000"/>
+              </a:lnSpc>
+              <a:spcBef>
+                <a:spcPts val="500"/>
+              </a:spcBef>
+              <a:buFont typeface="Arial" panose="020B0604020202020204" pitchFamily="34" charset="0"/>
+              <a:buChar char="•"/>
+              <a:defRPr sz="1800" kern="1200">
+                <a:solidFill>
+                  <a:schemeClr val="tx1"/>
+                </a:solidFill>
+                <a:latin typeface="+mn-lt"/>
+                <a:ea typeface="+mn-ea"/>
+                <a:cs typeface="+mn-cs"/>
+              </a:defRPr>
+            </a:lvl9pPr>
+          </a:lstStyle>
+          <a:p>
+            <a:pPr marL="0" indent="0">
+              <a:buFont typeface="Arial" panose="020B0604020202020204" pitchFamily="34" charset="0"/>
+              <a:buNone/>
+            </a:pPr>
+            <a:r>
+              <a:rPr lang="ko-KR" altLang="en-US" sz="1600" dirty="0">
+                <a:latin typeface="+mj-lt"/>
+              </a:rPr>
+              <a:t>현금 계산</a:t>
+            </a:r>
+          </a:p>
+        </p:txBody>
+      </p:sp>
+      <p:sp>
+        <p:nvSpPr>
+          <p:cNvPr id="30" name="내용 개체 틀 2">
+            <a:extLst>
+              <a:ext uri="{FF2B5EF4-FFF2-40B4-BE49-F238E27FC236}">
+                <a16:creationId xmlns:a16="http://schemas.microsoft.com/office/drawing/2014/main" id="{44A52DF6-6C7C-4F22-9724-185956C81420}"/>
+              </a:ext>
+            </a:extLst>
+          </p:cNvPr>
+          <p:cNvSpPr txBox="1">
+            <a:spLocks/>
+          </p:cNvSpPr>
+          <p:nvPr/>
+        </p:nvSpPr>
+        <p:spPr>
+          <a:xfrm>
+            <a:off x="9614908" y="3149010"/>
+            <a:ext cx="1632348" cy="311369"/>
+          </a:xfrm>
+          <a:prstGeom prst="rect">
+            <a:avLst/>
+          </a:prstGeom>
+        </p:spPr>
+        <p:txBody>
+          <a:bodyPr vert="horz" lIns="91440" tIns="45720" rIns="91440" bIns="45720" rtlCol="0">
+            <a:normAutofit fontScale="85000" lnSpcReduction="10000"/>
+          </a:bodyPr>
+          <a:lstStyle>
+            <a:lvl1pPr marL="228600" indent="-228600" algn="l" defTabSz="914400" rtl="0" eaLnBrk="1" latinLnBrk="0" hangingPunct="1">
+              <a:lnSpc>
+                <a:spcPct val="90000"/>
+              </a:lnSpc>
+              <a:spcBef>
+                <a:spcPts val="1000"/>
+              </a:spcBef>
+              <a:buFont typeface="Arial" panose="020B0604020202020204" pitchFamily="34" charset="0"/>
+              <a:buChar char="•"/>
+              <a:defRPr sz="2800" kern="1200">
+                <a:solidFill>
+                  <a:schemeClr val="tx1"/>
+                </a:solidFill>
+                <a:latin typeface="+mn-lt"/>
+                <a:ea typeface="+mn-ea"/>
+                <a:cs typeface="+mn-cs"/>
+              </a:defRPr>
+            </a:lvl1pPr>
+            <a:lvl2pPr marL="685800" indent="-228600" algn="l" defTabSz="914400" rtl="0" eaLnBrk="1" latinLnBrk="0" hangingPunct="1">
+              <a:lnSpc>
+                <a:spcPct val="90000"/>
+              </a:lnSpc>
+              <a:spcBef>
+                <a:spcPts val="500"/>
+              </a:spcBef>
+              <a:buFont typeface="Arial" panose="020B0604020202020204" pitchFamily="34" charset="0"/>
+              <a:buChar char="•"/>
+              <a:defRPr sz="2400" kern="1200">
+                <a:solidFill>
+                  <a:schemeClr val="tx1"/>
+                </a:solidFill>
+                <a:latin typeface="+mn-lt"/>
+                <a:ea typeface="+mn-ea"/>
+                <a:cs typeface="+mn-cs"/>
+              </a:defRPr>
+            </a:lvl2pPr>
+            <a:lvl3pPr marL="1143000" indent="-228600" algn="l" defTabSz="914400" rtl="0" eaLnBrk="1" latinLnBrk="0" hangingPunct="1">
+              <a:lnSpc>
+                <a:spcPct val="90000"/>
+              </a:lnSpc>
+              <a:spcBef>
+                <a:spcPts val="500"/>
+              </a:spcBef>
+              <a:buFont typeface="Arial" panose="020B0604020202020204" pitchFamily="34" charset="0"/>
+              <a:buChar char="•"/>
+              <a:defRPr sz="2000" kern="1200">
+                <a:solidFill>
+                  <a:schemeClr val="tx1"/>
+                </a:solidFill>
+                <a:latin typeface="+mn-lt"/>
+                <a:ea typeface="+mn-ea"/>
+                <a:cs typeface="+mn-cs"/>
+              </a:defRPr>
+            </a:lvl3pPr>
+            <a:lvl4pPr marL="1600200" indent="-228600" algn="l" defTabSz="914400" rtl="0" eaLnBrk="1" latinLnBrk="0" hangingPunct="1">
+              <a:lnSpc>
+                <a:spcPct val="90000"/>
+              </a:lnSpc>
+              <a:spcBef>
+                <a:spcPts val="500"/>
+              </a:spcBef>
+              <a:buFont typeface="Arial" panose="020B0604020202020204" pitchFamily="34" charset="0"/>
+              <a:buChar char="•"/>
+              <a:defRPr sz="1800" kern="1200">
+                <a:solidFill>
+                  <a:schemeClr val="tx1"/>
+                </a:solidFill>
+                <a:latin typeface="+mn-lt"/>
+                <a:ea typeface="+mn-ea"/>
+                <a:cs typeface="+mn-cs"/>
+              </a:defRPr>
+            </a:lvl4pPr>
+            <a:lvl5pPr marL="2057400" indent="-228600" algn="l" defTabSz="914400" rtl="0" eaLnBrk="1" latinLnBrk="0" hangingPunct="1">
+              <a:lnSpc>
+                <a:spcPct val="90000"/>
+              </a:lnSpc>
+              <a:spcBef>
+                <a:spcPts val="500"/>
+              </a:spcBef>
+              <a:buFont typeface="Arial" panose="020B0604020202020204" pitchFamily="34" charset="0"/>
+              <a:buChar char="•"/>
+              <a:defRPr sz="1800" kern="1200">
+                <a:solidFill>
+                  <a:schemeClr val="tx1"/>
+                </a:solidFill>
+                <a:latin typeface="+mn-lt"/>
+                <a:ea typeface="+mn-ea"/>
+                <a:cs typeface="+mn-cs"/>
+              </a:defRPr>
+            </a:lvl5pPr>
+            <a:lvl6pPr marL="2514600" indent="-228600" algn="l" defTabSz="914400" rtl="0" eaLnBrk="1" latinLnBrk="0" hangingPunct="1">
+              <a:lnSpc>
+                <a:spcPct val="90000"/>
+              </a:lnSpc>
+              <a:spcBef>
+                <a:spcPts val="500"/>
+              </a:spcBef>
+              <a:buFont typeface="Arial" panose="020B0604020202020204" pitchFamily="34" charset="0"/>
+              <a:buChar char="•"/>
+              <a:defRPr sz="1800" kern="1200">
+                <a:solidFill>
+                  <a:schemeClr val="tx1"/>
+                </a:solidFill>
+                <a:latin typeface="+mn-lt"/>
+                <a:ea typeface="+mn-ea"/>
+                <a:cs typeface="+mn-cs"/>
+              </a:defRPr>
+            </a:lvl6pPr>
+            <a:lvl7pPr marL="2971800" indent="-228600" algn="l" defTabSz="914400" rtl="0" eaLnBrk="1" latinLnBrk="0" hangingPunct="1">
+              <a:lnSpc>
+                <a:spcPct val="90000"/>
+              </a:lnSpc>
+              <a:spcBef>
+                <a:spcPts val="500"/>
+              </a:spcBef>
+              <a:buFont typeface="Arial" panose="020B0604020202020204" pitchFamily="34" charset="0"/>
+              <a:buChar char="•"/>
+              <a:defRPr sz="1800" kern="1200">
+                <a:solidFill>
+                  <a:schemeClr val="tx1"/>
+                </a:solidFill>
+                <a:latin typeface="+mn-lt"/>
+                <a:ea typeface="+mn-ea"/>
+                <a:cs typeface="+mn-cs"/>
+              </a:defRPr>
+            </a:lvl7pPr>
+            <a:lvl8pPr marL="3429000" indent="-228600" algn="l" defTabSz="914400" rtl="0" eaLnBrk="1" latinLnBrk="0" hangingPunct="1">
+              <a:lnSpc>
+                <a:spcPct val="90000"/>
+              </a:lnSpc>
+              <a:spcBef>
+                <a:spcPts val="500"/>
+              </a:spcBef>
+              <a:buFont typeface="Arial" panose="020B0604020202020204" pitchFamily="34" charset="0"/>
+              <a:buChar char="•"/>
+              <a:defRPr sz="1800" kern="1200">
+                <a:solidFill>
+                  <a:schemeClr val="tx1"/>
+                </a:solidFill>
+                <a:latin typeface="+mn-lt"/>
+                <a:ea typeface="+mn-ea"/>
+                <a:cs typeface="+mn-cs"/>
+              </a:defRPr>
+            </a:lvl8pPr>
+            <a:lvl9pPr marL="3886200" indent="-228600" algn="l" defTabSz="914400" rtl="0" eaLnBrk="1" latinLnBrk="0" hangingPunct="1">
+              <a:lnSpc>
+                <a:spcPct val="90000"/>
+              </a:lnSpc>
+              <a:spcBef>
+                <a:spcPts val="500"/>
+              </a:spcBef>
+              <a:buFont typeface="Arial" panose="020B0604020202020204" pitchFamily="34" charset="0"/>
+              <a:buChar char="•"/>
+              <a:defRPr sz="1800" kern="1200">
+                <a:solidFill>
+                  <a:schemeClr val="tx1"/>
+                </a:solidFill>
+                <a:latin typeface="+mn-lt"/>
+                <a:ea typeface="+mn-ea"/>
+                <a:cs typeface="+mn-cs"/>
+              </a:defRPr>
+            </a:lvl9pPr>
+          </a:lstStyle>
+          <a:p>
+            <a:pPr marL="0" indent="0">
+              <a:buFont typeface="Arial" panose="020B0604020202020204" pitchFamily="34" charset="0"/>
+              <a:buNone/>
+            </a:pPr>
+            <a:r>
+              <a:rPr lang="ko-KR" altLang="en-US" sz="1600" dirty="0">
+                <a:latin typeface="+mj-lt"/>
+              </a:rPr>
+              <a:t>계좌 이체 </a:t>
+            </a:r>
+            <a:r>
+              <a:rPr lang="en-US" altLang="ko-KR" sz="1600" dirty="0">
+                <a:latin typeface="+mj-lt"/>
+              </a:rPr>
+              <a:t>(</a:t>
+            </a:r>
+            <a:r>
+              <a:rPr lang="ko-KR" altLang="en-US" sz="1600" dirty="0">
+                <a:latin typeface="+mj-lt"/>
+              </a:rPr>
+              <a:t>카카오</a:t>
+            </a:r>
+            <a:r>
+              <a:rPr lang="en-US" altLang="ko-KR" sz="1600" dirty="0">
+                <a:latin typeface="+mj-lt"/>
+              </a:rPr>
+              <a:t>)</a:t>
+            </a:r>
+            <a:endParaRPr lang="ko-KR" altLang="en-US" sz="1600" dirty="0">
+              <a:latin typeface="+mj-lt"/>
+            </a:endParaRPr>
           </a:p>
         </p:txBody>
       </p:sp>
     </p:spTree>
     <p:extLst>
       <p:ext uri="{BB962C8B-B14F-4D97-AF65-F5344CB8AC3E}">
-        <p14:creationId xmlns:p14="http://schemas.microsoft.com/office/powerpoint/2010/main" val="3873653177"/>
+        <p14:creationId xmlns:p14="http://schemas.microsoft.com/office/powerpoint/2010/main" val="3863668836"/>
       </p:ext>
     </p:extLst>
   </p:cSld>
@@ -5843,7 +10050,7 @@
 </p:sld>
 </file>
 
-<file path=ppt/slides/slide6.xml><?xml version="1.0" encoding="utf-8"?>
+<file path=ppt/slides/slide7.xml><?xml version="1.0" encoding="utf-8"?>
 <p:sld xmlns:a="http://schemas.openxmlformats.org/drawingml/2006/main" xmlns:r="http://schemas.openxmlformats.org/officeDocument/2006/relationships" xmlns:p="http://schemas.openxmlformats.org/presentationml/2006/main">
   <p:cSld>
     <p:bg>
@@ -5884,7 +10091,7 @@
         </p:nvGrpSpPr>
         <p:grpSpPr>
           <a:xfrm>
-            <a:off x="159192" y="182880"/>
+            <a:off x="500014" y="407324"/>
             <a:ext cx="1852488" cy="854227"/>
             <a:chOff x="640080" y="-971550"/>
             <a:chExt cx="1660746" cy="765810"/>
@@ -5905,7 +10112,7 @@
           <p:spPr>
             <a:xfrm>
               <a:off x="683325" y="-881070"/>
-              <a:ext cx="1576513" cy="579432"/>
+              <a:ext cx="1576513" cy="358697"/>
             </a:xfrm>
             <a:prstGeom prst="rect">
               <a:avLst/>
@@ -5920,7 +10127,7 @@
             <a:p>
               <a:pPr algn="ctr"/>
               <a:r>
-                <a:rPr lang="en-US" altLang="ko-KR" sz="2000" dirty="0">
+                <a:rPr lang="ko-KR" altLang="en-US" sz="2000" dirty="0">
                   <a:ln>
                     <a:solidFill>
                       <a:schemeClr val="tx1">
@@ -5931,23 +10138,7 @@
                   <a:latin typeface="KoPub돋움체 Light" panose="02020603020101020101" pitchFamily="18" charset="-127"/>
                   <a:ea typeface="KoPub돋움체 Light" panose="02020603020101020101" pitchFamily="18" charset="-127"/>
                 </a:rPr>
-                <a:t>Contents 3</a:t>
-              </a:r>
-            </a:p>
-            <a:p>
-              <a:r>
-                <a:rPr lang="en-US" altLang="ko-KR" sz="1600" dirty="0">
-                  <a:ln>
-                    <a:solidFill>
-                      <a:schemeClr val="tx1">
-                        <a:alpha val="30000"/>
-                      </a:schemeClr>
-                    </a:solidFill>
-                  </a:ln>
-                  <a:latin typeface="KoPub돋움체 Light" panose="02020603020101020101" pitchFamily="18" charset="-127"/>
-                  <a:ea typeface="KoPub돋움체 Light" panose="02020603020101020101" pitchFamily="18" charset="-127"/>
-                </a:rPr>
-                <a:t>sub title sub title</a:t>
+                <a:t>구현 과정</a:t>
               </a:r>
               <a:endParaRPr lang="ko-KR" altLang="en-US" sz="1600" dirty="0">
                 <a:ln>
@@ -6016,12 +10207,148 @@
           </p:txBody>
         </p:sp>
       </p:grpSp>
+      <p:pic>
+        <p:nvPicPr>
+          <p:cNvPr id="4" name="그림 3" descr="실내, 스크린샷, 컴퓨터, 노트북이(가) 표시된 사진&#10;&#10;자동 생성된 설명">
+            <a:extLst>
+              <a:ext uri="{FF2B5EF4-FFF2-40B4-BE49-F238E27FC236}">
+                <a16:creationId xmlns:a16="http://schemas.microsoft.com/office/drawing/2014/main" id="{2A48F009-DFB3-4C42-9091-C8F46C7D7E61}"/>
+              </a:ext>
+            </a:extLst>
+          </p:cNvPr>
+          <p:cNvPicPr>
+            <a:picLocks noChangeAspect="1"/>
+          </p:cNvPicPr>
+          <p:nvPr/>
+        </p:nvPicPr>
+        <p:blipFill>
+          <a:blip r:embed="rId2">
+            <a:extLst>
+              <a:ext uri="{28A0092B-C50C-407E-A947-70E740481C1C}">
+                <a14:useLocalDpi xmlns:a14="http://schemas.microsoft.com/office/drawing/2010/main" val="0"/>
+              </a:ext>
+            </a:extLst>
+          </a:blip>
+          <a:stretch>
+            <a:fillRect/>
+          </a:stretch>
+        </p:blipFill>
+        <p:spPr>
+          <a:xfrm>
+            <a:off x="2352502" y="1671125"/>
+            <a:ext cx="9040240" cy="4457342"/>
+          </a:xfrm>
+          <a:prstGeom prst="rect">
+            <a:avLst/>
+          </a:prstGeom>
+        </p:spPr>
+      </p:pic>
+      <p:sp>
+        <p:nvSpPr>
+          <p:cNvPr id="7" name="TextBox 6">
+            <a:extLst>
+              <a:ext uri="{FF2B5EF4-FFF2-40B4-BE49-F238E27FC236}">
+                <a16:creationId xmlns:a16="http://schemas.microsoft.com/office/drawing/2014/main" id="{77ED49F9-B91F-4AC2-9CDF-E12973B2A540}"/>
+              </a:ext>
+            </a:extLst>
+          </p:cNvPr>
+          <p:cNvSpPr txBox="1"/>
+          <p:nvPr/>
+        </p:nvSpPr>
+        <p:spPr>
+          <a:xfrm>
+            <a:off x="944744" y="908361"/>
+            <a:ext cx="1362038" cy="276999"/>
+          </a:xfrm>
+          <a:prstGeom prst="rect">
+            <a:avLst/>
+          </a:prstGeom>
+          <a:noFill/>
+        </p:spPr>
+        <p:txBody>
+          <a:bodyPr wrap="square" rtlCol="0">
+            <a:spAutoFit/>
+          </a:bodyPr>
+          <a:lstStyle/>
+          <a:p>
+            <a:pPr algn="ctr"/>
+            <a:r>
+              <a:rPr lang="en-US" altLang="ko-KR" sz="1200" dirty="0">
+                <a:ln>
+                  <a:solidFill>
+                    <a:schemeClr val="tx1">
+                      <a:alpha val="30000"/>
+                    </a:schemeClr>
+                  </a:solidFill>
+                </a:ln>
+                <a:latin typeface="KoPub돋움체 Light" panose="02020603020101020101" pitchFamily="18" charset="-127"/>
+                <a:ea typeface="KoPub돋움체 Light" panose="02020603020101020101" pitchFamily="18" charset="-127"/>
+              </a:rPr>
+              <a:t>- ERD </a:t>
+            </a:r>
+            <a:r>
+              <a:rPr lang="ko-KR" altLang="en-US" sz="1200" dirty="0">
+                <a:ln>
+                  <a:solidFill>
+                    <a:schemeClr val="tx1">
+                      <a:alpha val="30000"/>
+                    </a:schemeClr>
+                  </a:solidFill>
+                </a:ln>
+                <a:latin typeface="KoPub돋움체 Light" panose="02020603020101020101" pitchFamily="18" charset="-127"/>
+                <a:ea typeface="KoPub돋움체 Light" panose="02020603020101020101" pitchFamily="18" charset="-127"/>
+              </a:rPr>
+              <a:t>설계</a:t>
+            </a:r>
+          </a:p>
+        </p:txBody>
+      </p:sp>
+    </p:spTree>
+    <p:extLst>
+      <p:ext uri="{BB962C8B-B14F-4D97-AF65-F5344CB8AC3E}">
+        <p14:creationId xmlns:p14="http://schemas.microsoft.com/office/powerpoint/2010/main" val="2161376261"/>
+      </p:ext>
+    </p:extLst>
+  </p:cSld>
+  <p:clrMapOvr>
+    <a:masterClrMapping/>
+  </p:clrMapOvr>
+</p:sld>
+</file>
+
+<file path=ppt/slides/slide8.xml><?xml version="1.0" encoding="utf-8"?>
+<p:sld xmlns:a="http://schemas.openxmlformats.org/drawingml/2006/main" xmlns:r="http://schemas.openxmlformats.org/officeDocument/2006/relationships" xmlns:p="http://schemas.openxmlformats.org/presentationml/2006/main">
+  <p:cSld>
+    <p:bg>
+      <p:bgPr>
+        <a:solidFill>
+          <a:schemeClr val="bg1">
+            <a:lumMod val="95000"/>
+          </a:schemeClr>
+        </a:solidFill>
+        <a:effectLst/>
+      </p:bgPr>
+    </p:bg>
+    <p:spTree>
+      <p:nvGrpSpPr>
+        <p:cNvPr id="1" name=""/>
+        <p:cNvGrpSpPr/>
+        <p:nvPr/>
+      </p:nvGrpSpPr>
+      <p:grpSpPr>
+        <a:xfrm>
+          <a:off x="0" y="0"/>
+          <a:ext cx="0" cy="0"/>
+          <a:chOff x="0" y="0"/>
+          <a:chExt cx="0" cy="0"/>
+        </a:xfrm>
+      </p:grpSpPr>
       <p:grpSp>
         <p:nvGrpSpPr>
-          <p:cNvPr id="15" name="그룹 14">
-            <a:extLst>
-              <a:ext uri="{FF2B5EF4-FFF2-40B4-BE49-F238E27FC236}">
-                <a16:creationId xmlns:a16="http://schemas.microsoft.com/office/drawing/2014/main" id="{4C9EE6C6-E4AB-4F27-8FA9-E28A15E0D559}"/>
+          <p:cNvPr id="6" name="그룹 5">
+            <a:extLst>
+              <a:ext uri="{FF2B5EF4-FFF2-40B4-BE49-F238E27FC236}">
+                <a16:creationId xmlns:a16="http://schemas.microsoft.com/office/drawing/2014/main" id="{CA7BD838-D4FB-4EA7-B68C-FA7B6D147BA2}"/>
               </a:ext>
             </a:extLst>
           </p:cNvPr>
@@ -6030,18 +10357,75 @@
         </p:nvGrpSpPr>
         <p:grpSpPr>
           <a:xfrm>
-            <a:off x="2103120" y="1954530"/>
-            <a:ext cx="2205990" cy="2205990"/>
-            <a:chOff x="1143000" y="1954530"/>
-            <a:chExt cx="2205990" cy="2205990"/>
+            <a:off x="500014" y="407324"/>
+            <a:ext cx="1852488" cy="854227"/>
+            <a:chOff x="640080" y="-971550"/>
+            <a:chExt cx="1660746" cy="765810"/>
           </a:xfrm>
         </p:grpSpPr>
         <p:sp>
           <p:nvSpPr>
-            <p:cNvPr id="4" name="타원 3">
+            <p:cNvPr id="18" name="TextBox 17">
               <a:extLst>
                 <a:ext uri="{FF2B5EF4-FFF2-40B4-BE49-F238E27FC236}">
-                  <a16:creationId xmlns:a16="http://schemas.microsoft.com/office/drawing/2014/main" id="{AD39C27F-CE90-4C97-B56D-60BF8A06C62D}"/>
+                  <a16:creationId xmlns:a16="http://schemas.microsoft.com/office/drawing/2014/main" id="{D7B7EE40-BAD9-4569-9BF6-F6E9ACA78A3C}"/>
+                </a:ext>
+              </a:extLst>
+            </p:cNvPr>
+            <p:cNvSpPr txBox="1"/>
+            <p:nvPr/>
+          </p:nvSpPr>
+          <p:spPr>
+            <a:xfrm>
+              <a:off x="683325" y="-881070"/>
+              <a:ext cx="1576513" cy="358697"/>
+            </a:xfrm>
+            <a:prstGeom prst="rect">
+              <a:avLst/>
+            </a:prstGeom>
+            <a:noFill/>
+          </p:spPr>
+          <p:txBody>
+            <a:bodyPr wrap="square" rtlCol="0">
+              <a:spAutoFit/>
+            </a:bodyPr>
+            <a:lstStyle/>
+            <a:p>
+              <a:pPr algn="ctr"/>
+              <a:r>
+                <a:rPr lang="ko-KR" altLang="en-US" sz="2000" dirty="0">
+                  <a:ln>
+                    <a:solidFill>
+                      <a:schemeClr val="tx1">
+                        <a:alpha val="30000"/>
+                      </a:schemeClr>
+                    </a:solidFill>
+                  </a:ln>
+                  <a:latin typeface="KoPub돋움체 Light" panose="02020603020101020101" pitchFamily="18" charset="-127"/>
+                  <a:ea typeface="KoPub돋움체 Light" panose="02020603020101020101" pitchFamily="18" charset="-127"/>
+                </a:rPr>
+                <a:t>구현 과정</a:t>
+              </a:r>
+              <a:endParaRPr lang="ko-KR" altLang="en-US" sz="1600" dirty="0">
+                <a:ln>
+                  <a:solidFill>
+                    <a:schemeClr val="tx1">
+                      <a:alpha val="30000"/>
+                    </a:schemeClr>
+                  </a:solidFill>
+                </a:ln>
+                <a:latin typeface="KoPub돋움체 Light" panose="02020603020101020101" pitchFamily="18" charset="-127"/>
+                <a:ea typeface="KoPub돋움체 Light" panose="02020603020101020101" pitchFamily="18" charset="-127"/>
+              </a:endParaRPr>
+            </a:p>
+          </p:txBody>
+        </p:sp>
+        <p:sp>
+          <p:nvSpPr>
+            <p:cNvPr id="5" name="직사각형 4">
+              <a:extLst>
+                <a:ext uri="{FF2B5EF4-FFF2-40B4-BE49-F238E27FC236}">
+                  <a16:creationId xmlns:a16="http://schemas.microsoft.com/office/drawing/2014/main" id="{AB4C8245-D0E4-4D79-B3E9-2FB89CE6FE84}"/>
                 </a:ext>
               </a:extLst>
             </p:cNvPr>
@@ -6050,17 +10434,17 @@
           </p:nvSpPr>
           <p:spPr>
             <a:xfrm>
-              <a:off x="1143000" y="1954530"/>
-              <a:ext cx="2205990" cy="2205990"/>
+              <a:off x="640080" y="-971550"/>
+              <a:ext cx="1660746" cy="765810"/>
             </a:xfrm>
-            <a:prstGeom prst="ellipse">
+            <a:prstGeom prst="rect">
               <a:avLst/>
             </a:prstGeom>
-            <a:solidFill>
-              <a:schemeClr val="tx1"/>
-            </a:solidFill>
-            <a:ln>
-              <a:noFill/>
+            <a:noFill/>
+            <a:ln w="25400">
+              <a:solidFill>
+                <a:schemeClr val="tx1"/>
+              </a:solidFill>
             </a:ln>
           </p:spPr>
           <p:style>
@@ -6088,60 +10472,13 @@
             </a:p>
           </p:txBody>
         </p:sp>
-        <p:pic>
-          <p:nvPicPr>
-            <p:cNvPr id="10" name="그림 9">
-              <a:extLst>
-                <a:ext uri="{FF2B5EF4-FFF2-40B4-BE49-F238E27FC236}">
-                  <a16:creationId xmlns:a16="http://schemas.microsoft.com/office/drawing/2014/main" id="{F2095184-6A8B-450F-A54A-BD06B753634B}"/>
-                </a:ext>
-              </a:extLst>
-            </p:cNvPr>
-            <p:cNvPicPr>
-              <a:picLocks noChangeAspect="1"/>
-            </p:cNvPicPr>
-            <p:nvPr/>
-          </p:nvPicPr>
-          <p:blipFill>
-            <a:blip r:embed="rId2">
-              <a:extLst>
-                <a:ext uri="{BEBA8EAE-BF5A-486C-A8C5-ECC9F3942E4B}">
-                  <a14:imgProps xmlns:a14="http://schemas.microsoft.com/office/drawing/2010/main">
-                    <a14:imgLayer r:embed="rId3">
-                      <a14:imgEffect>
-                        <a14:backgroundRemoval t="10000" b="90000" l="10000" r="90000">
-                          <a14:foregroundMark x1="45366" y1="64390" x2="45366" y2="64390"/>
-                        </a14:backgroundRemoval>
-                      </a14:imgEffect>
-                    </a14:imgLayer>
-                  </a14:imgProps>
-                </a:ext>
-                <a:ext uri="{28A0092B-C50C-407E-A947-70E740481C1C}">
-                  <a14:useLocalDpi xmlns:a14="http://schemas.microsoft.com/office/drawing/2010/main" val="0"/>
-                </a:ext>
-              </a:extLst>
-            </a:blip>
-            <a:stretch>
-              <a:fillRect/>
-            </a:stretch>
-          </p:blipFill>
-          <p:spPr>
-            <a:xfrm>
-              <a:off x="1143000" y="1954530"/>
-              <a:ext cx="2205990" cy="2205990"/>
-            </a:xfrm>
-            <a:prstGeom prst="rect">
-              <a:avLst/>
-            </a:prstGeom>
-          </p:spPr>
-        </p:pic>
       </p:grpSp>
       <p:sp>
         <p:nvSpPr>
-          <p:cNvPr id="12" name="TextBox 11">
-            <a:extLst>
-              <a:ext uri="{FF2B5EF4-FFF2-40B4-BE49-F238E27FC236}">
-                <a16:creationId xmlns:a16="http://schemas.microsoft.com/office/drawing/2014/main" id="{A3A100D1-317C-41D4-A2BC-1EA83E0DE423}"/>
+          <p:cNvPr id="7" name="TextBox 6">
+            <a:extLst>
+              <a:ext uri="{FF2B5EF4-FFF2-40B4-BE49-F238E27FC236}">
+                <a16:creationId xmlns:a16="http://schemas.microsoft.com/office/drawing/2014/main" id="{77ED49F9-B91F-4AC2-9CDF-E12973B2A540}"/>
               </a:ext>
             </a:extLst>
           </p:cNvPr>
@@ -6150,304 +10487,8 @@
         </p:nvSpPr>
         <p:spPr>
           <a:xfrm>
-            <a:off x="2187214" y="4342851"/>
-            <a:ext cx="2037802" cy="369332"/>
-          </a:xfrm>
-          <a:prstGeom prst="rect">
-            <a:avLst/>
-          </a:prstGeom>
-          <a:noFill/>
-        </p:spPr>
-        <p:txBody>
-          <a:bodyPr wrap="none" rtlCol="0">
-            <a:spAutoFit/>
-          </a:bodyPr>
-          <a:lstStyle/>
-          <a:p>
-            <a:r>
-              <a:rPr lang="en-US" altLang="ko-KR" dirty="0">
-                <a:ln>
-                  <a:solidFill>
-                    <a:schemeClr val="tx1">
-                      <a:alpha val="30000"/>
-                    </a:schemeClr>
-                  </a:solidFill>
-                </a:ln>
-                <a:latin typeface="KoPub돋움체 Medium" panose="02020603020101020101" pitchFamily="18" charset="-127"/>
-                <a:ea typeface="KoPub돋움체 Medium" panose="02020603020101020101" pitchFamily="18" charset="-127"/>
-              </a:rPr>
-              <a:t>Silver magnet bar</a:t>
-            </a:r>
-            <a:endParaRPr lang="ko-KR" altLang="en-US" dirty="0">
-              <a:ln>
-                <a:solidFill>
-                  <a:schemeClr val="tx1">
-                    <a:alpha val="30000"/>
-                  </a:schemeClr>
-                </a:solidFill>
-              </a:ln>
-              <a:latin typeface="KoPub돋움체 Medium" panose="02020603020101020101" pitchFamily="18" charset="-127"/>
-              <a:ea typeface="KoPub돋움체 Medium" panose="02020603020101020101" pitchFamily="18" charset="-127"/>
-            </a:endParaRPr>
-          </a:p>
-        </p:txBody>
-      </p:sp>
-      <p:grpSp>
-        <p:nvGrpSpPr>
-          <p:cNvPr id="16" name="그룹 15">
-            <a:extLst>
-              <a:ext uri="{FF2B5EF4-FFF2-40B4-BE49-F238E27FC236}">
-                <a16:creationId xmlns:a16="http://schemas.microsoft.com/office/drawing/2014/main" id="{D32E681C-3B62-4CC4-B3CE-C3D6C71AC69C}"/>
-              </a:ext>
-            </a:extLst>
-          </p:cNvPr>
-          <p:cNvGrpSpPr/>
-          <p:nvPr/>
-        </p:nvGrpSpPr>
-        <p:grpSpPr>
-          <a:xfrm>
-            <a:off x="4907280" y="1863090"/>
-            <a:ext cx="2205990" cy="2205990"/>
-            <a:chOff x="4427220" y="1954530"/>
-            <a:chExt cx="2205990" cy="2205990"/>
-          </a:xfrm>
-        </p:grpSpPr>
-        <p:sp>
-          <p:nvSpPr>
-            <p:cNvPr id="19" name="타원 18">
-              <a:extLst>
-                <a:ext uri="{FF2B5EF4-FFF2-40B4-BE49-F238E27FC236}">
-                  <a16:creationId xmlns:a16="http://schemas.microsoft.com/office/drawing/2014/main" id="{037DCC88-FEAA-40C0-8420-B67AE4B45EC6}"/>
-                </a:ext>
-              </a:extLst>
-            </p:cNvPr>
-            <p:cNvSpPr/>
-            <p:nvPr/>
-          </p:nvSpPr>
-          <p:spPr>
-            <a:xfrm>
-              <a:off x="4427220" y="1954530"/>
-              <a:ext cx="2205990" cy="2205990"/>
-            </a:xfrm>
-            <a:prstGeom prst="ellipse">
-              <a:avLst/>
-            </a:prstGeom>
-            <a:solidFill>
-              <a:schemeClr val="tx1"/>
-            </a:solidFill>
-            <a:ln>
-              <a:noFill/>
-            </a:ln>
-          </p:spPr>
-          <p:style>
-            <a:lnRef idx="2">
-              <a:schemeClr val="accent1">
-                <a:shade val="50000"/>
-              </a:schemeClr>
-            </a:lnRef>
-            <a:fillRef idx="1">
-              <a:schemeClr val="accent1"/>
-            </a:fillRef>
-            <a:effectRef idx="0">
-              <a:schemeClr val="accent1"/>
-            </a:effectRef>
-            <a:fontRef idx="minor">
-              <a:schemeClr val="lt1"/>
-            </a:fontRef>
-          </p:style>
-          <p:txBody>
-            <a:bodyPr rtlCol="0" anchor="ctr"/>
-            <a:lstStyle/>
-            <a:p>
-              <a:pPr algn="ctr"/>
-              <a:endParaRPr lang="ko-KR" altLang="en-US"/>
-            </a:p>
-          </p:txBody>
-        </p:sp>
-        <p:pic>
-          <p:nvPicPr>
-            <p:cNvPr id="20" name="그림 19">
-              <a:extLst>
-                <a:ext uri="{FF2B5EF4-FFF2-40B4-BE49-F238E27FC236}">
-                  <a16:creationId xmlns:a16="http://schemas.microsoft.com/office/drawing/2014/main" id="{E0E59A8E-284B-4FDE-B66F-929E46D9ED2F}"/>
-                </a:ext>
-              </a:extLst>
-            </p:cNvPr>
-            <p:cNvPicPr>
-              <a:picLocks noChangeAspect="1"/>
-            </p:cNvPicPr>
-            <p:nvPr/>
-          </p:nvPicPr>
-          <p:blipFill>
-            <a:blip r:embed="rId2">
-              <a:extLst>
-                <a:ext uri="{BEBA8EAE-BF5A-486C-A8C5-ECC9F3942E4B}">
-                  <a14:imgProps xmlns:a14="http://schemas.microsoft.com/office/drawing/2010/main">
-                    <a14:imgLayer r:embed="rId3">
-                      <a14:imgEffect>
-                        <a14:backgroundRemoval t="10000" b="90000" l="10000" r="90000">
-                          <a14:foregroundMark x1="45366" y1="64390" x2="45366" y2="64390"/>
-                        </a14:backgroundRemoval>
-                      </a14:imgEffect>
-                    </a14:imgLayer>
-                  </a14:imgProps>
-                </a:ext>
-                <a:ext uri="{28A0092B-C50C-407E-A947-70E740481C1C}">
-                  <a14:useLocalDpi xmlns:a14="http://schemas.microsoft.com/office/drawing/2010/main" val="0"/>
-                </a:ext>
-              </a:extLst>
-            </a:blip>
-            <a:stretch>
-              <a:fillRect/>
-            </a:stretch>
-          </p:blipFill>
-          <p:spPr>
-            <a:xfrm>
-              <a:off x="4427220" y="1954530"/>
-              <a:ext cx="2205990" cy="2205990"/>
-            </a:xfrm>
-            <a:prstGeom prst="rect">
-              <a:avLst/>
-            </a:prstGeom>
-          </p:spPr>
-        </p:pic>
-      </p:grpSp>
-      <p:grpSp>
-        <p:nvGrpSpPr>
-          <p:cNvPr id="23" name="그룹 22">
-            <a:extLst>
-              <a:ext uri="{FF2B5EF4-FFF2-40B4-BE49-F238E27FC236}">
-                <a16:creationId xmlns:a16="http://schemas.microsoft.com/office/drawing/2014/main" id="{9B6CC2F4-FB88-4FB5-98D4-8A7D84960B71}"/>
-              </a:ext>
-            </a:extLst>
-          </p:cNvPr>
-          <p:cNvGrpSpPr/>
-          <p:nvPr/>
-        </p:nvGrpSpPr>
-        <p:grpSpPr>
-          <a:xfrm>
-            <a:off x="7711440" y="1954530"/>
-            <a:ext cx="2205990" cy="2205990"/>
-            <a:chOff x="7711440" y="1954530"/>
-            <a:chExt cx="2205990" cy="2205990"/>
-          </a:xfrm>
-        </p:grpSpPr>
-        <p:sp>
-          <p:nvSpPr>
-            <p:cNvPr id="21" name="타원 20">
-              <a:extLst>
-                <a:ext uri="{FF2B5EF4-FFF2-40B4-BE49-F238E27FC236}">
-                  <a16:creationId xmlns:a16="http://schemas.microsoft.com/office/drawing/2014/main" id="{18372AB8-744C-4038-92FA-FB8DFB68DDD5}"/>
-                </a:ext>
-              </a:extLst>
-            </p:cNvPr>
-            <p:cNvSpPr/>
-            <p:nvPr/>
-          </p:nvSpPr>
-          <p:spPr>
-            <a:xfrm>
-              <a:off x="7711440" y="1954530"/>
-              <a:ext cx="2205990" cy="2205990"/>
-            </a:xfrm>
-            <a:prstGeom prst="ellipse">
-              <a:avLst/>
-            </a:prstGeom>
-            <a:solidFill>
-              <a:schemeClr val="tx1"/>
-            </a:solidFill>
-            <a:ln>
-              <a:noFill/>
-            </a:ln>
-          </p:spPr>
-          <p:style>
-            <a:lnRef idx="2">
-              <a:schemeClr val="accent1">
-                <a:shade val="50000"/>
-              </a:schemeClr>
-            </a:lnRef>
-            <a:fillRef idx="1">
-              <a:schemeClr val="accent1"/>
-            </a:fillRef>
-            <a:effectRef idx="0">
-              <a:schemeClr val="accent1"/>
-            </a:effectRef>
-            <a:fontRef idx="minor">
-              <a:schemeClr val="lt1"/>
-            </a:fontRef>
-          </p:style>
-          <p:txBody>
-            <a:bodyPr rtlCol="0" anchor="ctr"/>
-            <a:lstStyle/>
-            <a:p>
-              <a:pPr algn="ctr"/>
-              <a:endParaRPr lang="ko-KR" altLang="en-US"/>
-            </a:p>
-          </p:txBody>
-        </p:sp>
-        <p:pic>
-          <p:nvPicPr>
-            <p:cNvPr id="22" name="그림 21">
-              <a:extLst>
-                <a:ext uri="{FF2B5EF4-FFF2-40B4-BE49-F238E27FC236}">
-                  <a16:creationId xmlns:a16="http://schemas.microsoft.com/office/drawing/2014/main" id="{000B7019-1ACB-46E8-A72B-9A7EFFD2B136}"/>
-                </a:ext>
-              </a:extLst>
-            </p:cNvPr>
-            <p:cNvPicPr>
-              <a:picLocks noChangeAspect="1"/>
-            </p:cNvPicPr>
-            <p:nvPr/>
-          </p:nvPicPr>
-          <p:blipFill>
-            <a:blip r:embed="rId2">
-              <a:extLst>
-                <a:ext uri="{BEBA8EAE-BF5A-486C-A8C5-ECC9F3942E4B}">
-                  <a14:imgProps xmlns:a14="http://schemas.microsoft.com/office/drawing/2010/main">
-                    <a14:imgLayer r:embed="rId3">
-                      <a14:imgEffect>
-                        <a14:backgroundRemoval t="10000" b="90000" l="10000" r="90000">
-                          <a14:foregroundMark x1="45366" y1="64390" x2="45366" y2="64390"/>
-                        </a14:backgroundRemoval>
-                      </a14:imgEffect>
-                    </a14:imgLayer>
-                  </a14:imgProps>
-                </a:ext>
-                <a:ext uri="{28A0092B-C50C-407E-A947-70E740481C1C}">
-                  <a14:useLocalDpi xmlns:a14="http://schemas.microsoft.com/office/drawing/2010/main" val="0"/>
-                </a:ext>
-              </a:extLst>
-            </a:blip>
-            <a:stretch>
-              <a:fillRect/>
-            </a:stretch>
-          </p:blipFill>
-          <p:spPr>
-            <a:xfrm>
-              <a:off x="7711440" y="1954530"/>
-              <a:ext cx="2205990" cy="2205990"/>
-            </a:xfrm>
-            <a:prstGeom prst="rect">
-              <a:avLst/>
-            </a:prstGeom>
-          </p:spPr>
-        </p:pic>
-      </p:grpSp>
-      <p:sp>
-        <p:nvSpPr>
-          <p:cNvPr id="24" name="TextBox 23">
-            <a:extLst>
-              <a:ext uri="{FF2B5EF4-FFF2-40B4-BE49-F238E27FC236}">
-                <a16:creationId xmlns:a16="http://schemas.microsoft.com/office/drawing/2014/main" id="{3E7E57F4-6423-4511-8F2C-991E2FA291ED}"/>
-              </a:ext>
-            </a:extLst>
-          </p:cNvPr>
-          <p:cNvSpPr txBox="1"/>
-          <p:nvPr/>
-        </p:nvSpPr>
-        <p:spPr>
-          <a:xfrm>
-            <a:off x="2303145" y="4712183"/>
-            <a:ext cx="1760220" cy="646331"/>
+            <a:off x="944744" y="908361"/>
+            <a:ext cx="1362038" cy="276999"/>
           </a:xfrm>
           <a:prstGeom prst="rect">
             <a:avLst/>
@@ -6460,9 +10501,9 @@
           </a:bodyPr>
           <a:lstStyle/>
           <a:p>
-            <a:pPr algn="just"/>
-            <a:r>
-              <a:rPr lang="ko-KR" altLang="en-US" sz="1200" dirty="0">
+            <a:pPr algn="ctr"/>
+            <a:r>
+              <a:rPr lang="en-US" altLang="ko-KR" sz="1200" dirty="0">
                 <a:ln>
                   <a:solidFill>
                     <a:schemeClr val="tx1">
@@ -6473,10 +10514,10 @@
                 <a:latin typeface="KoPub돋움체 Light" panose="02020603020101020101" pitchFamily="18" charset="-127"/>
                 <a:ea typeface="KoPub돋움체 Light" panose="02020603020101020101" pitchFamily="18" charset="-127"/>
               </a:rPr>
-              <a:t>완벽하게 모던하자 이것은 예시입니다 이것은 예시예요 예시 </a:t>
-            </a:r>
-            <a:r>
-              <a:rPr lang="ko-KR" altLang="en-US" sz="1200" dirty="0" err="1">
+              <a:t>- </a:t>
+            </a:r>
+            <a:r>
+              <a:rPr lang="en-US" altLang="ko-KR" sz="1200" dirty="0" err="1">
                 <a:ln>
                   <a:solidFill>
                     <a:schemeClr val="tx1">
@@ -6487,325 +10528,264 @@
                 <a:latin typeface="KoPub돋움체 Light" panose="02020603020101020101" pitchFamily="18" charset="-127"/>
                 <a:ea typeface="KoPub돋움체 Light" panose="02020603020101020101" pitchFamily="18" charset="-127"/>
               </a:rPr>
-              <a:t>예시</a:t>
-            </a:r>
-            <a:r>
-              <a:rPr lang="ko-KR" altLang="en-US" sz="1200" dirty="0">
-                <a:ln>
-                  <a:solidFill>
-                    <a:schemeClr val="tx1">
-                      <a:alpha val="30000"/>
-                    </a:schemeClr>
-                  </a:solidFill>
-                </a:ln>
-                <a:latin typeface="KoPub돋움체 Light" panose="02020603020101020101" pitchFamily="18" charset="-127"/>
-                <a:ea typeface="KoPub돋움체 Light" panose="02020603020101020101" pitchFamily="18" charset="-127"/>
-              </a:rPr>
-              <a:t> </a:t>
-            </a:r>
-            <a:r>
-              <a:rPr lang="ko-KR" altLang="en-US" sz="1200" dirty="0" err="1">
-                <a:ln>
-                  <a:solidFill>
-                    <a:schemeClr val="tx1">
-                      <a:alpha val="30000"/>
-                    </a:schemeClr>
-                  </a:solidFill>
-                </a:ln>
-                <a:latin typeface="KoPub돋움체 Light" panose="02020603020101020101" pitchFamily="18" charset="-127"/>
-                <a:ea typeface="KoPub돋움체 Light" panose="02020603020101020101" pitchFamily="18" charset="-127"/>
-              </a:rPr>
-              <a:t>예시</a:t>
-            </a:r>
-            <a:r>
-              <a:rPr lang="ko-KR" altLang="en-US" sz="1200" dirty="0">
-                <a:ln>
-                  <a:solidFill>
-                    <a:schemeClr val="tx1">
-                      <a:alpha val="30000"/>
-                    </a:schemeClr>
-                  </a:solidFill>
-                </a:ln>
-                <a:latin typeface="KoPub돋움체 Light" panose="02020603020101020101" pitchFamily="18" charset="-127"/>
-                <a:ea typeface="KoPub돋움체 Light" panose="02020603020101020101" pitchFamily="18" charset="-127"/>
-              </a:rPr>
-              <a:t> </a:t>
-            </a:r>
-            <a:r>
-              <a:rPr lang="ko-KR" altLang="en-US" sz="1200" dirty="0" err="1">
-                <a:ln>
-                  <a:solidFill>
-                    <a:schemeClr val="tx1">
-                      <a:alpha val="30000"/>
-                    </a:schemeClr>
-                  </a:solidFill>
-                </a:ln>
-                <a:latin typeface="KoPub돋움체 Light" panose="02020603020101020101" pitchFamily="18" charset="-127"/>
-                <a:ea typeface="KoPub돋움체 Light" panose="02020603020101020101" pitchFamily="18" charset="-127"/>
-              </a:rPr>
-              <a:t>예시</a:t>
-            </a:r>
-            <a:r>
-              <a:rPr lang="ko-KR" altLang="en-US" sz="1200" dirty="0">
-                <a:ln>
-                  <a:solidFill>
-                    <a:schemeClr val="tx1">
-                      <a:alpha val="30000"/>
-                    </a:schemeClr>
-                  </a:solidFill>
-                </a:ln>
-                <a:latin typeface="KoPub돋움체 Light" panose="02020603020101020101" pitchFamily="18" charset="-127"/>
-                <a:ea typeface="KoPub돋움체 Light" panose="02020603020101020101" pitchFamily="18" charset="-127"/>
-              </a:rPr>
-              <a:t> 예</a:t>
-            </a:r>
+              <a:t>LoginPage</a:t>
+            </a:r>
+            <a:endParaRPr lang="ko-KR" altLang="en-US" sz="1200" dirty="0">
+              <a:ln>
+                <a:solidFill>
+                  <a:schemeClr val="tx1">
+                    <a:alpha val="30000"/>
+                  </a:schemeClr>
+                </a:solidFill>
+              </a:ln>
+              <a:latin typeface="KoPub돋움체 Light" panose="02020603020101020101" pitchFamily="18" charset="-127"/>
+              <a:ea typeface="KoPub돋움체 Light" panose="02020603020101020101" pitchFamily="18" charset="-127"/>
+            </a:endParaRPr>
           </a:p>
         </p:txBody>
       </p:sp>
-      <p:sp>
-        <p:nvSpPr>
-          <p:cNvPr id="26" name="TextBox 25">
-            <a:extLst>
-              <a:ext uri="{FF2B5EF4-FFF2-40B4-BE49-F238E27FC236}">
-                <a16:creationId xmlns:a16="http://schemas.microsoft.com/office/drawing/2014/main" id="{B952D20D-83F8-42DF-89B5-35FCDF53ABB3}"/>
-              </a:ext>
-            </a:extLst>
-          </p:cNvPr>
-          <p:cNvSpPr txBox="1"/>
+      <p:pic>
+        <p:nvPicPr>
+          <p:cNvPr id="3" name="그림 2" descr="스크린샷이(가) 표시된 사진&#10;&#10;자동 생성된 설명">
+            <a:extLst>
+              <a:ext uri="{FF2B5EF4-FFF2-40B4-BE49-F238E27FC236}">
+                <a16:creationId xmlns:a16="http://schemas.microsoft.com/office/drawing/2014/main" id="{F1A4A1A3-FD28-45CD-87AD-A47BF72B957D}"/>
+              </a:ext>
+            </a:extLst>
+          </p:cNvPr>
+          <p:cNvPicPr>
+            <a:picLocks noChangeAspect="1"/>
+          </p:cNvPicPr>
           <p:nvPr/>
-        </p:nvSpPr>
+        </p:nvPicPr>
+        <p:blipFill>
+          <a:blip r:embed="rId2">
+            <a:extLst>
+              <a:ext uri="{28A0092B-C50C-407E-A947-70E740481C1C}">
+                <a14:useLocalDpi xmlns:a14="http://schemas.microsoft.com/office/drawing/2010/main" val="0"/>
+              </a:ext>
+            </a:extLst>
+          </a:blip>
+          <a:stretch>
+            <a:fillRect/>
+          </a:stretch>
+        </p:blipFill>
         <p:spPr>
           <a:xfrm>
-            <a:off x="5356473" y="4342851"/>
-            <a:ext cx="1261884" cy="369332"/>
+            <a:off x="3544093" y="834437"/>
+            <a:ext cx="7468642" cy="5439534"/>
           </a:xfrm>
           <a:prstGeom prst="rect">
             <a:avLst/>
           </a:prstGeom>
-          <a:noFill/>
         </p:spPr>
-        <p:txBody>
-          <a:bodyPr wrap="none" rtlCol="0">
-            <a:spAutoFit/>
-          </a:bodyPr>
-          <a:lstStyle/>
-          <a:p>
-            <a:r>
-              <a:rPr lang="ko-KR" altLang="en-US" dirty="0">
-                <a:ln>
-                  <a:solidFill>
-                    <a:schemeClr val="tx1">
-                      <a:alpha val="30000"/>
-                    </a:schemeClr>
-                  </a:solidFill>
-                </a:ln>
-                <a:latin typeface="KoPub돋움체 Medium" panose="02020603020101020101" pitchFamily="18" charset="-127"/>
-                <a:ea typeface="KoPub돋움체 Medium" panose="02020603020101020101" pitchFamily="18" charset="-127"/>
-              </a:rPr>
-              <a:t>키워드 제목</a:t>
-            </a:r>
-          </a:p>
-        </p:txBody>
-      </p:sp>
-      <p:sp>
-        <p:nvSpPr>
-          <p:cNvPr id="27" name="TextBox 26">
-            <a:extLst>
-              <a:ext uri="{FF2B5EF4-FFF2-40B4-BE49-F238E27FC236}">
-                <a16:creationId xmlns:a16="http://schemas.microsoft.com/office/drawing/2014/main" id="{BB91EDEC-04A0-41E2-A575-51EFBFFCC853}"/>
-              </a:ext>
-            </a:extLst>
-          </p:cNvPr>
-          <p:cNvSpPr txBox="1"/>
+      </p:pic>
+      <p:pic>
+        <p:nvPicPr>
+          <p:cNvPr id="9" name="그림 8" descr="스크린샷이(가) 표시된 사진&#10;&#10;자동 생성된 설명">
+            <a:extLst>
+              <a:ext uri="{FF2B5EF4-FFF2-40B4-BE49-F238E27FC236}">
+                <a16:creationId xmlns:a16="http://schemas.microsoft.com/office/drawing/2014/main" id="{B9AB711C-ED3C-40CE-9E2D-EF6CA6675FE5}"/>
+              </a:ext>
+            </a:extLst>
+          </p:cNvPr>
+          <p:cNvPicPr>
+            <a:picLocks noChangeAspect="1"/>
+          </p:cNvPicPr>
           <p:nvPr/>
-        </p:nvSpPr>
+        </p:nvPicPr>
+        <p:blipFill>
+          <a:blip r:embed="rId3">
+            <a:extLst>
+              <a:ext uri="{28A0092B-C50C-407E-A947-70E740481C1C}">
+                <a14:useLocalDpi xmlns:a14="http://schemas.microsoft.com/office/drawing/2010/main" val="0"/>
+              </a:ext>
+            </a:extLst>
+          </a:blip>
+          <a:stretch>
+            <a:fillRect/>
+          </a:stretch>
+        </p:blipFill>
         <p:spPr>
           <a:xfrm>
-            <a:off x="5107305" y="4712183"/>
-            <a:ext cx="1760220" cy="276999"/>
+            <a:off x="7849994" y="1554655"/>
+            <a:ext cx="3162741" cy="4143953"/>
           </a:xfrm>
           <a:prstGeom prst="rect">
             <a:avLst/>
           </a:prstGeom>
-          <a:noFill/>
         </p:spPr>
-        <p:txBody>
-          <a:bodyPr wrap="square" rtlCol="0">
-            <a:spAutoFit/>
-          </a:bodyPr>
-          <a:lstStyle/>
-          <a:p>
-            <a:pPr algn="ctr"/>
-            <a:r>
-              <a:rPr lang="ko-KR" altLang="en-US" sz="1200" dirty="0">
-                <a:ln>
-                  <a:solidFill>
-                    <a:schemeClr val="tx1">
-                      <a:alpha val="30000"/>
-                    </a:schemeClr>
-                  </a:solidFill>
-                </a:ln>
-                <a:latin typeface="KoPub돋움체 Light" panose="02020603020101020101" pitchFamily="18" charset="-127"/>
-                <a:ea typeface="KoPub돋움체 Light" panose="02020603020101020101" pitchFamily="18" charset="-127"/>
-              </a:rPr>
-              <a:t>내용</a:t>
-            </a:r>
-          </a:p>
-        </p:txBody>
-      </p:sp>
-      <p:sp>
-        <p:nvSpPr>
-          <p:cNvPr id="28" name="TextBox 27">
-            <a:extLst>
-              <a:ext uri="{FF2B5EF4-FFF2-40B4-BE49-F238E27FC236}">
-                <a16:creationId xmlns:a16="http://schemas.microsoft.com/office/drawing/2014/main" id="{F40EE50B-E186-484A-8B15-9A6690CD5E7C}"/>
-              </a:ext>
-            </a:extLst>
-          </p:cNvPr>
-          <p:cNvSpPr txBox="1"/>
+      </p:pic>
+      <p:pic>
+        <p:nvPicPr>
+          <p:cNvPr id="11" name="그림 10" descr="스크린샷, 전화, 휴대폰이(가) 표시된 사진&#10;&#10;자동 생성된 설명">
+            <a:extLst>
+              <a:ext uri="{FF2B5EF4-FFF2-40B4-BE49-F238E27FC236}">
+                <a16:creationId xmlns:a16="http://schemas.microsoft.com/office/drawing/2014/main" id="{C022439E-BA08-43E0-A82C-6EEEAF2E5C44}"/>
+              </a:ext>
+            </a:extLst>
+          </p:cNvPr>
+          <p:cNvPicPr>
+            <a:picLocks noChangeAspect="1"/>
+          </p:cNvPicPr>
           <p:nvPr/>
-        </p:nvSpPr>
+        </p:nvPicPr>
+        <p:blipFill>
+          <a:blip r:embed="rId4">
+            <a:extLst>
+              <a:ext uri="{28A0092B-C50C-407E-A947-70E740481C1C}">
+                <a14:useLocalDpi xmlns:a14="http://schemas.microsoft.com/office/drawing/2010/main" val="0"/>
+              </a:ext>
+            </a:extLst>
+          </a:blip>
+          <a:stretch>
+            <a:fillRect/>
+          </a:stretch>
+        </p:blipFill>
         <p:spPr>
           <a:xfrm>
-            <a:off x="8248150" y="4342851"/>
-            <a:ext cx="1261884" cy="369332"/>
+            <a:off x="7921441" y="1573707"/>
+            <a:ext cx="3019846" cy="4124901"/>
           </a:xfrm>
           <a:prstGeom prst="rect">
             <a:avLst/>
           </a:prstGeom>
-          <a:noFill/>
         </p:spPr>
-        <p:txBody>
-          <a:bodyPr wrap="none" rtlCol="0">
-            <a:spAutoFit/>
-          </a:bodyPr>
-          <a:lstStyle/>
-          <a:p>
-            <a:r>
-              <a:rPr lang="ko-KR" altLang="en-US" dirty="0">
-                <a:ln>
-                  <a:solidFill>
-                    <a:schemeClr val="tx1">
-                      <a:alpha val="30000"/>
-                    </a:schemeClr>
-                  </a:solidFill>
-                </a:ln>
-                <a:latin typeface="KoPub돋움체 Medium" panose="02020603020101020101" pitchFamily="18" charset="-127"/>
-                <a:ea typeface="KoPub돋움체 Medium" panose="02020603020101020101" pitchFamily="18" charset="-127"/>
-              </a:rPr>
-              <a:t>키워드 제목</a:t>
-            </a:r>
-          </a:p>
-        </p:txBody>
-      </p:sp>
-      <p:sp>
-        <p:nvSpPr>
-          <p:cNvPr id="29" name="TextBox 28">
-            <a:extLst>
-              <a:ext uri="{FF2B5EF4-FFF2-40B4-BE49-F238E27FC236}">
-                <a16:creationId xmlns:a16="http://schemas.microsoft.com/office/drawing/2014/main" id="{B9E14D50-98B2-4D14-8E82-4449D9D8769B}"/>
-              </a:ext>
-            </a:extLst>
-          </p:cNvPr>
-          <p:cNvSpPr txBox="1"/>
-          <p:nvPr/>
-        </p:nvSpPr>
-        <p:spPr>
-          <a:xfrm>
-            <a:off x="7998982" y="4712183"/>
-            <a:ext cx="1760220" cy="276999"/>
-          </a:xfrm>
-          <a:prstGeom prst="rect">
-            <a:avLst/>
-          </a:prstGeom>
-          <a:noFill/>
-        </p:spPr>
-        <p:txBody>
-          <a:bodyPr wrap="square" rtlCol="0">
-            <a:spAutoFit/>
-          </a:bodyPr>
-          <a:lstStyle/>
-          <a:p>
-            <a:pPr algn="ctr"/>
-            <a:r>
-              <a:rPr lang="ko-KR" altLang="en-US" sz="1200" dirty="0">
-                <a:ln>
-                  <a:solidFill>
-                    <a:schemeClr val="tx1">
-                      <a:alpha val="30000"/>
-                    </a:schemeClr>
-                  </a:solidFill>
-                </a:ln>
-                <a:latin typeface="KoPub돋움체 Light" panose="02020603020101020101" pitchFamily="18" charset="-127"/>
-                <a:ea typeface="KoPub돋움체 Light" panose="02020603020101020101" pitchFamily="18" charset="-127"/>
-              </a:rPr>
-              <a:t>내용</a:t>
-            </a:r>
-          </a:p>
-        </p:txBody>
-      </p:sp>
-      <p:sp>
-        <p:nvSpPr>
-          <p:cNvPr id="30" name="TextBox 29">
-            <a:extLst>
-              <a:ext uri="{FF2B5EF4-FFF2-40B4-BE49-F238E27FC236}">
-                <a16:creationId xmlns:a16="http://schemas.microsoft.com/office/drawing/2014/main" id="{752FFCDA-B093-44A7-A189-0267EF25E3FC}"/>
-              </a:ext>
-            </a:extLst>
-          </p:cNvPr>
-          <p:cNvSpPr txBox="1"/>
-          <p:nvPr/>
-        </p:nvSpPr>
-        <p:spPr>
-          <a:xfrm>
-            <a:off x="2388870" y="422305"/>
-            <a:ext cx="3326130" cy="369332"/>
-          </a:xfrm>
-          <a:prstGeom prst="rect">
-            <a:avLst/>
-          </a:prstGeom>
-          <a:noFill/>
-          <a:ln>
-            <a:noFill/>
-          </a:ln>
-        </p:spPr>
-        <p:txBody>
-          <a:bodyPr wrap="square" rtlCol="0">
-            <a:spAutoFit/>
-          </a:bodyPr>
-          <a:lstStyle/>
-          <a:p>
-            <a:r>
-              <a:rPr lang="ko-KR" altLang="en-US" dirty="0">
-                <a:ln>
-                  <a:solidFill>
-                    <a:schemeClr val="tx1">
-                      <a:alpha val="30000"/>
-                    </a:schemeClr>
-                  </a:solidFill>
-                </a:ln>
-                <a:latin typeface="KoPub돋움체 Light" panose="02020603020101020101" pitchFamily="18" charset="-127"/>
-                <a:ea typeface="KoPub돋움체 Light" panose="02020603020101020101" pitchFamily="18" charset="-127"/>
-              </a:rPr>
-              <a:t>페이지 요약 내용을 적어주세요</a:t>
-            </a:r>
-          </a:p>
-        </p:txBody>
-      </p:sp>
+      </p:pic>
     </p:spTree>
     <p:extLst>
       <p:ext uri="{BB962C8B-B14F-4D97-AF65-F5344CB8AC3E}">
-        <p14:creationId xmlns:p14="http://schemas.microsoft.com/office/powerpoint/2010/main" val="1762389070"/>
+        <p14:creationId xmlns:p14="http://schemas.microsoft.com/office/powerpoint/2010/main" val="2511780659"/>
       </p:ext>
     </p:extLst>
   </p:cSld>
   <p:clrMapOvr>
     <a:masterClrMapping/>
   </p:clrMapOvr>
+  <p:timing>
+    <p:tnLst>
+      <p:par>
+        <p:cTn id="1" dur="indefinite" restart="never" nodeType="tmRoot">
+          <p:childTnLst>
+            <p:seq concurrent="1" nextAc="seek">
+              <p:cTn id="2" dur="indefinite" nodeType="mainSeq">
+                <p:childTnLst>
+                  <p:par>
+                    <p:cTn id="3" fill="hold">
+                      <p:stCondLst>
+                        <p:cond delay="indefinite"/>
+                      </p:stCondLst>
+                      <p:childTnLst>
+                        <p:par>
+                          <p:cTn id="4" fill="hold">
+                            <p:stCondLst>
+                              <p:cond delay="0"/>
+                            </p:stCondLst>
+                            <p:childTnLst>
+                              <p:par>
+                                <p:cTn id="5" presetID="1" presetClass="entr" presetSubtype="0" fill="hold" nodeType="clickEffect">
+                                  <p:stCondLst>
+                                    <p:cond delay="0"/>
+                                  </p:stCondLst>
+                                  <p:childTnLst>
+                                    <p:set>
+                                      <p:cBhvr>
+                                        <p:cTn id="6" dur="1" fill="hold">
+                                          <p:stCondLst>
+                                            <p:cond delay="0"/>
+                                          </p:stCondLst>
+                                        </p:cTn>
+                                        <p:tgtEl>
+                                          <p:spTgt spid="9"/>
+                                        </p:tgtEl>
+                                        <p:attrNameLst>
+                                          <p:attrName>style.visibility</p:attrName>
+                                        </p:attrNameLst>
+                                      </p:cBhvr>
+                                      <p:to>
+                                        <p:strVal val="visible"/>
+                                      </p:to>
+                                    </p:set>
+                                  </p:childTnLst>
+                                </p:cTn>
+                              </p:par>
+                            </p:childTnLst>
+                          </p:cTn>
+                        </p:par>
+                      </p:childTnLst>
+                    </p:cTn>
+                  </p:par>
+                  <p:par>
+                    <p:cTn id="7" fill="hold">
+                      <p:stCondLst>
+                        <p:cond delay="indefinite"/>
+                      </p:stCondLst>
+                      <p:childTnLst>
+                        <p:par>
+                          <p:cTn id="8" fill="hold">
+                            <p:stCondLst>
+                              <p:cond delay="0"/>
+                            </p:stCondLst>
+                            <p:childTnLst>
+                              <p:par>
+                                <p:cTn id="9" presetID="1" presetClass="entr" presetSubtype="0" fill="hold" nodeType="clickEffect">
+                                  <p:stCondLst>
+                                    <p:cond delay="0"/>
+                                  </p:stCondLst>
+                                  <p:childTnLst>
+                                    <p:set>
+                                      <p:cBhvr>
+                                        <p:cTn id="10" dur="1" fill="hold">
+                                          <p:stCondLst>
+                                            <p:cond delay="0"/>
+                                          </p:stCondLst>
+                                        </p:cTn>
+                                        <p:tgtEl>
+                                          <p:spTgt spid="11"/>
+                                        </p:tgtEl>
+                                        <p:attrNameLst>
+                                          <p:attrName>style.visibility</p:attrName>
+                                        </p:attrNameLst>
+                                      </p:cBhvr>
+                                      <p:to>
+                                        <p:strVal val="visible"/>
+                                      </p:to>
+                                    </p:set>
+                                  </p:childTnLst>
+                                </p:cTn>
+                              </p:par>
+                            </p:childTnLst>
+                          </p:cTn>
+                        </p:par>
+                      </p:childTnLst>
+                    </p:cTn>
+                  </p:par>
+                </p:childTnLst>
+              </p:cTn>
+              <p:prevCondLst>
+                <p:cond evt="onPrev" delay="0">
+                  <p:tgtEl>
+                    <p:sldTgt/>
+                  </p:tgtEl>
+                </p:cond>
+              </p:prevCondLst>
+              <p:nextCondLst>
+                <p:cond evt="onNext" delay="0">
+                  <p:tgtEl>
+                    <p:sldTgt/>
+                  </p:tgtEl>
+                </p:cond>
+              </p:nextCondLst>
+            </p:seq>
+          </p:childTnLst>
+        </p:cTn>
+      </p:par>
+    </p:tnLst>
+  </p:timing>
 </p:sld>
 </file>
 
-<file path=ppt/slides/slide7.xml><?xml version="1.0" encoding="utf-8"?>
+<file path=ppt/slides/slide9.xml><?xml version="1.0" encoding="utf-8"?>
 <p:sld xmlns:a="http://schemas.openxmlformats.org/drawingml/2006/main" xmlns:r="http://schemas.openxmlformats.org/officeDocument/2006/relationships" xmlns:p="http://schemas.openxmlformats.org/presentationml/2006/main">
   <p:cSld>
     <p:bg>
@@ -6834,10 +10814,10 @@
       </p:grpSpPr>
       <p:pic>
         <p:nvPicPr>
-          <p:cNvPr id="8" name="그림 7">
-            <a:extLst>
-              <a:ext uri="{FF2B5EF4-FFF2-40B4-BE49-F238E27FC236}">
-                <a16:creationId xmlns:a16="http://schemas.microsoft.com/office/drawing/2014/main" id="{C2EA47E2-A6CE-494D-BC7B-25F35DFDD49F}"/>
+          <p:cNvPr id="4" name="그림 3" descr="개체, 시계이(가) 표시된 사진&#10;&#10;자동 생성된 설명">
+            <a:extLst>
+              <a:ext uri="{FF2B5EF4-FFF2-40B4-BE49-F238E27FC236}">
+                <a16:creationId xmlns:a16="http://schemas.microsoft.com/office/drawing/2014/main" id="{DCEF5C18-0725-4D3C-9113-FCF49D6A6B34}"/>
               </a:ext>
             </a:extLst>
           </p:cNvPr>
@@ -6860,20 +10840,150 @@
         </p:blipFill>
         <p:spPr>
           <a:xfrm>
-            <a:off x="0" y="0"/>
-            <a:ext cx="12192000" cy="6858000"/>
+            <a:off x="3544093" y="834437"/>
+            <a:ext cx="7440063" cy="5296639"/>
           </a:xfrm>
           <a:prstGeom prst="rect">
             <a:avLst/>
           </a:prstGeom>
         </p:spPr>
       </p:pic>
+      <p:grpSp>
+        <p:nvGrpSpPr>
+          <p:cNvPr id="6" name="그룹 5">
+            <a:extLst>
+              <a:ext uri="{FF2B5EF4-FFF2-40B4-BE49-F238E27FC236}">
+                <a16:creationId xmlns:a16="http://schemas.microsoft.com/office/drawing/2014/main" id="{CA7BD838-D4FB-4EA7-B68C-FA7B6D147BA2}"/>
+              </a:ext>
+            </a:extLst>
+          </p:cNvPr>
+          <p:cNvGrpSpPr/>
+          <p:nvPr/>
+        </p:nvGrpSpPr>
+        <p:grpSpPr>
+          <a:xfrm>
+            <a:off x="500014" y="407324"/>
+            <a:ext cx="1852488" cy="854227"/>
+            <a:chOff x="640080" y="-971550"/>
+            <a:chExt cx="1660746" cy="765810"/>
+          </a:xfrm>
+        </p:grpSpPr>
+        <p:sp>
+          <p:nvSpPr>
+            <p:cNvPr id="18" name="TextBox 17">
+              <a:extLst>
+                <a:ext uri="{FF2B5EF4-FFF2-40B4-BE49-F238E27FC236}">
+                  <a16:creationId xmlns:a16="http://schemas.microsoft.com/office/drawing/2014/main" id="{D7B7EE40-BAD9-4569-9BF6-F6E9ACA78A3C}"/>
+                </a:ext>
+              </a:extLst>
+            </p:cNvPr>
+            <p:cNvSpPr txBox="1"/>
+            <p:nvPr/>
+          </p:nvSpPr>
+          <p:spPr>
+            <a:xfrm>
+              <a:off x="683325" y="-881070"/>
+              <a:ext cx="1576513" cy="358697"/>
+            </a:xfrm>
+            <a:prstGeom prst="rect">
+              <a:avLst/>
+            </a:prstGeom>
+            <a:noFill/>
+          </p:spPr>
+          <p:txBody>
+            <a:bodyPr wrap="square" rtlCol="0">
+              <a:spAutoFit/>
+            </a:bodyPr>
+            <a:lstStyle/>
+            <a:p>
+              <a:pPr algn="ctr"/>
+              <a:r>
+                <a:rPr lang="ko-KR" altLang="en-US" sz="2000" dirty="0">
+                  <a:ln>
+                    <a:solidFill>
+                      <a:schemeClr val="tx1">
+                        <a:alpha val="30000"/>
+                      </a:schemeClr>
+                    </a:solidFill>
+                  </a:ln>
+                  <a:latin typeface="KoPub돋움체 Light" panose="02020603020101020101" pitchFamily="18" charset="-127"/>
+                  <a:ea typeface="KoPub돋움체 Light" panose="02020603020101020101" pitchFamily="18" charset="-127"/>
+                </a:rPr>
+                <a:t>구현 과정</a:t>
+              </a:r>
+              <a:endParaRPr lang="ko-KR" altLang="en-US" sz="1600" dirty="0">
+                <a:ln>
+                  <a:solidFill>
+                    <a:schemeClr val="tx1">
+                      <a:alpha val="30000"/>
+                    </a:schemeClr>
+                  </a:solidFill>
+                </a:ln>
+                <a:latin typeface="KoPub돋움체 Light" panose="02020603020101020101" pitchFamily="18" charset="-127"/>
+                <a:ea typeface="KoPub돋움체 Light" panose="02020603020101020101" pitchFamily="18" charset="-127"/>
+              </a:endParaRPr>
+            </a:p>
+          </p:txBody>
+        </p:sp>
+        <p:sp>
+          <p:nvSpPr>
+            <p:cNvPr id="5" name="직사각형 4">
+              <a:extLst>
+                <a:ext uri="{FF2B5EF4-FFF2-40B4-BE49-F238E27FC236}">
+                  <a16:creationId xmlns:a16="http://schemas.microsoft.com/office/drawing/2014/main" id="{AB4C8245-D0E4-4D79-B3E9-2FB89CE6FE84}"/>
+                </a:ext>
+              </a:extLst>
+            </p:cNvPr>
+            <p:cNvSpPr/>
+            <p:nvPr/>
+          </p:nvSpPr>
+          <p:spPr>
+            <a:xfrm>
+              <a:off x="640080" y="-971550"/>
+              <a:ext cx="1660746" cy="765810"/>
+            </a:xfrm>
+            <a:prstGeom prst="rect">
+              <a:avLst/>
+            </a:prstGeom>
+            <a:noFill/>
+            <a:ln w="25400">
+              <a:solidFill>
+                <a:schemeClr val="tx1"/>
+              </a:solidFill>
+            </a:ln>
+          </p:spPr>
+          <p:style>
+            <a:lnRef idx="2">
+              <a:schemeClr val="accent1">
+                <a:shade val="50000"/>
+              </a:schemeClr>
+            </a:lnRef>
+            <a:fillRef idx="1">
+              <a:schemeClr val="accent1"/>
+            </a:fillRef>
+            <a:effectRef idx="0">
+              <a:schemeClr val="accent1"/>
+            </a:effectRef>
+            <a:fontRef idx="minor">
+              <a:schemeClr val="lt1"/>
+            </a:fontRef>
+          </p:style>
+          <p:txBody>
+            <a:bodyPr rtlCol="0" anchor="ctr"/>
+            <a:lstStyle/>
+            <a:p>
+              <a:pPr algn="ctr"/>
+              <a:endParaRPr lang="ko-KR" altLang="en-US"/>
+            </a:p>
+          </p:txBody>
+        </p:sp>
+      </p:grpSp>
       <p:sp>
         <p:nvSpPr>
-          <p:cNvPr id="2" name="TextBox 1">
-            <a:extLst>
-              <a:ext uri="{FF2B5EF4-FFF2-40B4-BE49-F238E27FC236}">
-                <a16:creationId xmlns:a16="http://schemas.microsoft.com/office/drawing/2014/main" id="{8C8FCD74-879C-42EB-8E54-8521F532144E}"/>
+          <p:cNvPr id="7" name="TextBox 6">
+            <a:extLst>
+              <a:ext uri="{FF2B5EF4-FFF2-40B4-BE49-F238E27FC236}">
+                <a16:creationId xmlns:a16="http://schemas.microsoft.com/office/drawing/2014/main" id="{77ED49F9-B91F-4AC2-9CDF-E12973B2A540}"/>
               </a:ext>
             </a:extLst>
           </p:cNvPr>
@@ -6882,8 +10992,8 @@
         </p:nvSpPr>
         <p:spPr>
           <a:xfrm>
-            <a:off x="4625886" y="2693849"/>
-            <a:ext cx="2940228" cy="769441"/>
+            <a:off x="944744" y="908361"/>
+            <a:ext cx="1362038" cy="276999"/>
           </a:xfrm>
           <a:prstGeom prst="rect">
             <a:avLst/>
@@ -6891,21 +11001,50 @@
           <a:noFill/>
         </p:spPr>
         <p:txBody>
-          <a:bodyPr wrap="none" rtlCol="0">
+          <a:bodyPr wrap="square" rtlCol="0">
             <a:spAutoFit/>
           </a:bodyPr>
           <a:lstStyle/>
           <a:p>
-            <a:r>
-              <a:rPr lang="en-US" altLang="ko-KR" sz="4400" dirty="0">
-                <a:latin typeface="KoPub돋움체 Bold" panose="02020603020101020101" pitchFamily="18" charset="-127"/>
-                <a:ea typeface="KoPub돋움체 Bold" panose="02020603020101020101" pitchFamily="18" charset="-127"/>
+            <a:pPr algn="ctr"/>
+            <a:r>
+              <a:rPr lang="en-US" altLang="ko-KR" sz="1200" dirty="0">
+                <a:ln>
+                  <a:solidFill>
+                    <a:schemeClr val="tx1">
+                      <a:alpha val="30000"/>
+                    </a:schemeClr>
+                  </a:solidFill>
+                </a:ln>
+                <a:latin typeface="KoPub돋움체 Light" panose="02020603020101020101" pitchFamily="18" charset="-127"/>
+                <a:ea typeface="KoPub돋움체 Light" panose="02020603020101020101" pitchFamily="18" charset="-127"/>
               </a:rPr>
-              <a:t>Thank you </a:t>
-            </a:r>
-            <a:endParaRPr lang="ko-KR" altLang="en-US" sz="4400" dirty="0">
-              <a:latin typeface="KoPub돋움체 Bold" panose="02020603020101020101" pitchFamily="18" charset="-127"/>
-              <a:ea typeface="KoPub돋움체 Bold" panose="02020603020101020101" pitchFamily="18" charset="-127"/>
+              <a:t>- </a:t>
+            </a:r>
+            <a:r>
+              <a:rPr lang="en-US" altLang="ko-KR" sz="1200" dirty="0" err="1">
+                <a:ln>
+                  <a:solidFill>
+                    <a:schemeClr val="tx1">
+                      <a:alpha val="30000"/>
+                    </a:schemeClr>
+                  </a:solidFill>
+                </a:ln>
+                <a:latin typeface="KoPub돋움체 Light" panose="02020603020101020101" pitchFamily="18" charset="-127"/>
+                <a:ea typeface="KoPub돋움체 Light" panose="02020603020101020101" pitchFamily="18" charset="-127"/>
+              </a:rPr>
+              <a:t>MenuPage</a:t>
+            </a:r>
+            <a:endParaRPr lang="ko-KR" altLang="en-US" sz="1200" dirty="0">
+              <a:ln>
+                <a:solidFill>
+                  <a:schemeClr val="tx1">
+                    <a:alpha val="30000"/>
+                  </a:schemeClr>
+                </a:solidFill>
+              </a:ln>
+              <a:latin typeface="KoPub돋움체 Light" panose="02020603020101020101" pitchFamily="18" charset="-127"/>
+              <a:ea typeface="KoPub돋움체 Light" panose="02020603020101020101" pitchFamily="18" charset="-127"/>
             </a:endParaRPr>
           </a:p>
         </p:txBody>
@@ -6913,7 +11052,7 @@
     </p:spTree>
     <p:extLst>
       <p:ext uri="{BB962C8B-B14F-4D97-AF65-F5344CB8AC3E}">
-        <p14:creationId xmlns:p14="http://schemas.microsoft.com/office/powerpoint/2010/main" val="1028503942"/>
+        <p14:creationId xmlns:p14="http://schemas.microsoft.com/office/powerpoint/2010/main" val="1230801312"/>
       </p:ext>
     </p:extLst>
   </p:cSld>
